--- a/Classes/SvcDev-07-Containers.pptx
+++ b/Classes/SvcDev-07-Containers.pptx
@@ -230,7 +230,7 @@
             <a:fld id="{2C5F02C1-A2C2-45D1-8D60-D454C04B5E27}" type="datetimeFigureOut">
               <a:rPr lang="es-CO" smtClean="0"/>
               <a:pPr/>
-              <a:t>29/03/2022</a:t>
+              <a:t>24/05/2025</a:t>
             </a:fld>
             <a:endParaRPr lang="es-CO" dirty="0"/>
           </a:p>
@@ -296,35 +296,35 @@
           <a:p>
             <a:pPr lvl="0"/>
             <a:r>
-              <a:rPr lang="en-US" smtClean="0"/>
+              <a:rPr lang="en-US"/>
               <a:t>Click to edit Master text styles</a:t>
             </a:r>
           </a:p>
           <a:p>
             <a:pPr lvl="1"/>
             <a:r>
-              <a:rPr lang="en-US" smtClean="0"/>
+              <a:rPr lang="en-US"/>
               <a:t>Second level</a:t>
             </a:r>
           </a:p>
           <a:p>
             <a:pPr lvl="2"/>
             <a:r>
-              <a:rPr lang="en-US" smtClean="0"/>
+              <a:rPr lang="en-US"/>
               <a:t>Third level</a:t>
             </a:r>
           </a:p>
           <a:p>
             <a:pPr lvl="3"/>
             <a:r>
-              <a:rPr lang="en-US" smtClean="0"/>
+              <a:rPr lang="en-US"/>
               <a:t>Fourth level</a:t>
             </a:r>
           </a:p>
           <a:p>
             <a:pPr lvl="4"/>
             <a:r>
-              <a:rPr lang="en-US" smtClean="0"/>
+              <a:rPr lang="en-US"/>
               <a:t>Fifth level</a:t>
             </a:r>
             <a:endParaRPr lang="es-CO"/>
@@ -633,10 +633,9 @@
           <a:lstStyle/>
           <a:p>
             <a:r>
-              <a:rPr lang="es-CO" dirty="0" smtClean="0"/>
+              <a:rPr lang="es-CO" dirty="0"/>
               <a:t>https://www.vmware.com/latam/topics/glossary/content/virtual-machine.html</a:t>
             </a:r>
-            <a:endParaRPr lang="es-CO" dirty="0"/>
           </a:p>
         </p:txBody>
       </p:sp>
@@ -722,16 +721,16 @@
           <a:lstStyle/>
           <a:p>
             <a:r>
-              <a:rPr lang="es-CO" dirty="0" smtClean="0"/>
+              <a:rPr lang="es-CO" dirty="0"/>
               <a:t>https://www.netapp.com/es/devops-solutions/what-are-containers/</a:t>
             </a:r>
           </a:p>
           <a:p>
-            <a:endParaRPr lang="es-CO" dirty="0" smtClean="0"/>
-          </a:p>
-          <a:p>
-            <a:r>
-              <a:rPr lang="es-CO" sz="1200" b="0" i="1" kern="1200" dirty="0" smtClean="0">
+            <a:endParaRPr lang="es-CO" dirty="0"/>
+          </a:p>
+          <a:p>
+            <a:r>
+              <a:rPr lang="es-CO" sz="1200" b="0" i="1" kern="1200" dirty="0">
                 <a:solidFill>
                   <a:schemeClr val="tx1"/>
                 </a:solidFill>
@@ -743,7 +742,7 @@
               <a:t>Los contenedores son una forma de virtualización del sistema operativo. Un solo contenedor se puede usar para ejecutar cualquier cosa, desde un </a:t>
             </a:r>
             <a:r>
-              <a:rPr lang="es-CO" sz="1200" b="0" i="1" kern="1200" dirty="0" err="1" smtClean="0">
+              <a:rPr lang="es-CO" sz="1200" b="0" i="1" kern="1200" dirty="0" err="1">
                 <a:solidFill>
                   <a:schemeClr val="tx1"/>
                 </a:solidFill>
@@ -755,7 +754,7 @@
               <a:t>microservicio</a:t>
             </a:r>
             <a:r>
-              <a:rPr lang="es-CO" sz="1200" b="0" i="1" kern="1200" dirty="0" smtClean="0">
+              <a:rPr lang="es-CO" sz="1200" b="0" i="1" kern="1200" dirty="0">
                 <a:solidFill>
                   <a:schemeClr val="tx1"/>
                 </a:solidFill>
@@ -767,7 +766,7 @@
               <a:t> o un proceso de software a una aplicación de mayor tamaño. Dentro de un contenedor se encuentran todos los ejecutables, el código binario, las bibliotecas y los archivos de configuración necesarios. Sin embargo, en comparación con los métodos de virtualización de máquinas o servidores, los contenedores no contienen imágenes del sistema operativo. Esto los hace más ligeros y portátiles, con una sobrecarga significativamente menor. En implementaciones de aplicaciones de mayor tamaño, se pueden poner en marcha varios contenedores como uno o varios clústeres de contenedores. Estos clústeres se pueden gestionar mediante un orquestador de contenedores, como </a:t>
             </a:r>
             <a:r>
-              <a:rPr lang="es-CO" sz="1200" b="0" i="1" kern="1200" dirty="0" err="1" smtClean="0">
+              <a:rPr lang="es-CO" sz="1200" b="0" i="1" kern="1200" dirty="0" err="1">
                 <a:solidFill>
                   <a:schemeClr val="tx1"/>
                 </a:solidFill>
@@ -779,7 +778,7 @@
               <a:t>Kubernetes</a:t>
             </a:r>
             <a:r>
-              <a:rPr lang="es-CO" sz="1200" b="0" i="1" kern="1200" dirty="0" smtClean="0">
+              <a:rPr lang="es-CO" sz="1200" b="0" i="1" kern="1200" dirty="0">
                 <a:solidFill>
                   <a:schemeClr val="tx1"/>
                 </a:solidFill>
@@ -876,17 +875,17 @@
           <a:lstStyle/>
           <a:p>
             <a:r>
-              <a:rPr lang="es-CO" dirty="0" smtClean="0"/>
+              <a:rPr lang="es-CO" dirty="0"/>
               <a:t>https://www.netapp.com/es/devops-solutions/what-are-containers/</a:t>
             </a:r>
           </a:p>
           <a:p>
-            <a:endParaRPr lang="es-CO" dirty="0" smtClean="0"/>
+            <a:endParaRPr lang="es-CO" dirty="0"/>
           </a:p>
           <a:p>
             <a:pPr fontAlgn="base"/>
             <a:r>
-              <a:rPr lang="es-CO" sz="1200" b="0" i="0" kern="1200" dirty="0" smtClean="0">
+              <a:rPr lang="es-CO" sz="1200" b="0" i="0" kern="1200" dirty="0">
                 <a:solidFill>
                   <a:schemeClr val="tx1"/>
                 </a:solidFill>
@@ -901,7 +900,7 @@
           <a:p>
             <a:pPr fontAlgn="base"/>
             <a:r>
-              <a:rPr lang="es-CO" sz="1200" b="0" i="0" kern="1200" dirty="0" smtClean="0">
+              <a:rPr lang="es-CO" sz="1200" b="0" i="0" kern="1200" dirty="0">
                 <a:solidFill>
                   <a:schemeClr val="tx1"/>
                 </a:solidFill>
@@ -913,7 +912,7 @@
               <a:t>Las VM se ejecutan en un entorno de </a:t>
             </a:r>
             <a:r>
-              <a:rPr lang="es-CO" sz="1200" b="0" i="0" kern="1200" dirty="0" err="1" smtClean="0">
+              <a:rPr lang="es-CO" sz="1200" b="0" i="0" kern="1200" dirty="0" err="1">
                 <a:solidFill>
                   <a:schemeClr val="tx1"/>
                 </a:solidFill>
@@ -925,7 +924,7 @@
               <a:t>hipervisor</a:t>
             </a:r>
             <a:r>
-              <a:rPr lang="es-CO" sz="1200" b="0" i="0" kern="1200" dirty="0" smtClean="0">
+              <a:rPr lang="es-CO" sz="1200" b="0" i="0" kern="1200" dirty="0">
                 <a:solidFill>
                   <a:schemeClr val="tx1"/>
                 </a:solidFill>
@@ -940,7 +939,7 @@
           <a:p>
             <a:pPr fontAlgn="base"/>
             <a:r>
-              <a:rPr lang="es-CO" sz="1200" b="0" i="0" kern="1200" dirty="0" smtClean="0">
+              <a:rPr lang="es-CO" sz="1200" b="0" i="0" kern="1200" dirty="0">
                 <a:solidFill>
                   <a:schemeClr val="tx1"/>
                 </a:solidFill>
@@ -952,7 +951,7 @@
               <a:t>Por el contrario, cada contenedor comparte el mismo sistema operativo host o </a:t>
             </a:r>
             <a:r>
-              <a:rPr lang="es-CO" sz="1200" b="0" i="0" kern="1200" dirty="0" err="1" smtClean="0">
+              <a:rPr lang="es-CO" sz="1200" b="0" i="0" kern="1200" dirty="0" err="1">
                 <a:solidFill>
                   <a:schemeClr val="tx1"/>
                 </a:solidFill>
@@ -964,7 +963,7 @@
               <a:t>kernel</a:t>
             </a:r>
             <a:r>
-              <a:rPr lang="es-CO" sz="1200" b="0" i="0" kern="1200" dirty="0" smtClean="0">
+              <a:rPr lang="es-CO" sz="1200" b="0" i="0" kern="1200" dirty="0">
                 <a:solidFill>
                   <a:schemeClr val="tx1"/>
                 </a:solidFill>
@@ -1065,17 +1064,17 @@
           <a:lstStyle/>
           <a:p>
             <a:r>
-              <a:rPr lang="es-CO" dirty="0" smtClean="0"/>
+              <a:rPr lang="es-CO" dirty="0"/>
               <a:t>https://www.netapp.com/es/devops-solutions/what-are-containers/</a:t>
             </a:r>
           </a:p>
           <a:p>
-            <a:endParaRPr lang="es-CO" dirty="0" smtClean="0"/>
+            <a:endParaRPr lang="es-CO" dirty="0"/>
           </a:p>
           <a:p>
             <a:pPr fontAlgn="base"/>
             <a:r>
-              <a:rPr lang="es-CO" sz="1200" b="1" i="0" kern="1200" dirty="0" smtClean="0">
+              <a:rPr lang="es-CO" sz="1200" b="1" i="0" kern="1200" dirty="0">
                 <a:solidFill>
                   <a:schemeClr val="tx1"/>
                 </a:solidFill>
@@ -1087,7 +1086,7 @@
               <a:t>El </a:t>
             </a:r>
             <a:r>
-              <a:rPr lang="es-CO" sz="1200" b="1" i="0" kern="1200" dirty="0" err="1" smtClean="0">
+              <a:rPr lang="es-CO" sz="1200" b="1" i="0" kern="1200" dirty="0" err="1">
                 <a:solidFill>
                   <a:schemeClr val="tx1"/>
                 </a:solidFill>
@@ -1099,7 +1098,7 @@
               <a:t>rehospedaje</a:t>
             </a:r>
             <a:r>
-              <a:rPr lang="es-CO" sz="1200" b="1" i="0" kern="1200" dirty="0" smtClean="0">
+              <a:rPr lang="es-CO" sz="1200" b="1" i="0" kern="1200" dirty="0">
                 <a:solidFill>
                   <a:schemeClr val="tx1"/>
                 </a:solidFill>
@@ -1110,20 +1109,8 @@
               </a:rPr>
               <a:t> de las aplicaciones existentes en arquitecturas de nube modernas</a:t>
             </a:r>
-            <a:r>
-              <a:rPr lang="es-CO" sz="1200" b="0" i="0" kern="1200" dirty="0" smtClean="0">
-                <a:solidFill>
-                  <a:schemeClr val="tx1"/>
-                </a:solidFill>
-                <a:effectLst/>
-                <a:latin typeface="+mn-lt"/>
-                <a:ea typeface="+mn-ea"/>
-                <a:cs typeface="+mn-cs"/>
-              </a:rPr>
-              <a:t/>
-            </a:r>
             <a:br>
-              <a:rPr lang="es-CO" sz="1200" b="0" i="0" kern="1200" dirty="0" smtClean="0">
+              <a:rPr lang="es-CO" sz="1200" b="0" i="0" kern="1200" dirty="0">
                 <a:solidFill>
                   <a:schemeClr val="tx1"/>
                 </a:solidFill>
@@ -1134,7 +1121,7 @@
               </a:rPr>
             </a:br>
             <a:r>
-              <a:rPr lang="es-CO" sz="1200" b="0" i="0" kern="1200" dirty="0" smtClean="0">
+              <a:rPr lang="es-CO" sz="1200" b="0" i="0" kern="1200" dirty="0">
                 <a:solidFill>
                   <a:schemeClr val="tx1"/>
                 </a:solidFill>
@@ -1146,7 +1133,7 @@
               <a:t>Algunas organizaciones utilizan contenedores para migrar las aplicaciones existentes a entornos más modernos. Aunque esta práctica ofrece algunos de los beneficios básicos de la virtualización de sistemas operativos, no ofrece todas las ventajas de una arquitectura de aplicaciones modular basada en contenedores.</a:t>
             </a:r>
             <a:br>
-              <a:rPr lang="es-CO" sz="1200" b="0" i="0" kern="1200" dirty="0" smtClean="0">
+              <a:rPr lang="es-CO" sz="1200" b="0" i="0" kern="1200" dirty="0">
                 <a:solidFill>
                   <a:schemeClr val="tx1"/>
                 </a:solidFill>
@@ -1156,7 +1143,7 @@
                 <a:cs typeface="+mn-cs"/>
               </a:rPr>
             </a:br>
-            <a:endParaRPr lang="es-CO" sz="1200" b="0" i="0" kern="1200" dirty="0" smtClean="0">
+            <a:endParaRPr lang="es-CO" sz="1200" b="0" i="0" kern="1200" dirty="0">
               <a:solidFill>
                 <a:schemeClr val="tx1"/>
               </a:solidFill>
@@ -1169,7 +1156,7 @@
           <a:p>
             <a:pPr fontAlgn="base"/>
             <a:r>
-              <a:rPr lang="es-CO" sz="1200" b="1" i="0" kern="1200" dirty="0" smtClean="0">
+              <a:rPr lang="es-CO" sz="1200" b="1" i="0" kern="1200" dirty="0">
                 <a:solidFill>
                   <a:schemeClr val="tx1"/>
                 </a:solidFill>
@@ -1180,20 +1167,8 @@
               </a:rPr>
               <a:t>Refactorización de las aplicaciones existentes para contenedores</a:t>
             </a:r>
-            <a:r>
-              <a:rPr lang="es-CO" sz="1200" b="0" i="0" kern="1200" dirty="0" smtClean="0">
-                <a:solidFill>
-                  <a:schemeClr val="tx1"/>
-                </a:solidFill>
-                <a:effectLst/>
-                <a:latin typeface="+mn-lt"/>
-                <a:ea typeface="+mn-ea"/>
-                <a:cs typeface="+mn-cs"/>
-              </a:rPr>
-              <a:t/>
-            </a:r>
             <a:br>
-              <a:rPr lang="es-CO" sz="1200" b="0" i="0" kern="1200" dirty="0" smtClean="0">
+              <a:rPr lang="es-CO" sz="1200" b="0" i="0" kern="1200" dirty="0">
                 <a:solidFill>
                   <a:schemeClr val="tx1"/>
                 </a:solidFill>
@@ -1204,7 +1179,7 @@
               </a:rPr>
             </a:br>
             <a:r>
-              <a:rPr lang="es-CO" sz="1200" b="0" i="0" kern="1200" dirty="0" smtClean="0">
+              <a:rPr lang="es-CO" sz="1200" b="0" i="0" kern="1200" dirty="0">
                 <a:solidFill>
                   <a:schemeClr val="tx1"/>
                 </a:solidFill>
@@ -1216,7 +1191,7 @@
               <a:t>Aunque la refactorización requiere mucho más que la migración del </a:t>
             </a:r>
             <a:r>
-              <a:rPr lang="es-CO" sz="1200" b="0" i="0" kern="1200" dirty="0" err="1" smtClean="0">
+              <a:rPr lang="es-CO" sz="1200" b="0" i="0" kern="1200" dirty="0" err="1">
                 <a:solidFill>
                   <a:schemeClr val="tx1"/>
                 </a:solidFill>
@@ -1228,7 +1203,7 @@
               <a:t>rehospedaje</a:t>
             </a:r>
             <a:r>
-              <a:rPr lang="es-CO" sz="1200" b="0" i="0" kern="1200" dirty="0" smtClean="0">
+              <a:rPr lang="es-CO" sz="1200" b="0" i="0" kern="1200" dirty="0">
                 <a:solidFill>
                   <a:schemeClr val="tx1"/>
                 </a:solidFill>
@@ -1240,7 +1215,7 @@
               <a:t>, ofrece todos los beneficios de un entorno de contenedores.</a:t>
             </a:r>
             <a:br>
-              <a:rPr lang="es-CO" sz="1200" b="0" i="0" kern="1200" dirty="0" smtClean="0">
+              <a:rPr lang="es-CO" sz="1200" b="0" i="0" kern="1200" dirty="0">
                 <a:solidFill>
                   <a:schemeClr val="tx1"/>
                 </a:solidFill>
@@ -1250,7 +1225,7 @@
                 <a:cs typeface="+mn-cs"/>
               </a:rPr>
             </a:br>
-            <a:endParaRPr lang="es-CO" sz="1200" b="0" i="0" kern="1200" dirty="0" smtClean="0">
+            <a:endParaRPr lang="es-CO" sz="1200" b="0" i="0" kern="1200" dirty="0">
               <a:solidFill>
                 <a:schemeClr val="tx1"/>
               </a:solidFill>
@@ -1263,7 +1238,7 @@
           <a:p>
             <a:pPr fontAlgn="base"/>
             <a:r>
-              <a:rPr lang="es-CO" sz="1200" b="1" i="0" kern="1200" dirty="0" smtClean="0">
+              <a:rPr lang="es-CO" sz="1200" b="1" i="0" kern="1200" dirty="0">
                 <a:solidFill>
                   <a:schemeClr val="tx1"/>
                 </a:solidFill>
@@ -1274,20 +1249,8 @@
               </a:rPr>
               <a:t>Desarrollo de nuevas aplicaciones nativas del contenedor</a:t>
             </a:r>
-            <a:r>
-              <a:rPr lang="es-CO" sz="1200" b="0" i="0" kern="1200" dirty="0" smtClean="0">
-                <a:solidFill>
-                  <a:schemeClr val="tx1"/>
-                </a:solidFill>
-                <a:effectLst/>
-                <a:latin typeface="+mn-lt"/>
-                <a:ea typeface="+mn-ea"/>
-                <a:cs typeface="+mn-cs"/>
-              </a:rPr>
-              <a:t/>
-            </a:r>
             <a:br>
-              <a:rPr lang="es-CO" sz="1200" b="0" i="0" kern="1200" dirty="0" smtClean="0">
+              <a:rPr lang="es-CO" sz="1200" b="0" i="0" kern="1200" dirty="0">
                 <a:solidFill>
                   <a:schemeClr val="tx1"/>
                 </a:solidFill>
@@ -1298,7 +1261,7 @@
               </a:rPr>
             </a:br>
             <a:r>
-              <a:rPr lang="es-CO" sz="1200" b="0" i="0" kern="1200" dirty="0" smtClean="0">
+              <a:rPr lang="es-CO" sz="1200" b="0" i="0" kern="1200" dirty="0">
                 <a:solidFill>
                   <a:schemeClr val="tx1"/>
                 </a:solidFill>
@@ -1310,7 +1273,7 @@
               <a:t>Al igual que la refactorización, este método permite disfrutar de todos los beneficios de los contenedores.</a:t>
             </a:r>
             <a:br>
-              <a:rPr lang="es-CO" sz="1200" b="0" i="0" kern="1200" dirty="0" smtClean="0">
+              <a:rPr lang="es-CO" sz="1200" b="0" i="0" kern="1200" dirty="0">
                 <a:solidFill>
                   <a:schemeClr val="tx1"/>
                 </a:solidFill>
@@ -1320,7 +1283,7 @@
                 <a:cs typeface="+mn-cs"/>
               </a:rPr>
             </a:br>
-            <a:endParaRPr lang="es-CO" sz="1200" b="0" i="0" kern="1200" dirty="0" smtClean="0">
+            <a:endParaRPr lang="es-CO" sz="1200" b="0" i="0" kern="1200" dirty="0">
               <a:solidFill>
                 <a:schemeClr val="tx1"/>
               </a:solidFill>
@@ -1333,7 +1296,7 @@
           <a:p>
             <a:pPr fontAlgn="base"/>
             <a:r>
-              <a:rPr lang="es-CO" sz="1200" b="1" i="0" kern="1200" dirty="0" smtClean="0">
+              <a:rPr lang="es-CO" sz="1200" b="1" i="0" kern="1200" dirty="0">
                 <a:solidFill>
                   <a:schemeClr val="tx1"/>
                 </a:solidFill>
@@ -1345,7 +1308,7 @@
               <a:t>Más compatibilidad con las arquitecturas de </a:t>
             </a:r>
             <a:r>
-              <a:rPr lang="es-CO" sz="1200" b="1" i="0" kern="1200" dirty="0" err="1" smtClean="0">
+              <a:rPr lang="es-CO" sz="1200" b="1" i="0" kern="1200" dirty="0" err="1">
                 <a:solidFill>
                   <a:schemeClr val="tx1"/>
                 </a:solidFill>
@@ -1356,20 +1319,8 @@
               </a:rPr>
               <a:t>microservicios</a:t>
             </a:r>
-            <a:r>
-              <a:rPr lang="es-CO" sz="1200" b="0" i="0" kern="1200" dirty="0" smtClean="0">
-                <a:solidFill>
-                  <a:schemeClr val="tx1"/>
-                </a:solidFill>
-                <a:effectLst/>
-                <a:latin typeface="+mn-lt"/>
-                <a:ea typeface="+mn-ea"/>
-                <a:cs typeface="+mn-cs"/>
-              </a:rPr>
-              <a:t/>
-            </a:r>
             <a:br>
-              <a:rPr lang="es-CO" sz="1200" b="0" i="0" kern="1200" dirty="0" smtClean="0">
+              <a:rPr lang="es-CO" sz="1200" b="0" i="0" kern="1200" dirty="0">
                 <a:solidFill>
                   <a:schemeClr val="tx1"/>
                 </a:solidFill>
@@ -1380,7 +1331,7 @@
               </a:rPr>
             </a:br>
             <a:r>
-              <a:rPr lang="es-CO" sz="1200" b="0" i="0" kern="1200" dirty="0" smtClean="0">
+              <a:rPr lang="es-CO" sz="1200" b="0" i="0" kern="1200" dirty="0">
                 <a:solidFill>
                   <a:schemeClr val="tx1"/>
                 </a:solidFill>
@@ -1392,7 +1343,7 @@
               <a:t>Las aplicaciones distribuidas y los </a:t>
             </a:r>
             <a:r>
-              <a:rPr lang="es-CO" sz="1200" b="0" i="0" kern="1200" dirty="0" err="1" smtClean="0">
+              <a:rPr lang="es-CO" sz="1200" b="0" i="0" kern="1200" dirty="0" err="1">
                 <a:solidFill>
                   <a:schemeClr val="tx1"/>
                 </a:solidFill>
@@ -1404,7 +1355,7 @@
               <a:t>microservicios</a:t>
             </a:r>
             <a:r>
-              <a:rPr lang="es-CO" sz="1200" b="0" i="0" kern="1200" dirty="0" smtClean="0">
+              <a:rPr lang="es-CO" sz="1200" b="0" i="0" kern="1200" dirty="0">
                 <a:solidFill>
                   <a:schemeClr val="tx1"/>
                 </a:solidFill>
@@ -1416,7 +1367,7 @@
               <a:t> se pueden aislar, poner en marcha y escalar más fácilmente utilizando elementos básicos de contenedores individuales.</a:t>
             </a:r>
             <a:br>
-              <a:rPr lang="es-CO" sz="1200" b="0" i="0" kern="1200" dirty="0" smtClean="0">
+              <a:rPr lang="es-CO" sz="1200" b="0" i="0" kern="1200" dirty="0">
                 <a:solidFill>
                   <a:schemeClr val="tx1"/>
                 </a:solidFill>
@@ -1426,7 +1377,7 @@
                 <a:cs typeface="+mn-cs"/>
               </a:rPr>
             </a:br>
-            <a:endParaRPr lang="es-CO" sz="1200" b="0" i="0" kern="1200" dirty="0" smtClean="0">
+            <a:endParaRPr lang="es-CO" sz="1200" b="0" i="0" kern="1200" dirty="0">
               <a:solidFill>
                 <a:schemeClr val="tx1"/>
               </a:solidFill>
@@ -1439,7 +1390,7 @@
           <a:p>
             <a:pPr fontAlgn="base"/>
             <a:r>
-              <a:rPr lang="es-CO" sz="1200" b="1" i="0" kern="1200" dirty="0" smtClean="0">
+              <a:rPr lang="es-CO" sz="1200" b="1" i="0" kern="1200" dirty="0">
                 <a:solidFill>
                   <a:schemeClr val="tx1"/>
                 </a:solidFill>
@@ -1451,7 +1402,7 @@
               <a:t>Soporte de </a:t>
             </a:r>
             <a:r>
-              <a:rPr lang="es-CO" sz="1200" b="1" i="0" kern="1200" dirty="0" err="1" smtClean="0">
+              <a:rPr lang="es-CO" sz="1200" b="1" i="0" kern="1200" dirty="0" err="1">
                 <a:solidFill>
                   <a:schemeClr val="tx1"/>
                 </a:solidFill>
@@ -1463,7 +1414,7 @@
               <a:t>DevOps</a:t>
             </a:r>
             <a:r>
-              <a:rPr lang="es-CO" sz="1200" b="1" i="0" kern="1200" dirty="0" smtClean="0">
+              <a:rPr lang="es-CO" sz="1200" b="1" i="0" kern="1200" dirty="0">
                 <a:solidFill>
                   <a:schemeClr val="tx1"/>
                 </a:solidFill>
@@ -1474,20 +1425,8 @@
               </a:rPr>
               <a:t> para la integración y la puesta en marcha continuas (CI/CD)</a:t>
             </a:r>
-            <a:r>
-              <a:rPr lang="es-CO" sz="1200" b="0" i="0" kern="1200" dirty="0" smtClean="0">
-                <a:solidFill>
-                  <a:schemeClr val="tx1"/>
-                </a:solidFill>
-                <a:effectLst/>
-                <a:latin typeface="+mn-lt"/>
-                <a:ea typeface="+mn-ea"/>
-                <a:cs typeface="+mn-cs"/>
-              </a:rPr>
-              <a:t/>
-            </a:r>
             <a:br>
-              <a:rPr lang="es-CO" sz="1200" b="0" i="0" kern="1200" dirty="0" smtClean="0">
+              <a:rPr lang="es-CO" sz="1200" b="0" i="0" kern="1200" dirty="0">
                 <a:solidFill>
                   <a:schemeClr val="tx1"/>
                 </a:solidFill>
@@ -1498,7 +1437,7 @@
               </a:rPr>
             </a:br>
             <a:r>
-              <a:rPr lang="es-CO" sz="1200" b="0" i="0" kern="1200" dirty="0" smtClean="0">
+              <a:rPr lang="es-CO" sz="1200" b="0" i="0" kern="1200" dirty="0">
                 <a:solidFill>
                   <a:schemeClr val="tx1"/>
                 </a:solidFill>
@@ -1510,7 +1449,7 @@
               <a:t>La tecnología de contenedores permite la creación, la prueba y la puesta en marcha optimizadas a partir de las mismas imágenes de contenedores.</a:t>
             </a:r>
             <a:br>
-              <a:rPr lang="es-CO" sz="1200" b="0" i="0" kern="1200" dirty="0" smtClean="0">
+              <a:rPr lang="es-CO" sz="1200" b="0" i="0" kern="1200" dirty="0">
                 <a:solidFill>
                   <a:schemeClr val="tx1"/>
                 </a:solidFill>
@@ -1520,7 +1459,7 @@
                 <a:cs typeface="+mn-cs"/>
               </a:rPr>
             </a:br>
-            <a:endParaRPr lang="es-CO" sz="1200" b="0" i="0" kern="1200" dirty="0" smtClean="0">
+            <a:endParaRPr lang="es-CO" sz="1200" b="0" i="0" kern="1200" dirty="0">
               <a:solidFill>
                 <a:schemeClr val="tx1"/>
               </a:solidFill>
@@ -1533,7 +1472,7 @@
           <a:p>
             <a:pPr fontAlgn="base"/>
             <a:r>
-              <a:rPr lang="es-CO" sz="1200" b="1" i="0" kern="1200" dirty="0" smtClean="0">
+              <a:rPr lang="es-CO" sz="1200" b="1" i="0" kern="1200" dirty="0">
                 <a:solidFill>
                   <a:schemeClr val="tx1"/>
                 </a:solidFill>
@@ -1544,20 +1483,8 @@
               </a:rPr>
               <a:t>Una puesta en marcha más sencilla de tareas y trabajos repetitivos</a:t>
             </a:r>
-            <a:r>
-              <a:rPr lang="es-CO" sz="1200" b="0" i="0" kern="1200" dirty="0" smtClean="0">
-                <a:solidFill>
-                  <a:schemeClr val="tx1"/>
-                </a:solidFill>
-                <a:effectLst/>
-                <a:latin typeface="+mn-lt"/>
-                <a:ea typeface="+mn-ea"/>
-                <a:cs typeface="+mn-cs"/>
-              </a:rPr>
-              <a:t/>
-            </a:r>
             <a:br>
-              <a:rPr lang="es-CO" sz="1200" b="0" i="0" kern="1200" dirty="0" smtClean="0">
+              <a:rPr lang="es-CO" sz="1200" b="0" i="0" kern="1200" dirty="0">
                 <a:solidFill>
                   <a:schemeClr val="tx1"/>
                 </a:solidFill>
@@ -1568,7 +1495,7 @@
               </a:rPr>
             </a:br>
             <a:r>
-              <a:rPr lang="es-CO" sz="1200" b="0" i="0" kern="1200" dirty="0" smtClean="0">
+              <a:rPr lang="es-CO" sz="1200" b="0" i="0" kern="1200" dirty="0">
                 <a:solidFill>
                   <a:schemeClr val="tx1"/>
                 </a:solidFill>
@@ -1667,10 +1594,9 @@
           <a:lstStyle/>
           <a:p>
             <a:r>
-              <a:rPr lang="es-CO" dirty="0" smtClean="0"/>
+              <a:rPr lang="es-CO" dirty="0"/>
               <a:t>https://www.backblaze.com/blog/what-are-containers/</a:t>
             </a:r>
-            <a:endParaRPr lang="es-CO" dirty="0"/>
           </a:p>
         </p:txBody>
       </p:sp>
@@ -1756,83 +1682,82 @@
           <a:lstStyle/>
           <a:p>
             <a:r>
-              <a:rPr lang="es-CO" dirty="0" smtClean="0"/>
+              <a:rPr lang="es-CO" dirty="0"/>
               <a:t>https://www.netapp.com/es/devops-solutions/what-are-containers/</a:t>
             </a:r>
           </a:p>
           <a:p>
             <a:r>
-              <a:rPr lang="es-CO" dirty="0" smtClean="0"/>
+              <a:rPr lang="es-CO" dirty="0"/>
               <a:t>https://www.backblaze.com/blog/what-are-containers/</a:t>
             </a:r>
           </a:p>
           <a:p>
-            <a:endParaRPr lang="es-CO" dirty="0" smtClean="0"/>
-          </a:p>
-          <a:p>
-            <a:endParaRPr lang="es-CO" dirty="0" smtClean="0"/>
-          </a:p>
-          <a:p>
-            <a:r>
-              <a:rPr lang="es-CO" sz="1200" dirty="0" err="1" smtClean="0"/>
+            <a:endParaRPr lang="es-CO" dirty="0"/>
+          </a:p>
+          <a:p>
+            <a:endParaRPr lang="es-CO" dirty="0"/>
+          </a:p>
+          <a:p>
+            <a:r>
+              <a:rPr lang="es-CO" sz="1200" dirty="0" err="1"/>
               <a:t>Docker</a:t>
             </a:r>
             <a:r>
-              <a:rPr lang="es-CO" sz="1200" dirty="0" smtClean="0"/>
+              <a:rPr lang="es-CO" sz="1200" dirty="0"/>
               <a:t> se basa en estándares abiertos y funciona en la mayoría de los entornos operativos más comunes, incluidos Linux, Microsoft Windows y otras infraestructuras locales o basadas en la nube</a:t>
             </a:r>
           </a:p>
           <a:p>
-            <a:endParaRPr lang="es-CO" sz="1200" dirty="0" smtClean="0"/>
-          </a:p>
-          <a:p>
-            <a:r>
-              <a:rPr lang="es-CO" dirty="0" smtClean="0"/>
+            <a:endParaRPr lang="es-CO" sz="1200" dirty="0"/>
+          </a:p>
+          <a:p>
+            <a:r>
+              <a:rPr lang="es-CO" dirty="0"/>
               <a:t>La tecnología de contenedores ha existido por un tiempo en forma de contenedores de Linux o LXC, pero la adopción generalizada de contenedores ocurrió solo en los últimos cinco a siete años con la introducción de </a:t>
             </a:r>
             <a:r>
-              <a:rPr lang="es-CO" dirty="0" err="1" smtClean="0"/>
+              <a:rPr lang="es-CO" dirty="0" err="1"/>
               <a:t>Docker</a:t>
             </a:r>
             <a:r>
-              <a:rPr lang="es-CO" dirty="0" smtClean="0"/>
+              <a:rPr lang="es-CO" dirty="0"/>
               <a:t>.</a:t>
             </a:r>
           </a:p>
           <a:p>
-            <a:endParaRPr lang="es-CO" dirty="0" smtClean="0"/>
-          </a:p>
-          <a:p>
-            <a:r>
-              <a:rPr lang="es-CO" dirty="0" err="1" smtClean="0"/>
+            <a:endParaRPr lang="es-CO" dirty="0"/>
+          </a:p>
+          <a:p>
+            <a:r>
+              <a:rPr lang="es-CO" dirty="0" err="1"/>
               <a:t>Docker</a:t>
             </a:r>
             <a:r>
-              <a:rPr lang="es-CO" dirty="0" smtClean="0"/>
+              <a:rPr lang="es-CO" dirty="0"/>
               <a:t> se lanzó en 2013 como un proyecto para crear contenedores LXC de una sola aplicación e introdujo varios cambios en LXC que hacen que los contenedores sean más portátiles y flexibles de usar. Más tarde se transformó en su propio entorno de ejecución de contenedores. En un nivel alto, </a:t>
             </a:r>
             <a:r>
-              <a:rPr lang="es-CO" dirty="0" err="1" smtClean="0"/>
+              <a:rPr lang="es-CO" dirty="0" err="1"/>
               <a:t>Docker</a:t>
             </a:r>
             <a:r>
-              <a:rPr lang="es-CO" dirty="0" smtClean="0"/>
+              <a:rPr lang="es-CO" dirty="0"/>
               <a:t> es una utilidad de Linux que puede crear, enviar y ejecutar contenedores de manera eficiente.</a:t>
             </a:r>
           </a:p>
           <a:p>
-            <a:endParaRPr lang="es-CO" dirty="0" smtClean="0"/>
-          </a:p>
-          <a:p>
-            <a:r>
-              <a:rPr lang="es-CO" dirty="0" err="1" smtClean="0"/>
+            <a:endParaRPr lang="es-CO" dirty="0"/>
+          </a:p>
+          <a:p>
+            <a:r>
+              <a:rPr lang="es-CO" dirty="0" err="1"/>
               <a:t>Docker</a:t>
             </a:r>
             <a:r>
-              <a:rPr lang="es-CO" dirty="0" smtClean="0"/>
+              <a:rPr lang="es-CO" dirty="0"/>
               <a:t> introdujo más estandarización a los contenedores que las tecnologías anteriores y se centró en los desarrolladores, específicamente, convirtiéndolo en el estándar de facto en el mundo de los desarrolladores para el desarrollo de aplicaciones.</a:t>
             </a:r>
-            <a:endParaRPr lang="es-CO" dirty="0"/>
           </a:p>
         </p:txBody>
       </p:sp>
@@ -1918,16 +1843,16 @@
           <a:lstStyle/>
           <a:p>
             <a:r>
-              <a:rPr lang="es-CO" dirty="0" smtClean="0"/>
+              <a:rPr lang="es-CO" dirty="0"/>
               <a:t>https://www.netapp.com/es/devops-solutions/what-are-containers/</a:t>
             </a:r>
           </a:p>
           <a:p>
-            <a:endParaRPr lang="es-CO" dirty="0" smtClean="0"/>
-          </a:p>
-          <a:p>
-            <a:r>
-              <a:rPr lang="es-CO" sz="1200" b="0" i="0" kern="1200" dirty="0" err="1" smtClean="0">
+            <a:endParaRPr lang="es-CO" dirty="0"/>
+          </a:p>
+          <a:p>
+            <a:r>
+              <a:rPr lang="es-CO" sz="1200" b="0" i="0" kern="1200" dirty="0" err="1">
                 <a:solidFill>
                   <a:schemeClr val="tx1"/>
                 </a:solidFill>
@@ -1939,7 +1864,7 @@
               <a:t>Kubernetes</a:t>
             </a:r>
             <a:r>
-              <a:rPr lang="es-CO" sz="1200" b="0" i="0" kern="1200" dirty="0" smtClean="0">
+              <a:rPr lang="es-CO" sz="1200" b="0" i="0" kern="1200" dirty="0">
                 <a:solidFill>
                   <a:schemeClr val="tx1"/>
                 </a:solidFill>
@@ -1951,7 +1876,7 @@
               <a:t> orquesta el funcionamiento de varios contenedores juntos de forma armónica. Gestiona áreas como el uso de recursos de infraestructura subyacentes para aplicaciones en contenedores (por ejemplo, la cantidad de recursos de computación, red y almacenamiento necesarios). Las herramientas de orquestación como </a:t>
             </a:r>
             <a:r>
-              <a:rPr lang="es-CO" sz="1200" b="0" i="0" kern="1200" dirty="0" err="1" smtClean="0">
+              <a:rPr lang="es-CO" sz="1200" b="0" i="0" kern="1200" dirty="0" err="1">
                 <a:solidFill>
                   <a:schemeClr val="tx1"/>
                 </a:solidFill>
@@ -1963,7 +1888,7 @@
               <a:t>Kubernetes</a:t>
             </a:r>
             <a:r>
-              <a:rPr lang="es-CO" sz="1200" b="0" i="0" kern="1200" dirty="0" smtClean="0">
+              <a:rPr lang="es-CO" sz="1200" b="0" i="0" kern="1200" dirty="0">
                 <a:solidFill>
                   <a:schemeClr val="tx1"/>
                 </a:solidFill>
@@ -2060,21 +1985,21 @@
           <a:lstStyle/>
           <a:p>
             <a:r>
-              <a:rPr lang="es-CO" dirty="0" smtClean="0"/>
+              <a:rPr lang="es-CO" dirty="0"/>
               <a:t>https://www.redhat.com/es/topics/virtualization</a:t>
             </a:r>
           </a:p>
           <a:p>
             <a:r>
-              <a:rPr lang="es-CO" dirty="0" smtClean="0"/>
+              <a:rPr lang="es-CO" dirty="0"/>
               <a:t>https://www.redhat.com/es/topics/virtualization/what-is-virtualization</a:t>
             </a:r>
           </a:p>
           <a:p>
-            <a:endParaRPr lang="es-CO" dirty="0" smtClean="0"/>
-          </a:p>
-          <a:p>
-            <a:endParaRPr lang="es-CO" dirty="0" smtClean="0"/>
+            <a:endParaRPr lang="es-CO" dirty="0"/>
+          </a:p>
+          <a:p>
+            <a:endParaRPr lang="es-CO" dirty="0"/>
           </a:p>
           <a:p>
             <a:pPr marL="0" marR="0" lvl="0" indent="0" algn="l" defTabSz="914400" rtl="0" eaLnBrk="1" fontAlgn="auto" latinLnBrk="0" hangingPunct="1">
@@ -2095,15 +2020,15 @@
               <a:defRPr/>
             </a:pPr>
             <a:r>
-              <a:rPr lang="es-CO" dirty="0" smtClean="0"/>
+              <a:rPr lang="es-CO" dirty="0"/>
               <a:t>La virtualización es una tecnología que permite crear servicios de TI útiles, con recursos que están tradicionalmente limitados al hardware. </a:t>
             </a:r>
           </a:p>
           <a:p>
-            <a:endParaRPr lang="es-CO" dirty="0" smtClean="0"/>
-          </a:p>
-          <a:p>
-            <a:endParaRPr lang="es-CO" dirty="0" smtClean="0"/>
+            <a:endParaRPr lang="es-CO" dirty="0"/>
+          </a:p>
+          <a:p>
+            <a:endParaRPr lang="es-CO" dirty="0"/>
           </a:p>
           <a:p>
             <a:pPr marL="0" marR="0" lvl="0" indent="0" algn="l" defTabSz="914400" rtl="0" eaLnBrk="1" fontAlgn="auto" latinLnBrk="0" hangingPunct="1">
@@ -2124,7 +2049,7 @@
               <a:defRPr/>
             </a:pPr>
             <a:r>
-              <a:rPr lang="es-CO" dirty="0" smtClean="0"/>
+              <a:rPr lang="es-CO" dirty="0"/>
               <a:t>Gracias a que distribuye las funciones de una máquina física entre varios usuarios o entornos, posibilita el uso de toda la capacidad de la máquina.</a:t>
             </a:r>
           </a:p>
@@ -2215,12 +2140,12 @@
           <a:lstStyle/>
           <a:p>
             <a:r>
-              <a:rPr lang="es-CO" dirty="0" smtClean="0"/>
+              <a:rPr lang="es-CO" dirty="0"/>
               <a:t>https://www.redhat.com/es/topics/virtualization/what-is-a-virtual-machine</a:t>
             </a:r>
           </a:p>
           <a:p>
-            <a:endParaRPr lang="es-CO" dirty="0" smtClean="0"/>
+            <a:endParaRPr lang="es-CO" dirty="0"/>
           </a:p>
           <a:p>
             <a:pPr marL="0" marR="0" lvl="0" indent="0" algn="l" defTabSz="914400" rtl="0" eaLnBrk="1" fontAlgn="auto" latinLnBrk="0" hangingPunct="1">
@@ -2241,15 +2166,15 @@
               <a:defRPr/>
             </a:pPr>
             <a:r>
-              <a:rPr lang="es-CO" dirty="0" smtClean="0"/>
+              <a:rPr lang="es-CO" dirty="0"/>
               <a:t>El sistema de software se llama </a:t>
             </a:r>
             <a:r>
-              <a:rPr lang="es-CO" dirty="0" err="1" smtClean="0"/>
+              <a:rPr lang="es-CO" dirty="0" err="1"/>
               <a:t>hipervisor</a:t>
             </a:r>
             <a:r>
-              <a:rPr lang="es-CO" dirty="0" smtClean="0"/>
+              <a:rPr lang="es-CO" dirty="0"/>
               <a:t>, y se encarga de separar los recursos de la máquina del sistema de hardware e implementarlos adecuadamente para que la VM pueda utilizarlos. </a:t>
             </a:r>
           </a:p>
@@ -2340,16 +2265,16 @@
           <a:lstStyle/>
           <a:p>
             <a:r>
-              <a:rPr lang="es-CO" dirty="0" smtClean="0"/>
+              <a:rPr lang="es-CO" dirty="0"/>
               <a:t>https://www.redhat.com/es/topics/virtualization/what-is-virtualization</a:t>
             </a:r>
           </a:p>
           <a:p>
-            <a:endParaRPr lang="es-CO" dirty="0" smtClean="0"/>
-          </a:p>
-          <a:p>
-            <a:r>
-              <a:rPr lang="es-CO" sz="1200" b="0" i="0" kern="1200" dirty="0" smtClean="0">
+            <a:endParaRPr lang="es-CO" dirty="0"/>
+          </a:p>
+          <a:p>
+            <a:r>
+              <a:rPr lang="es-CO" sz="1200" b="0" i="0" kern="1200" dirty="0">
                 <a:solidFill>
                   <a:schemeClr val="tx1"/>
                 </a:solidFill>
@@ -2361,7 +2286,7 @@
               <a:t>El software denominado </a:t>
             </a:r>
             <a:r>
-              <a:rPr lang="es-CO" sz="1200" b="0" i="0" u="none" strike="noStrike" kern="1200" dirty="0" err="1" smtClean="0">
+              <a:rPr lang="es-CO" sz="1200" b="0" i="0" u="none" strike="noStrike" kern="1200" dirty="0" err="1">
                 <a:solidFill>
                   <a:schemeClr val="tx1"/>
                 </a:solidFill>
@@ -2374,7 +2299,7 @@
               <a:t>hipervisor</a:t>
             </a:r>
             <a:r>
-              <a:rPr lang="es-CO" sz="1200" b="0" i="0" kern="1200" dirty="0" smtClean="0">
+              <a:rPr lang="es-CO" sz="1200" b="0" i="0" kern="1200" dirty="0">
                 <a:solidFill>
                   <a:schemeClr val="tx1"/>
                 </a:solidFill>
@@ -2386,7 +2311,7 @@
               <a:t> separa los recursos físicos de los entornos virtuales que los necesitan. Los </a:t>
             </a:r>
             <a:r>
-              <a:rPr lang="es-CO" sz="1200" b="0" i="0" kern="1200" dirty="0" err="1" smtClean="0">
+              <a:rPr lang="es-CO" sz="1200" b="0" i="0" kern="1200" dirty="0" err="1">
                 <a:solidFill>
                   <a:schemeClr val="tx1"/>
                 </a:solidFill>
@@ -2398,7 +2323,7 @@
               <a:t>hipervisores</a:t>
             </a:r>
             <a:r>
-              <a:rPr lang="es-CO" sz="1200" b="0" i="0" kern="1200" dirty="0" smtClean="0">
+              <a:rPr lang="es-CO" sz="1200" b="0" i="0" kern="1200" dirty="0">
                 <a:solidFill>
                   <a:schemeClr val="tx1"/>
                 </a:solidFill>
@@ -2410,7 +2335,7 @@
               <a:t> pueden controlar un sistema operativo (como una computadora portátil) o instalarse directamente en el hardware (como un servidor), que es la forma en que la mayoría de las empresas implementan la virtualización. Los </a:t>
             </a:r>
             <a:r>
-              <a:rPr lang="es-CO" sz="1200" b="0" i="0" kern="1200" dirty="0" err="1" smtClean="0">
+              <a:rPr lang="es-CO" sz="1200" b="0" i="0" kern="1200" dirty="0" err="1">
                 <a:solidFill>
                   <a:schemeClr val="tx1"/>
                 </a:solidFill>
@@ -2422,7 +2347,7 @@
               <a:t>hipervisores</a:t>
             </a:r>
             <a:r>
-              <a:rPr lang="es-CO" sz="1200" b="0" i="0" kern="1200" dirty="0" smtClean="0">
+              <a:rPr lang="es-CO" sz="1200" b="0" i="0" kern="1200" dirty="0">
                 <a:solidFill>
                   <a:schemeClr val="tx1"/>
                 </a:solidFill>
@@ -2433,7 +2358,7 @@
               </a:rPr>
               <a:t> toman los recursos físicos y los dividen de manera tal que los entornos virtuales puedan usarlos.</a:t>
             </a:r>
-            <a:endParaRPr lang="es-CO" dirty="0" smtClean="0"/>
+            <a:endParaRPr lang="es-CO" dirty="0"/>
           </a:p>
           <a:p>
             <a:endParaRPr lang="es-CO" dirty="0"/>
@@ -2522,16 +2447,16 @@
           <a:lstStyle/>
           <a:p>
             <a:r>
-              <a:rPr lang="es-CO" dirty="0" smtClean="0"/>
+              <a:rPr lang="es-CO" dirty="0"/>
               <a:t>https://www.redhat.com/es/topics/virtualization/what-is-virtualization</a:t>
             </a:r>
           </a:p>
           <a:p>
-            <a:endParaRPr lang="es-CO" dirty="0" smtClean="0"/>
-          </a:p>
-          <a:p>
-            <a:r>
-              <a:rPr lang="es-CO" sz="1200" b="0" i="0" kern="1200" dirty="0" smtClean="0">
+            <a:endParaRPr lang="es-CO" dirty="0"/>
+          </a:p>
+          <a:p>
+            <a:r>
+              <a:rPr lang="es-CO" sz="1200" b="0" i="0" kern="1200" dirty="0">
                 <a:solidFill>
                   <a:schemeClr val="tx1"/>
                 </a:solidFill>
@@ -2628,7 +2553,7 @@
           <a:lstStyle/>
           <a:p>
             <a:r>
-              <a:rPr lang="es-CO" sz="1200" b="0" i="0" kern="1200" dirty="0" smtClean="0">
+              <a:rPr lang="es-CO" sz="1200" b="0" i="0" kern="1200" dirty="0">
                 <a:solidFill>
                   <a:schemeClr val="tx1"/>
                 </a:solidFill>
@@ -2641,7 +2566,7 @@
             </a:r>
           </a:p>
           <a:p>
-            <a:endParaRPr lang="es-CO" sz="1200" b="0" i="0" kern="1200" dirty="0" smtClean="0">
+            <a:endParaRPr lang="es-CO" sz="1200" b="0" i="0" kern="1200" dirty="0">
               <a:solidFill>
                 <a:schemeClr val="tx1"/>
               </a:solidFill>
@@ -2653,7 +2578,7 @@
           </a:p>
           <a:p>
             <a:r>
-              <a:rPr lang="es-CO" sz="1200" b="0" i="0" kern="1200" dirty="0" smtClean="0">
+              <a:rPr lang="es-CO" sz="1200" b="0" i="0" kern="1200" dirty="0">
                 <a:solidFill>
                   <a:schemeClr val="tx1"/>
                 </a:solidFill>
@@ -2665,7 +2590,7 @@
               <a:t>Un </a:t>
             </a:r>
             <a:r>
-              <a:rPr lang="es-CO" sz="1200" b="0" i="0" kern="1200" dirty="0" err="1" smtClean="0">
+              <a:rPr lang="es-CO" sz="1200" b="0" i="0" kern="1200" dirty="0" err="1">
                 <a:solidFill>
                   <a:schemeClr val="tx1"/>
                 </a:solidFill>
@@ -2677,7 +2602,7 @@
               <a:t>escritrio</a:t>
             </a:r>
             <a:r>
-              <a:rPr lang="es-CO" sz="1200" b="0" i="0" kern="1200" dirty="0" smtClean="0">
+              <a:rPr lang="es-CO" sz="1200" b="0" i="0" kern="1200" dirty="0">
                 <a:solidFill>
                   <a:schemeClr val="tx1"/>
                 </a:solidFill>
@@ -2689,7 +2614,7 @@
               <a:t> virtual, es la conexión al escritorio actual de</a:t>
             </a:r>
             <a:r>
-              <a:rPr lang="es-CO" sz="1200" b="0" i="0" kern="1200" baseline="0" dirty="0" smtClean="0">
+              <a:rPr lang="es-CO" sz="1200" b="0" i="0" kern="1200" baseline="0" dirty="0">
                 <a:solidFill>
                   <a:schemeClr val="tx1"/>
                 </a:solidFill>
@@ -2703,7 +2628,7 @@
           </a:p>
           <a:p>
             <a:r>
-              <a:rPr lang="es-CO" sz="1200" b="0" i="0" kern="1200" baseline="0" dirty="0" err="1" smtClean="0">
+              <a:rPr lang="es-CO" sz="1200" b="0" i="0" kern="1200" baseline="0" dirty="0" err="1">
                 <a:solidFill>
                   <a:schemeClr val="tx1"/>
                 </a:solidFill>
@@ -2715,7 +2640,7 @@
               <a:t>Remote</a:t>
             </a:r>
             <a:r>
-              <a:rPr lang="es-CO" sz="1200" b="0" i="0" kern="1200" baseline="0" dirty="0" smtClean="0">
+              <a:rPr lang="es-CO" sz="1200" b="0" i="0" kern="1200" baseline="0" dirty="0">
                 <a:solidFill>
                   <a:schemeClr val="tx1"/>
                 </a:solidFill>
@@ -2727,7 +2652,7 @@
               <a:t> Desktop,  </a:t>
             </a:r>
             <a:r>
-              <a:rPr lang="es-CO" sz="1200" b="0" i="0" kern="1200" baseline="0" dirty="0" err="1" smtClean="0">
+              <a:rPr lang="es-CO" sz="1200" b="0" i="0" kern="1200" baseline="0" dirty="0" err="1">
                 <a:solidFill>
                   <a:schemeClr val="tx1"/>
                 </a:solidFill>
@@ -2739,7 +2664,7 @@
               <a:t>TeamViewer</a:t>
             </a:r>
             <a:r>
-              <a:rPr lang="es-CO" sz="1200" b="0" i="0" kern="1200" baseline="0" dirty="0" smtClean="0">
+              <a:rPr lang="es-CO" sz="1200" b="0" i="0" kern="1200" baseline="0" dirty="0">
                 <a:solidFill>
                   <a:schemeClr val="tx1"/>
                 </a:solidFill>
@@ -2751,7 +2676,7 @@
               <a:t>, VNC o </a:t>
             </a:r>
             <a:r>
-              <a:rPr lang="es-CO" sz="1200" b="0" i="0" kern="1200" baseline="0" dirty="0" err="1" smtClean="0">
+              <a:rPr lang="es-CO" sz="1200" b="0" i="0" kern="1200" baseline="0" dirty="0" err="1">
                 <a:solidFill>
                   <a:schemeClr val="tx1"/>
                 </a:solidFill>
@@ -2848,7 +2773,7 @@
           <a:lstStyle/>
           <a:p>
             <a:r>
-              <a:rPr lang="es-CO" sz="1200" b="0" i="0" kern="1200" dirty="0" smtClean="0">
+              <a:rPr lang="es-CO" sz="1200" b="0" i="0" kern="1200" dirty="0">
                 <a:solidFill>
                   <a:schemeClr val="tx1"/>
                 </a:solidFill>
@@ -2945,7 +2870,7 @@
           <a:lstStyle/>
           <a:p>
             <a:r>
-              <a:rPr lang="es-CO" sz="1200" i="0" kern="1200" dirty="0" smtClean="0">
+              <a:rPr lang="es-CO" sz="1200" i="0" kern="1200" dirty="0">
                 <a:solidFill>
                   <a:schemeClr val="tx1"/>
                 </a:solidFill>
@@ -2957,7 +2882,7 @@
               <a:t>Los sistemas operativos se </a:t>
             </a:r>
             <a:r>
-              <a:rPr lang="es-CO" sz="1200" i="0" kern="1200" dirty="0" err="1" smtClean="0">
+              <a:rPr lang="es-CO" sz="1200" i="0" kern="1200" dirty="0" err="1">
                 <a:solidFill>
                   <a:schemeClr val="tx1"/>
                 </a:solidFill>
@@ -2969,7 +2894,7 @@
               <a:t>virtualizan</a:t>
             </a:r>
             <a:r>
-              <a:rPr lang="es-CO" sz="1200" i="0" kern="1200" dirty="0" smtClean="0">
+              <a:rPr lang="es-CO" sz="1200" i="0" kern="1200" dirty="0">
                 <a:solidFill>
                   <a:schemeClr val="tx1"/>
                 </a:solidFill>
@@ -2981,7 +2906,7 @@
               <a:t> en el </a:t>
             </a:r>
             <a:r>
-              <a:rPr lang="es-CO" sz="1200" i="0" u="none" strike="noStrike" kern="1200" dirty="0" err="1" smtClean="0">
+              <a:rPr lang="es-CO" sz="1200" i="0" u="none" strike="noStrike" kern="1200" dirty="0" err="1">
                 <a:solidFill>
                   <a:schemeClr val="tx1"/>
                 </a:solidFill>
@@ -2994,7 +2919,7 @@
               <a:t>kernel</a:t>
             </a:r>
             <a:r>
-              <a:rPr lang="es-CO" sz="1200" i="0" kern="1200" dirty="0" smtClean="0">
+              <a:rPr lang="es-CO" sz="1200" i="0" kern="1200" dirty="0">
                 <a:solidFill>
                   <a:schemeClr val="tx1"/>
                 </a:solidFill>
@@ -3012,7 +2937,7 @@
               <a:buChar char="-"/>
             </a:pPr>
             <a:r>
-              <a:rPr lang="es-CO" sz="1200" b="0" i="0" kern="1200" dirty="0" smtClean="0">
+              <a:rPr lang="es-CO" sz="1200" b="0" i="0" kern="1200" dirty="0">
                 <a:solidFill>
                   <a:schemeClr val="tx1"/>
                 </a:solidFill>
@@ -3030,7 +2955,7 @@
               <a:buChar char="-"/>
             </a:pPr>
             <a:r>
-              <a:rPr lang="es-CO" sz="1200" b="0" i="0" kern="1200" dirty="0" smtClean="0">
+              <a:rPr lang="es-CO" sz="1200" b="0" i="0" kern="1200" dirty="0">
                 <a:solidFill>
                   <a:schemeClr val="tx1"/>
                 </a:solidFill>
@@ -3048,7 +2973,7 @@
               <a:buChar char="-"/>
             </a:pPr>
             <a:r>
-              <a:rPr lang="es-CO" sz="1200" b="0" i="0" kern="1200" dirty="0" smtClean="0">
+              <a:rPr lang="es-CO" sz="1200" b="0" i="0" kern="1200" dirty="0">
                 <a:solidFill>
                   <a:schemeClr val="tx1"/>
                 </a:solidFill>
@@ -3147,7 +3072,7 @@
           <a:lstStyle/>
           <a:p>
             <a:r>
-              <a:rPr lang="es-CO" sz="1200" b="0" i="0" kern="1200" dirty="0" smtClean="0">
+              <a:rPr lang="es-CO" sz="1200" b="0" i="0" kern="1200" dirty="0">
                 <a:solidFill>
                   <a:schemeClr val="tx1"/>
                 </a:solidFill>
@@ -3316,7 +3241,7 @@
           </a:lstStyle>
           <a:p>
             <a:r>
-              <a:rPr lang="en-US" smtClean="0"/>
+              <a:rPr lang="en-US"/>
               <a:t>Click to edit Master title style</a:t>
             </a:r>
             <a:endParaRPr lang="es-CO"/>
@@ -3435,7 +3360,7 @@
           </a:lstStyle>
           <a:p>
             <a:r>
-              <a:rPr lang="en-US" smtClean="0"/>
+              <a:rPr lang="en-US"/>
               <a:t>Click to edit Master subtitle style</a:t>
             </a:r>
             <a:endParaRPr lang="es-CO"/>
@@ -3460,7 +3385,7 @@
             <a:fld id="{42C1F1CB-57C8-46CD-A207-903DDF210919}" type="datetimeFigureOut">
               <a:rPr lang="es-CO" smtClean="0"/>
               <a:pPr/>
-              <a:t>29/03/2022</a:t>
+              <a:t>24/05/2025</a:t>
             </a:fld>
             <a:endParaRPr lang="es-CO" dirty="0"/>
           </a:p>
@@ -3634,7 +3559,7 @@
           </a:lstStyle>
           <a:p>
             <a:r>
-              <a:rPr lang="en-US" smtClean="0"/>
+              <a:rPr lang="en-US"/>
               <a:t>Click to edit Master title style</a:t>
             </a:r>
             <a:endParaRPr lang="es-CO"/>
@@ -3753,7 +3678,7 @@
           </a:lstStyle>
           <a:p>
             <a:r>
-              <a:rPr lang="en-US" smtClean="0"/>
+              <a:rPr lang="en-US"/>
               <a:t>Click to edit Master subtitle style</a:t>
             </a:r>
             <a:endParaRPr lang="es-CO"/>
@@ -3778,7 +3703,7 @@
             <a:fld id="{42C1F1CB-57C8-46CD-A207-903DDF210919}" type="datetimeFigureOut">
               <a:rPr lang="es-CO" smtClean="0"/>
               <a:pPr/>
-              <a:t>29/03/2022</a:t>
+              <a:t>24/05/2025</a:t>
             </a:fld>
             <a:endParaRPr lang="es-CO" dirty="0"/>
           </a:p>
@@ -3937,7 +3862,7 @@
           <a:lstStyle/>
           <a:p>
             <a:r>
-              <a:rPr lang="en-US" smtClean="0"/>
+              <a:rPr lang="en-US"/>
               <a:t>Click to edit Master title style</a:t>
             </a:r>
             <a:endParaRPr lang="es-CO"/>
@@ -3972,35 +3897,35 @@
           <a:p>
             <a:pPr lvl="0"/>
             <a:r>
-              <a:rPr lang="en-US" smtClean="0"/>
+              <a:rPr lang="en-US"/>
               <a:t>Click to edit Master text styles</a:t>
             </a:r>
           </a:p>
           <a:p>
             <a:pPr lvl="1"/>
             <a:r>
-              <a:rPr lang="en-US" smtClean="0"/>
+              <a:rPr lang="en-US"/>
               <a:t>Second level</a:t>
             </a:r>
           </a:p>
           <a:p>
             <a:pPr lvl="2"/>
             <a:r>
-              <a:rPr lang="en-US" smtClean="0"/>
+              <a:rPr lang="en-US"/>
               <a:t>Third level</a:t>
             </a:r>
           </a:p>
           <a:p>
             <a:pPr lvl="3"/>
             <a:r>
-              <a:rPr lang="en-US" smtClean="0"/>
+              <a:rPr lang="en-US"/>
               <a:t>Fourth level</a:t>
             </a:r>
           </a:p>
           <a:p>
             <a:pPr lvl="4"/>
             <a:r>
-              <a:rPr lang="en-US" smtClean="0"/>
+              <a:rPr lang="en-US"/>
               <a:t>Fifth level</a:t>
             </a:r>
             <a:endParaRPr lang="es-CO" dirty="0"/>
@@ -4025,7 +3950,7 @@
             <a:fld id="{42C1F1CB-57C8-46CD-A207-903DDF210919}" type="datetimeFigureOut">
               <a:rPr lang="es-CO" smtClean="0"/>
               <a:pPr/>
-              <a:t>29/03/2022</a:t>
+              <a:t>24/05/2025</a:t>
             </a:fld>
             <a:endParaRPr lang="es-CO" dirty="0"/>
           </a:p>
@@ -4184,7 +4109,7 @@
           <a:lstStyle/>
           <a:p>
             <a:r>
-              <a:rPr lang="en-US" smtClean="0"/>
+              <a:rPr lang="en-US"/>
               <a:t>Click to edit Master title style</a:t>
             </a:r>
             <a:endParaRPr lang="es-CO"/>
@@ -4213,35 +4138,35 @@
           <a:p>
             <a:pPr lvl="0"/>
             <a:r>
-              <a:rPr lang="en-US" smtClean="0"/>
+              <a:rPr lang="en-US"/>
               <a:t>Click to edit Master text styles</a:t>
             </a:r>
           </a:p>
           <a:p>
             <a:pPr lvl="1"/>
             <a:r>
-              <a:rPr lang="en-US" smtClean="0"/>
+              <a:rPr lang="en-US"/>
               <a:t>Second level</a:t>
             </a:r>
           </a:p>
           <a:p>
             <a:pPr lvl="2"/>
             <a:r>
-              <a:rPr lang="en-US" smtClean="0"/>
+              <a:rPr lang="en-US"/>
               <a:t>Third level</a:t>
             </a:r>
           </a:p>
           <a:p>
             <a:pPr lvl="3"/>
             <a:r>
-              <a:rPr lang="en-US" smtClean="0"/>
+              <a:rPr lang="en-US"/>
               <a:t>Fourth level</a:t>
             </a:r>
           </a:p>
           <a:p>
             <a:pPr lvl="4"/>
             <a:r>
-              <a:rPr lang="en-US" smtClean="0"/>
+              <a:rPr lang="en-US"/>
               <a:t>Fifth level</a:t>
             </a:r>
             <a:endParaRPr lang="es-CO"/>
@@ -4266,7 +4191,7 @@
             <a:fld id="{42C1F1CB-57C8-46CD-A207-903DDF210919}" type="datetimeFigureOut">
               <a:rPr lang="es-CO" smtClean="0"/>
               <a:pPr/>
-              <a:t>29/03/2022</a:t>
+              <a:t>24/05/2025</a:t>
             </a:fld>
             <a:endParaRPr lang="es-CO" dirty="0"/>
           </a:p>
@@ -4425,7 +4350,7 @@
           <a:lstStyle/>
           <a:p>
             <a:r>
-              <a:rPr lang="en-US" smtClean="0"/>
+              <a:rPr lang="en-US"/>
               <a:t>Click to edit Master title style</a:t>
             </a:r>
             <a:endParaRPr lang="es-CO"/>
@@ -4454,35 +4379,35 @@
           <a:p>
             <a:pPr lvl="0"/>
             <a:r>
-              <a:rPr lang="en-US" smtClean="0"/>
+              <a:rPr lang="en-US"/>
               <a:t>Click to edit Master text styles</a:t>
             </a:r>
           </a:p>
           <a:p>
             <a:pPr lvl="1"/>
             <a:r>
-              <a:rPr lang="en-US" smtClean="0"/>
+              <a:rPr lang="en-US"/>
               <a:t>Second level</a:t>
             </a:r>
           </a:p>
           <a:p>
             <a:pPr lvl="2"/>
             <a:r>
-              <a:rPr lang="en-US" smtClean="0"/>
+              <a:rPr lang="en-US"/>
               <a:t>Third level</a:t>
             </a:r>
           </a:p>
           <a:p>
             <a:pPr lvl="3"/>
             <a:r>
-              <a:rPr lang="en-US" smtClean="0"/>
+              <a:rPr lang="en-US"/>
               <a:t>Fourth level</a:t>
             </a:r>
           </a:p>
           <a:p>
             <a:pPr lvl="4"/>
             <a:r>
-              <a:rPr lang="en-US" smtClean="0"/>
+              <a:rPr lang="en-US"/>
               <a:t>Fifth level</a:t>
             </a:r>
             <a:endParaRPr lang="es-CO"/>
@@ -4507,7 +4432,7 @@
             <a:fld id="{42C1F1CB-57C8-46CD-A207-903DDF210919}" type="datetimeFigureOut">
               <a:rPr lang="es-CO" smtClean="0"/>
               <a:pPr/>
-              <a:t>29/03/2022</a:t>
+              <a:t>24/05/2025</a:t>
             </a:fld>
             <a:endParaRPr lang="es-CO" dirty="0"/>
           </a:p>
@@ -4676,7 +4601,7 @@
           <a:lstStyle/>
           <a:p>
             <a:r>
-              <a:rPr lang="en-US" smtClean="0"/>
+              <a:rPr lang="en-US"/>
               <a:t>Click to edit Master title style</a:t>
             </a:r>
             <a:endParaRPr lang="es-CO"/>
@@ -4710,35 +4635,35 @@
           <a:p>
             <a:pPr lvl="0"/>
             <a:r>
-              <a:rPr lang="en-US" smtClean="0"/>
+              <a:rPr lang="en-US"/>
               <a:t>Click to edit Master text styles</a:t>
             </a:r>
           </a:p>
           <a:p>
             <a:pPr lvl="1"/>
             <a:r>
-              <a:rPr lang="en-US" smtClean="0"/>
+              <a:rPr lang="en-US"/>
               <a:t>Second level</a:t>
             </a:r>
           </a:p>
           <a:p>
             <a:pPr lvl="2"/>
             <a:r>
-              <a:rPr lang="en-US" smtClean="0"/>
+              <a:rPr lang="en-US"/>
               <a:t>Third level</a:t>
             </a:r>
           </a:p>
           <a:p>
             <a:pPr lvl="3"/>
             <a:r>
-              <a:rPr lang="en-US" smtClean="0"/>
+              <a:rPr lang="en-US"/>
               <a:t>Fourth level</a:t>
             </a:r>
           </a:p>
           <a:p>
             <a:pPr lvl="4"/>
             <a:r>
-              <a:rPr lang="en-US" smtClean="0"/>
+              <a:rPr lang="en-US"/>
               <a:t>Fifth level</a:t>
             </a:r>
             <a:endParaRPr lang="es-CO" dirty="0"/>
@@ -4781,7 +4706,7 @@
             <a:fld id="{42C1F1CB-57C8-46CD-A207-903DDF210919}" type="datetimeFigureOut">
               <a:rPr lang="es-CO" smtClean="0"/>
               <a:pPr/>
-              <a:t>29/03/2022</a:t>
+              <a:t>24/05/2025</a:t>
             </a:fld>
             <a:endParaRPr lang="es-CO" dirty="0"/>
           </a:p>
@@ -5184,7 +5109,7 @@
           <a:lstStyle/>
           <a:p>
             <a:r>
-              <a:rPr lang="es-CO" dirty="0" smtClean="0"/>
+              <a:rPr lang="es-CO" dirty="0"/>
               <a:t>Contenedores y Maquinas Virtuales</a:t>
             </a:r>
           </a:p>
@@ -5214,7 +5139,7 @@
           <a:lstStyle/>
           <a:p>
             <a:r>
-              <a:rPr lang="es-CO" sz="8000" dirty="0" err="1" smtClean="0"/>
+              <a:rPr lang="es-CO" sz="8000" dirty="0" err="1"/>
               <a:t>Containers</a:t>
             </a:r>
             <a:endParaRPr lang="es-CO" sz="8000" dirty="0"/>
@@ -5244,10 +5169,9 @@
           <a:lstStyle/>
           <a:p>
             <a:r>
-              <a:rPr lang="es-CO" dirty="0" smtClean="0"/>
+              <a:rPr lang="es-CO" dirty="0"/>
               <a:t>Julio Cesar Robles Uribe</a:t>
             </a:r>
-            <a:endParaRPr lang="es-CO" dirty="0"/>
           </a:p>
         </p:txBody>
       </p:sp>
@@ -5274,18 +5198,13 @@
           <a:lstStyle/>
           <a:p>
             <a:r>
-              <a:rPr lang="es-CO" sz="1400" dirty="0" smtClean="0">
+              <a:rPr lang="es-CO" sz="1400" dirty="0">
                 <a:solidFill>
                   <a:srgbClr val="0070C0"/>
                 </a:solidFill>
               </a:rPr>
               <a:t>Arquitecto de Soluciones</a:t>
             </a:r>
-            <a:endParaRPr lang="es-CO" sz="1400" dirty="0">
-              <a:solidFill>
-                <a:srgbClr val="0070C0"/>
-              </a:solidFill>
-            </a:endParaRPr>
           </a:p>
         </p:txBody>
       </p:sp>
@@ -5335,13 +5254,6 @@
   <p:clrMapOvr>
     <a:masterClrMapping/>
   </p:clrMapOvr>
-  <p:timing>
-    <p:tnLst>
-      <p:par>
-        <p:cTn id="1" dur="indefinite" restart="never" nodeType="tmRoot"/>
-      </p:par>
-    </p:tnLst>
-  </p:timing>
 </p:sld>
 </file>
 
@@ -5403,11 +5315,7 @@
           <a:p>
             <a:r>
               <a:rPr lang="es-CO" sz="2800" dirty="0"/>
-              <a:t>Virtualización de las funciones de </a:t>
-            </a:r>
-            <a:r>
-              <a:rPr lang="es-CO" sz="2800" dirty="0" smtClean="0"/>
-              <a:t>red</a:t>
+              <a:t>Virtualización de las funciones de red</a:t>
             </a:r>
           </a:p>
           <a:p>
@@ -5473,13 +5381,6 @@
   <p:clrMapOvr>
     <a:masterClrMapping/>
   </p:clrMapOvr>
-  <p:timing>
-    <p:tnLst>
-      <p:par>
-        <p:cTn id="1" dur="indefinite" restart="never" nodeType="tmRoot"/>
-      </p:par>
-    </p:tnLst>
-  </p:timing>
 </p:sld>
 </file>
 
@@ -5516,11 +5417,11 @@
           <a:lstStyle/>
           <a:p>
             <a:r>
-              <a:rPr lang="es-CO" dirty="0" smtClean="0"/>
+              <a:rPr lang="es-CO" dirty="0"/>
               <a:t>Maquinas Virtuales Pros y </a:t>
             </a:r>
             <a:r>
-              <a:rPr lang="es-CO" dirty="0" err="1" smtClean="0"/>
+              <a:rPr lang="es-CO" dirty="0" err="1"/>
               <a:t>Cons</a:t>
             </a:r>
             <a:endParaRPr lang="es-CO" dirty="0"/>
@@ -5553,14 +5454,14 @@
               <a:buNone/>
             </a:pPr>
             <a:r>
-              <a:rPr lang="es-CO" sz="4700" b="1" dirty="0" smtClean="0">
+              <a:rPr lang="es-CO" sz="4700" b="1" dirty="0">
                 <a:solidFill>
                   <a:srgbClr val="00B050"/>
                 </a:solidFill>
               </a:rPr>
               <a:t>Pros</a:t>
             </a:r>
-            <a:endParaRPr lang="es-CO" b="1" dirty="0" smtClean="0">
+            <a:endParaRPr lang="es-CO" b="1" dirty="0">
               <a:solidFill>
                 <a:srgbClr val="00B050"/>
               </a:solidFill>
@@ -5765,14 +5666,14 @@
               <a:buNone/>
             </a:pPr>
             <a:r>
-              <a:rPr lang="es-CO" sz="4700" b="1" dirty="0" err="1" smtClean="0">
+              <a:rPr lang="es-CO" sz="4700" b="1" dirty="0" err="1">
                 <a:solidFill>
                   <a:srgbClr val="FF0000"/>
                 </a:solidFill>
               </a:rPr>
               <a:t>Cons</a:t>
             </a:r>
-            <a:endParaRPr lang="es-CO" sz="4700" b="1" dirty="0" smtClean="0">
+            <a:endParaRPr lang="es-CO" sz="4700" b="1" dirty="0">
               <a:solidFill>
                 <a:srgbClr val="FF0000"/>
               </a:solidFill>
@@ -6113,10 +6014,9 @@
           <a:lstStyle/>
           <a:p>
             <a:r>
-              <a:rPr lang="es-CO" dirty="0" smtClean="0"/>
+              <a:rPr lang="es-CO" dirty="0"/>
               <a:t>Qué son los contenedores?</a:t>
             </a:r>
-            <a:endParaRPr lang="es-CO" dirty="0"/>
           </a:p>
         </p:txBody>
       </p:sp>
@@ -6203,13 +6103,6 @@
   <p:clrMapOvr>
     <a:masterClrMapping/>
   </p:clrMapOvr>
-  <p:timing>
-    <p:tnLst>
-      <p:par>
-        <p:cTn id="1" dur="indefinite" restart="never" nodeType="tmRoot"/>
-      </p:par>
-    </p:tnLst>
-  </p:timing>
 </p:sld>
 </file>
 
@@ -6246,10 +6139,9 @@
           <a:lstStyle/>
           <a:p>
             <a:r>
-              <a:rPr lang="es-CO" dirty="0" smtClean="0"/>
+              <a:rPr lang="es-CO" dirty="0"/>
               <a:t>Contenedor vs Máquina Virtual</a:t>
             </a:r>
-            <a:endParaRPr lang="es-CO" dirty="0"/>
           </a:p>
         </p:txBody>
       </p:sp>
@@ -6280,21 +6172,13 @@
             </a:r>
             <a:r>
               <a:rPr lang="es-CO" sz="2400" dirty="0"/>
-              <a:t> en el que cada máquina virtual debe incluir su propio sistema operativo invitado dentro del </a:t>
-            </a:r>
-            <a:r>
-              <a:rPr lang="es-CO" sz="2400" dirty="0" smtClean="0"/>
-              <a:t>mismo.</a:t>
-            </a:r>
-          </a:p>
-          <a:p>
-            <a:r>
-              <a:rPr lang="es-CO" sz="2400" dirty="0" smtClean="0"/>
-              <a:t>Por </a:t>
-            </a:r>
+              <a:t> en el que cada máquina virtual debe incluir su propio sistema operativo invitado dentro del mismo.</a:t>
+            </a:r>
+          </a:p>
+          <a:p>
             <a:r>
               <a:rPr lang="es-CO" sz="2400" dirty="0"/>
-              <a:t>el contrario, cada contenedor comparte el mismo sistema operativo host o </a:t>
+              <a:t>Por el contrario, cada contenedor comparte el mismo sistema operativo host o </a:t>
             </a:r>
             <a:r>
               <a:rPr lang="es-CO" sz="2400" dirty="0" err="1"/>
@@ -6358,13 +6242,6 @@
   <p:clrMapOvr>
     <a:masterClrMapping/>
   </p:clrMapOvr>
-  <p:timing>
-    <p:tnLst>
-      <p:par>
-        <p:cTn id="1" dur="indefinite" restart="never" nodeType="tmRoot"/>
-      </p:par>
-    </p:tnLst>
-  </p:timing>
 </p:sld>
 </file>
 
@@ -6401,10 +6278,9 @@
           <a:lstStyle/>
           <a:p>
             <a:r>
-              <a:rPr lang="es-CO" dirty="0" smtClean="0"/>
+              <a:rPr lang="es-CO" dirty="0"/>
               <a:t>Beneficios de los Contenedores</a:t>
             </a:r>
-            <a:endParaRPr lang="es-CO" dirty="0"/>
           </a:p>
         </p:txBody>
       </p:sp>
@@ -6432,55 +6308,31 @@
           <a:p>
             <a:r>
               <a:rPr lang="es-CO" sz="2400" b="1" dirty="0"/>
-              <a:t>Menos </a:t>
-            </a:r>
-            <a:r>
-              <a:rPr lang="es-CO" sz="2400" b="1" dirty="0" smtClean="0"/>
-              <a:t>sobrecarga: </a:t>
-            </a:r>
-            <a:r>
-              <a:rPr lang="es-CO" sz="2000" dirty="0" smtClean="0"/>
-              <a:t>Los </a:t>
+              <a:t>Menos sobrecarga: </a:t>
             </a:r>
             <a:r>
               <a:rPr lang="es-CO" sz="2000" dirty="0"/>
-              <a:t>contenedores requieren menos recursos del sistema que los entornos de máquinas virtuales tradicionales o de hardware porque no incluyen imágenes del sistema operativo.</a:t>
+              <a:t>Los contenedores requieren menos recursos del sistema que los entornos de máquinas virtuales tradicionales o de hardware porque no incluyen imágenes del sistema operativo.</a:t>
             </a:r>
           </a:p>
           <a:p>
             <a:r>
               <a:rPr lang="es-CO" sz="2400" b="1" dirty="0"/>
-              <a:t>Mayor </a:t>
-            </a:r>
-            <a:r>
-              <a:rPr lang="es-CO" sz="2400" b="1" dirty="0" smtClean="0"/>
-              <a:t>portabilidad: </a:t>
-            </a:r>
-            <a:r>
-              <a:rPr lang="es-CO" sz="2000" dirty="0" smtClean="0"/>
-              <a:t>Las </a:t>
+              <a:t>Mayor portabilidad: </a:t>
             </a:r>
             <a:r>
               <a:rPr lang="es-CO" sz="2000" dirty="0"/>
-              <a:t>aplicaciones que se ejecutan en contenedores se pueden poner en marcha fácilmente en sistemas operativos y plataformas de hardware diferentes.</a:t>
+              <a:t>Las aplicaciones que se ejecutan en contenedores se pueden poner en marcha fácilmente en sistemas operativos y plataformas de hardware diferentes.</a:t>
             </a:r>
           </a:p>
           <a:p>
             <a:r>
               <a:rPr lang="es-CO" sz="2400" b="1" dirty="0"/>
-              <a:t>Funcionamiento más </a:t>
-            </a:r>
-            <a:r>
-              <a:rPr lang="es-CO" sz="2400" b="1" dirty="0" smtClean="0"/>
-              <a:t>constante: </a:t>
-            </a:r>
-            <a:r>
-              <a:rPr lang="es-CO" sz="2000" dirty="0" smtClean="0"/>
-              <a:t>Los </a:t>
+              <a:t>Funcionamiento más constante: </a:t>
             </a:r>
             <a:r>
               <a:rPr lang="es-CO" sz="2000" dirty="0"/>
-              <a:t>equipos de </a:t>
+              <a:t>Los equipos de </a:t>
             </a:r>
             <a:r>
               <a:rPr lang="es-CO" sz="2000" dirty="0" err="1"/>
@@ -6494,37 +6346,21 @@
           <a:p>
             <a:r>
               <a:rPr lang="es-CO" sz="2400" b="1" dirty="0"/>
-              <a:t>Mayor </a:t>
-            </a:r>
-            <a:r>
-              <a:rPr lang="es-CO" sz="2400" b="1" dirty="0" smtClean="0"/>
-              <a:t>eficiencia: </a:t>
-            </a:r>
-            <a:r>
-              <a:rPr lang="es-CO" sz="2000" dirty="0" smtClean="0"/>
-              <a:t>Los </a:t>
+              <a:t>Mayor eficiencia: </a:t>
             </a:r>
             <a:r>
               <a:rPr lang="es-CO" sz="2000" dirty="0"/>
-              <a:t>contenedores permiten poner en marcha, aplicar parches o escalar las aplicaciones con mayor rapidez.</a:t>
+              <a:t>Los contenedores permiten poner en marcha, aplicar parches o escalar las aplicaciones con mayor rapidez.</a:t>
             </a:r>
           </a:p>
           <a:p>
             <a:r>
               <a:rPr lang="es-CO" sz="2400" b="1" dirty="0"/>
-              <a:t>Mejor desarrollo de </a:t>
-            </a:r>
-            <a:r>
-              <a:rPr lang="es-CO" sz="2400" b="1" dirty="0" smtClean="0"/>
-              <a:t>aplicaciones: </a:t>
-            </a:r>
-            <a:r>
-              <a:rPr lang="es-CO" sz="2000" dirty="0" smtClean="0"/>
-              <a:t>Los </a:t>
+              <a:t>Mejor desarrollo de aplicaciones: </a:t>
             </a:r>
             <a:r>
               <a:rPr lang="es-CO" sz="2000" dirty="0"/>
-              <a:t>contenedores respaldan los esfuerzos ágiles y de </a:t>
+              <a:t>Los contenedores respaldan los esfuerzos ágiles y de </a:t>
             </a:r>
             <a:r>
               <a:rPr lang="es-CO" sz="2000" dirty="0" err="1"/>
@@ -6547,13 +6383,6 @@
   <p:clrMapOvr>
     <a:masterClrMapping/>
   </p:clrMapOvr>
-  <p:timing>
-    <p:tnLst>
-      <p:par>
-        <p:cTn id="1" dur="indefinite" restart="never" nodeType="tmRoot"/>
-      </p:par>
-    </p:tnLst>
-  </p:timing>
 </p:sld>
 </file>
 
@@ -6628,32 +6457,20 @@
           </a:p>
           <a:p>
             <a:r>
-              <a:rPr lang="es-CO" sz="2400" dirty="0" smtClean="0"/>
-              <a:t>Refactorización </a:t>
-            </a:r>
-            <a:r>
               <a:rPr lang="es-CO" sz="2400" dirty="0"/>
-              <a:t>de las aplicaciones existentes para contenedores</a:t>
-            </a:r>
-          </a:p>
-          <a:p>
-            <a:r>
-              <a:rPr lang="es-CO" sz="2400" dirty="0" smtClean="0"/>
-              <a:t>Desarrollo </a:t>
-            </a:r>
+              <a:t>Refactorización de las aplicaciones existentes para contenedores</a:t>
+            </a:r>
+          </a:p>
+          <a:p>
             <a:r>
               <a:rPr lang="es-CO" sz="2400" dirty="0"/>
-              <a:t>de nuevas aplicaciones nativas del contenedor</a:t>
-            </a:r>
-          </a:p>
-          <a:p>
-            <a:r>
-              <a:rPr lang="es-CO" sz="2400" dirty="0" smtClean="0"/>
-              <a:t>Más </a:t>
-            </a:r>
+              <a:t>Desarrollo de nuevas aplicaciones nativas del contenedor</a:t>
+            </a:r>
+          </a:p>
+          <a:p>
             <a:r>
               <a:rPr lang="es-CO" sz="2400" dirty="0"/>
-              <a:t>compatibilidad con las arquitecturas de </a:t>
+              <a:t>Más compatibilidad con las arquitecturas de </a:t>
             </a:r>
             <a:r>
               <a:rPr lang="es-CO" sz="2400" dirty="0" err="1"/>
@@ -6663,12 +6480,8 @@
           </a:p>
           <a:p>
             <a:r>
-              <a:rPr lang="es-CO" sz="2400" dirty="0" smtClean="0"/>
-              <a:t>Soporte </a:t>
-            </a:r>
-            <a:r>
               <a:rPr lang="es-CO" sz="2400" dirty="0"/>
-              <a:t>de </a:t>
+              <a:t>Soporte de </a:t>
             </a:r>
             <a:r>
               <a:rPr lang="es-CO" sz="2400" dirty="0" err="1"/>
@@ -6681,18 +6494,9 @@
           </a:p>
           <a:p>
             <a:r>
-              <a:rPr lang="es-CO" sz="2400" dirty="0" smtClean="0"/>
-              <a:t>Una </a:t>
-            </a:r>
-            <a:r>
               <a:rPr lang="es-CO" sz="2400" dirty="0"/>
-              <a:t>puesta en marcha más sencilla de tareas y trabajos </a:t>
-            </a:r>
-            <a:r>
-              <a:rPr lang="es-CO" sz="2400" dirty="0" smtClean="0"/>
-              <a:t>repetitivos</a:t>
-            </a:r>
-            <a:endParaRPr lang="es-CO" sz="2400" dirty="0"/>
+              <a:t>Una puesta en marcha más sencilla de tareas y trabajos repetitivos</a:t>
+            </a:r>
           </a:p>
         </p:txBody>
       </p:sp>
@@ -6706,13 +6510,6 @@
   <p:clrMapOvr>
     <a:masterClrMapping/>
   </p:clrMapOvr>
-  <p:timing>
-    <p:tnLst>
-      <p:par>
-        <p:cTn id="1" dur="indefinite" restart="never" nodeType="tmRoot"/>
-      </p:par>
-    </p:tnLst>
-  </p:timing>
 </p:sld>
 </file>
 
@@ -6749,14 +6546,13 @@
           <a:lstStyle/>
           <a:p>
             <a:r>
-              <a:rPr lang="es-CO" dirty="0" err="1" smtClean="0"/>
+              <a:rPr lang="es-CO" dirty="0" err="1"/>
               <a:t>Heramientas</a:t>
             </a:r>
             <a:r>
-              <a:rPr lang="es-CO" dirty="0" smtClean="0"/>
+              <a:rPr lang="es-CO" dirty="0"/>
               <a:t> para Contenedores</a:t>
             </a:r>
-            <a:endParaRPr lang="es-CO" dirty="0"/>
           </a:p>
         </p:txBody>
       </p:sp>
@@ -6776,26 +6572,25 @@
           <a:lstStyle/>
           <a:p>
             <a:r>
-              <a:rPr lang="es-CO" dirty="0" smtClean="0"/>
+              <a:rPr lang="es-CO" dirty="0"/>
               <a:t>Las dos herramientas más reconocidas para el manejo de contenedores son </a:t>
             </a:r>
             <a:r>
-              <a:rPr lang="es-CO" dirty="0" err="1" smtClean="0"/>
+              <a:rPr lang="es-CO" dirty="0" err="1"/>
               <a:t>Docker</a:t>
             </a:r>
             <a:r>
-              <a:rPr lang="es-CO" dirty="0" smtClean="0"/>
+              <a:rPr lang="es-CO" dirty="0"/>
               <a:t> y </a:t>
             </a:r>
             <a:r>
-              <a:rPr lang="es-CO" dirty="0" err="1" smtClean="0"/>
+              <a:rPr lang="es-CO" dirty="0" err="1"/>
               <a:t>Kubernetes</a:t>
             </a:r>
             <a:r>
-              <a:rPr lang="es-CO" dirty="0" smtClean="0"/>
+              <a:rPr lang="es-CO" dirty="0"/>
               <a:t>, aunque no son las únicas son las mas populares.</a:t>
             </a:r>
-            <a:endParaRPr lang="es-CO" dirty="0"/>
           </a:p>
         </p:txBody>
       </p:sp>
@@ -6891,13 +6686,6 @@
   <p:clrMapOvr>
     <a:masterClrMapping/>
   </p:clrMapOvr>
-  <p:timing>
-    <p:tnLst>
-      <p:par>
-        <p:cTn id="1" dur="indefinite" restart="never" nodeType="tmRoot"/>
-      </p:par>
-    </p:tnLst>
-  </p:timing>
 </p:sld>
 </file>
 
@@ -6934,18 +6722,17 @@
           <a:lstStyle/>
           <a:p>
             <a:r>
-              <a:rPr lang="es-CO" dirty="0" smtClean="0"/>
+              <a:rPr lang="es-CO" dirty="0"/>
               <a:t>Qué es </a:t>
             </a:r>
             <a:r>
-              <a:rPr lang="es-CO" dirty="0" err="1" smtClean="0"/>
+              <a:rPr lang="es-CO" dirty="0" err="1"/>
               <a:t>Docker</a:t>
             </a:r>
             <a:r>
-              <a:rPr lang="es-CO" dirty="0" smtClean="0"/>
+              <a:rPr lang="es-CO" dirty="0"/>
               <a:t>?</a:t>
             </a:r>
-            <a:endParaRPr lang="es-CO" dirty="0"/>
           </a:p>
         </p:txBody>
       </p:sp>
@@ -7036,13 +6823,6 @@
   <p:clrMapOvr>
     <a:masterClrMapping/>
   </p:clrMapOvr>
-  <p:timing>
-    <p:tnLst>
-      <p:par>
-        <p:cTn id="1" dur="indefinite" restart="never" nodeType="tmRoot"/>
-      </p:par>
-    </p:tnLst>
-  </p:timing>
 </p:sld>
 </file>
 
@@ -7079,18 +6859,17 @@
           <a:lstStyle/>
           <a:p>
             <a:r>
-              <a:rPr lang="es-CO" dirty="0" smtClean="0"/>
+              <a:rPr lang="es-CO" dirty="0"/>
               <a:t>Qué es </a:t>
             </a:r>
             <a:r>
-              <a:rPr lang="es-CO" dirty="0" err="1" smtClean="0"/>
+              <a:rPr lang="es-CO" dirty="0" err="1"/>
               <a:t>Kubernetes</a:t>
             </a:r>
             <a:r>
-              <a:rPr lang="es-CO" dirty="0" smtClean="0"/>
+              <a:rPr lang="es-CO" dirty="0"/>
               <a:t>?</a:t>
             </a:r>
-            <a:endParaRPr lang="es-CO" dirty="0"/>
           </a:p>
         </p:txBody>
       </p:sp>
@@ -7173,13 +6952,6 @@
   <p:clrMapOvr>
     <a:masterClrMapping/>
   </p:clrMapOvr>
-  <p:timing>
-    <p:tnLst>
-      <p:par>
-        <p:cTn id="1" dur="indefinite" restart="never" nodeType="tmRoot"/>
-      </p:par>
-    </p:tnLst>
-  </p:timing>
 </p:sld>
 </file>
 
@@ -7216,14 +6988,13 @@
           <a:lstStyle/>
           <a:p>
             <a:r>
-              <a:rPr lang="es-CO" dirty="0" err="1" smtClean="0"/>
+              <a:rPr lang="es-CO" dirty="0" err="1"/>
               <a:t>Quiz</a:t>
             </a:r>
             <a:r>
-              <a:rPr lang="es-CO" dirty="0" smtClean="0"/>
+              <a:rPr lang="es-CO" dirty="0"/>
               <a:t> – Verdadero o Falso</a:t>
             </a:r>
-            <a:endParaRPr lang="es-CO" dirty="0"/>
           </a:p>
         </p:txBody>
       </p:sp>
@@ -7253,50 +7024,44 @@
               <a:rPr lang="es-CO" sz="1800" dirty="0"/>
               <a:t>La virtualización es una tecnología que permite crear servicios de TI útiles, con recursos que están tradicionalmente limitados al hardware. </a:t>
             </a:r>
-            <a:endParaRPr lang="es-CO" sz="1800" dirty="0" smtClean="0"/>
           </a:p>
           <a:p>
             <a:pPr lvl="1"/>
             <a:r>
-              <a:rPr lang="es-CO" sz="1400" b="1" dirty="0" smtClean="0">
+              <a:rPr lang="es-CO" sz="1400" b="1" dirty="0">
                 <a:solidFill>
                   <a:srgbClr val="00B050"/>
                 </a:solidFill>
               </a:rPr>
               <a:t>Verdadero</a:t>
             </a:r>
-            <a:endParaRPr lang="es-CO" sz="1400" b="1" dirty="0">
-              <a:solidFill>
-                <a:srgbClr val="00B050"/>
-              </a:solidFill>
-            </a:endParaRPr>
-          </a:p>
-          <a:p>
-            <a:r>
-              <a:rPr lang="es-CO" sz="1800" dirty="0" smtClean="0"/>
+          </a:p>
+          <a:p>
+            <a:r>
+              <a:rPr lang="es-CO" sz="1800" dirty="0"/>
               <a:t>El </a:t>
             </a:r>
             <a:r>
-              <a:rPr lang="es-CO" sz="1800" dirty="0" err="1" smtClean="0"/>
+              <a:rPr lang="es-CO" sz="1800" dirty="0" err="1"/>
               <a:t>HiperVisor</a:t>
             </a:r>
             <a:r>
-              <a:rPr lang="es-CO" sz="1800" dirty="0" smtClean="0"/>
+              <a:rPr lang="es-CO" sz="1800" dirty="0"/>
               <a:t>, es el encargado de crear las </a:t>
             </a:r>
             <a:r>
-              <a:rPr lang="es-CO" sz="1800" dirty="0" err="1" smtClean="0"/>
+              <a:rPr lang="es-CO" sz="1800" dirty="0" err="1"/>
               <a:t>maquins</a:t>
             </a:r>
             <a:r>
-              <a:rPr lang="es-CO" sz="1800" dirty="0" smtClean="0"/>
+              <a:rPr lang="es-CO" sz="1800" dirty="0"/>
               <a:t> virtuales.</a:t>
             </a:r>
           </a:p>
           <a:p>
             <a:pPr lvl="1"/>
             <a:r>
-              <a:rPr lang="es-CO" sz="1400" b="1" dirty="0" smtClean="0">
+              <a:rPr lang="es-CO" sz="1400" b="1" dirty="0">
                 <a:solidFill>
                   <a:srgbClr val="FF0000"/>
                 </a:solidFill>
@@ -7306,14 +7071,14 @@
           </a:p>
           <a:p>
             <a:r>
-              <a:rPr lang="es-CO" sz="1800" dirty="0" smtClean="0"/>
+              <a:rPr lang="es-CO" sz="1800" dirty="0"/>
               <a:t>La Virtualización inicia en los años 60’s con los procesos de Virtualización.</a:t>
             </a:r>
           </a:p>
           <a:p>
             <a:pPr lvl="1"/>
             <a:r>
-              <a:rPr lang="es-CO" sz="1400" b="1" dirty="0" smtClean="0">
+              <a:rPr lang="es-CO" sz="1400" b="1" dirty="0">
                 <a:solidFill>
                   <a:srgbClr val="FF0000"/>
                 </a:solidFill>
@@ -7323,14 +7088,14 @@
           </a:p>
           <a:p>
             <a:r>
-              <a:rPr lang="es-CO" sz="2000" dirty="0" smtClean="0"/>
+              <a:rPr lang="es-CO" sz="2000" dirty="0"/>
               <a:t>La Virtualización de los Datos, consolida los datos en una sola fuente.</a:t>
             </a:r>
           </a:p>
           <a:p>
             <a:pPr lvl="1"/>
             <a:r>
-              <a:rPr lang="es-CO" sz="1400" b="1" dirty="0" smtClean="0">
+              <a:rPr lang="es-CO" sz="1400" b="1" dirty="0">
                 <a:solidFill>
                   <a:srgbClr val="00B050"/>
                 </a:solidFill>
@@ -7340,14 +7105,14 @@
           </a:p>
           <a:p>
             <a:r>
-              <a:rPr lang="es-CO" sz="2000" dirty="0" smtClean="0"/>
+              <a:rPr lang="es-CO" sz="2000" dirty="0"/>
               <a:t>La Virtualización de escritorios, es lo mismo que escritorios remotos.</a:t>
             </a:r>
           </a:p>
           <a:p>
             <a:pPr lvl="1"/>
             <a:r>
-              <a:rPr lang="es-CO" sz="1400" b="1" dirty="0" smtClean="0">
+              <a:rPr lang="es-CO" sz="1400" b="1" dirty="0">
                 <a:solidFill>
                   <a:srgbClr val="00B050"/>
                 </a:solidFill>
@@ -7358,49 +7123,13 @@
           <a:p>
             <a:r>
               <a:rPr lang="es-CO" sz="2000" dirty="0"/>
-              <a:t>La </a:t>
-            </a:r>
-            <a:r>
-              <a:rPr lang="es-CO" sz="2000" dirty="0" smtClean="0"/>
-              <a:t>Virtualización </a:t>
-            </a:r>
-            <a:r>
-              <a:rPr lang="es-CO" sz="2000" dirty="0"/>
-              <a:t>de un servidor, </a:t>
-            </a:r>
-            <a:r>
-              <a:rPr lang="es-CO" sz="2000" dirty="0" smtClean="0"/>
-              <a:t>implica </a:t>
-            </a:r>
-            <a:r>
-              <a:rPr lang="es-CO" sz="2000" dirty="0"/>
-              <a:t>dividirlo </a:t>
-            </a:r>
-            <a:r>
-              <a:rPr lang="es-CO" sz="2000" dirty="0" smtClean="0"/>
-              <a:t>en </a:t>
-            </a:r>
-            <a:r>
-              <a:rPr lang="es-CO" sz="2000" dirty="0"/>
-              <a:t>elementos </a:t>
-            </a:r>
-            <a:r>
-              <a:rPr lang="es-CO" sz="2000" dirty="0" smtClean="0"/>
-              <a:t>mas pequeños que puedan </a:t>
-            </a:r>
-            <a:r>
-              <a:rPr lang="es-CO" sz="2000" dirty="0"/>
-              <a:t>utilizarse para realizar varias </a:t>
-            </a:r>
-            <a:r>
-              <a:rPr lang="es-CO" sz="2000" dirty="0" smtClean="0"/>
-              <a:t>tareas específicas.</a:t>
+              <a:t>La Virtualización de un servidor, implica dividirlo en elementos mas pequeños que puedan utilizarse para realizar varias tareas específicas.</a:t>
             </a:r>
           </a:p>
           <a:p>
             <a:pPr lvl="1"/>
             <a:r>
-              <a:rPr lang="es-CO" sz="1400" b="1" dirty="0" smtClean="0">
+              <a:rPr lang="es-CO" sz="1400" b="1" dirty="0">
                 <a:solidFill>
                   <a:srgbClr val="00B050"/>
                 </a:solidFill>
@@ -7410,22 +7139,30 @@
           </a:p>
           <a:p>
             <a:r>
-              <a:rPr lang="es-CO" sz="2000" dirty="0" smtClean="0"/>
-              <a:t>La Virtualización de Sistema operático, utilizan el </a:t>
-            </a:r>
-            <a:r>
-              <a:rPr lang="es-CO" sz="2000" dirty="0" err="1" smtClean="0"/>
+              <a:rPr lang="es-CO" sz="2000" dirty="0"/>
+              <a:t>La Virtualización de Sistema </a:t>
+            </a:r>
+            <a:r>
+              <a:rPr lang="es-CO" sz="2000" dirty="0" err="1"/>
+              <a:t>operátivo</a:t>
+            </a:r>
+            <a:r>
+              <a:rPr lang="es-CO" sz="2000" dirty="0"/>
+              <a:t>, utilizan el </a:t>
+            </a:r>
+            <a:r>
+              <a:rPr lang="es-CO" sz="2000" dirty="0" err="1"/>
               <a:t>Kernel</a:t>
             </a:r>
             <a:r>
-              <a:rPr lang="es-CO" sz="2000" dirty="0" smtClean="0"/>
+              <a:rPr lang="es-CO" sz="2000" dirty="0"/>
               <a:t> para administrar tareas centrales.</a:t>
             </a:r>
           </a:p>
           <a:p>
             <a:pPr lvl="1"/>
             <a:r>
-              <a:rPr lang="es-CO" sz="1400" b="1" dirty="0" smtClean="0">
+              <a:rPr lang="es-CO" sz="1400" b="1" dirty="0">
                 <a:solidFill>
                   <a:srgbClr val="00B050"/>
                 </a:solidFill>
@@ -7447,18 +7184,13 @@
           <a:p>
             <a:pPr lvl="1"/>
             <a:r>
-              <a:rPr lang="es-CO" sz="1400" b="1" dirty="0" smtClean="0">
+              <a:rPr lang="es-CO" sz="1400" b="1" dirty="0">
                 <a:solidFill>
                   <a:srgbClr val="00B050"/>
                 </a:solidFill>
               </a:rPr>
               <a:t>Verdadero</a:t>
             </a:r>
-            <a:endParaRPr lang="es-CO" sz="1400" b="1" dirty="0">
-              <a:solidFill>
-                <a:srgbClr val="00B050"/>
-              </a:solidFill>
-            </a:endParaRPr>
           </a:p>
         </p:txBody>
       </p:sp>
@@ -8322,10 +8054,9 @@
           <a:lstStyle/>
           <a:p>
             <a:r>
-              <a:rPr lang="es-CO" dirty="0" smtClean="0"/>
+              <a:rPr lang="es-CO" dirty="0"/>
               <a:t>Qué es la Virtualización?</a:t>
             </a:r>
-            <a:endParaRPr lang="es-CO" dirty="0"/>
           </a:p>
         </p:txBody>
       </p:sp>
@@ -8347,11 +8078,7 @@
             <a:pPr algn="just"/>
             <a:r>
               <a:rPr lang="es-CO" dirty="0"/>
-              <a:t>La virtualización es una tecnología que permite crear múltiples entornos simulados o recursos dedicados desde un solo sistema de hardware físico</a:t>
-            </a:r>
-            <a:r>
-              <a:rPr lang="es-CO" dirty="0" smtClean="0"/>
-              <a:t>.</a:t>
+              <a:t>La virtualización es una tecnología que permite crear múltiples entornos simulados o recursos dedicados desde un solo sistema de hardware físico.</a:t>
             </a:r>
           </a:p>
         </p:txBody>
@@ -8407,13 +8134,6 @@
   <p:clrMapOvr>
     <a:masterClrMapping/>
   </p:clrMapOvr>
-  <p:timing>
-    <p:tnLst>
-      <p:par>
-        <p:cTn id="1" dur="indefinite" restart="never" nodeType="tmRoot"/>
-      </p:par>
-    </p:tnLst>
-  </p:timing>
 </p:sld>
 </file>
 
@@ -8450,10 +8170,9 @@
           <a:lstStyle/>
           <a:p>
             <a:r>
-              <a:rPr lang="es-CO" dirty="0" smtClean="0"/>
+              <a:rPr lang="es-CO" dirty="0"/>
               <a:t>Demo</a:t>
             </a:r>
-            <a:endParaRPr lang="es-CO" dirty="0"/>
           </a:p>
         </p:txBody>
       </p:sp>
@@ -8473,26 +8192,26 @@
           <a:lstStyle/>
           <a:p>
             <a:r>
-              <a:rPr lang="es-CO" dirty="0" smtClean="0"/>
+              <a:rPr lang="es-CO" dirty="0"/>
               <a:t>Usando la Herramienta </a:t>
             </a:r>
             <a:r>
-              <a:rPr lang="es-CO" dirty="0" err="1" smtClean="0"/>
+              <a:rPr lang="es-CO" dirty="0" err="1"/>
               <a:t>Docker</a:t>
             </a:r>
             <a:r>
-              <a:rPr lang="es-CO" dirty="0" smtClean="0"/>
+              <a:rPr lang="es-CO" dirty="0"/>
               <a:t> Desktop</a:t>
             </a:r>
           </a:p>
           <a:p>
             <a:pPr lvl="1"/>
             <a:r>
-              <a:rPr lang="es-CO" dirty="0" smtClean="0"/>
+              <a:rPr lang="es-CO" dirty="0"/>
               <a:t>Cree una instancia de una Base de datos </a:t>
             </a:r>
             <a:r>
-              <a:rPr lang="es-CO" dirty="0" err="1" smtClean="0"/>
+              <a:rPr lang="es-CO" dirty="0" err="1"/>
               <a:t>MySql</a:t>
             </a:r>
             <a:endParaRPr lang="es-CO" dirty="0"/>
@@ -8535,13 +8254,6 @@
   <p:clrMapOvr>
     <a:masterClrMapping/>
   </p:clrMapOvr>
-  <p:timing>
-    <p:tnLst>
-      <p:par>
-        <p:cTn id="1" dur="indefinite" restart="never" nodeType="tmRoot"/>
-      </p:par>
-    </p:tnLst>
-  </p:timing>
 </p:sld>
 </file>
 
@@ -8579,10 +8291,9 @@
           <a:p>
             <a:pPr algn="ctr"/>
             <a:r>
-              <a:rPr lang="es-CO" dirty="0" smtClean="0"/>
+              <a:rPr lang="es-CO" dirty="0"/>
               <a:t>Preguntas?</a:t>
             </a:r>
-            <a:endParaRPr lang="es-CO" dirty="0"/>
           </a:p>
         </p:txBody>
       </p:sp>
@@ -8617,13 +8328,6 @@
   <p:clrMapOvr>
     <a:masterClrMapping/>
   </p:clrMapOvr>
-  <p:timing>
-    <p:tnLst>
-      <p:par>
-        <p:cTn id="1" dur="indefinite" restart="never" nodeType="tmRoot"/>
-      </p:par>
-    </p:tnLst>
-  </p:timing>
 </p:sld>
 </file>
 
@@ -8682,7 +8386,7 @@
           <a:p>
             <a:pPr algn="ctr"/>
             <a:r>
-              <a:rPr lang="en-US" sz="6600" b="1" cap="all" dirty="0" smtClean="0">
+              <a:rPr lang="en-US" sz="6600" b="1" cap="all" dirty="0">
                 <a:ln w="0"/>
                 <a:solidFill>
                   <a:srgbClr val="0066CC">
@@ -8696,18 +8400,6 @@
               </a:rPr>
               <a:t>Gracias!!!</a:t>
             </a:r>
-            <a:endParaRPr lang="en-US" sz="6600" b="1" cap="all" dirty="0">
-              <a:ln w="0"/>
-              <a:solidFill>
-                <a:srgbClr val="0066CC">
-                  <a:alpha val="74000"/>
-                </a:srgbClr>
-              </a:solidFill>
-              <a:effectLst>
-                <a:reflection blurRad="12700" stA="50000" endPos="50000" dist="5000" dir="5400000" sy="-100000" rotWithShape="0"/>
-              </a:effectLst>
-              <a:latin typeface="Berlin Sans FB Demi" pitchFamily="34" charset="0"/>
-            </a:endParaRPr>
           </a:p>
         </p:txBody>
       </p:sp>
@@ -8716,13 +8408,6 @@
   <p:clrMapOvr>
     <a:masterClrMapping/>
   </p:clrMapOvr>
-  <p:timing>
-    <p:tnLst>
-      <p:par>
-        <p:cTn id="1" dur="indefinite" restart="never" nodeType="tmRoot"/>
-      </p:par>
-    </p:tnLst>
-  </p:timing>
 </p:sld>
 </file>
 
@@ -8759,10 +8444,9 @@
           <a:lstStyle/>
           <a:p>
             <a:r>
-              <a:rPr lang="es-CO" dirty="0" smtClean="0"/>
+              <a:rPr lang="es-CO" dirty="0"/>
               <a:t>Qué es una maquina Virtual?</a:t>
             </a:r>
-            <a:endParaRPr lang="es-CO" dirty="0"/>
           </a:p>
         </p:txBody>
       </p:sp>
@@ -8851,13 +8535,6 @@
   <p:clrMapOvr>
     <a:masterClrMapping/>
   </p:clrMapOvr>
-  <p:timing>
-    <p:tnLst>
-      <p:par>
-        <p:cTn id="1" dur="indefinite" restart="never" nodeType="tmRoot"/>
-      </p:par>
-    </p:tnLst>
-  </p:timing>
 </p:sld>
 </file>
 
@@ -8894,10 +8571,9 @@
           <a:lstStyle/>
           <a:p>
             <a:r>
-              <a:rPr lang="es-CO" dirty="0" smtClean="0"/>
+              <a:rPr lang="es-CO" dirty="0"/>
               <a:t>Como Funciona la Virtualización?</a:t>
             </a:r>
-            <a:endParaRPr lang="es-CO" dirty="0"/>
           </a:p>
         </p:txBody>
       </p:sp>
@@ -8994,13 +8670,6 @@
   <p:clrMapOvr>
     <a:masterClrMapping/>
   </p:clrMapOvr>
-  <p:timing>
-    <p:tnLst>
-      <p:par>
-        <p:cTn id="1" dur="indefinite" restart="never" nodeType="tmRoot"/>
-      </p:par>
-    </p:tnLst>
-  </p:timing>
 </p:sld>
 </file>
 
@@ -9037,10 +8706,9 @@
           <a:lstStyle/>
           <a:p>
             <a:r>
-              <a:rPr lang="es-CO" dirty="0" smtClean="0"/>
+              <a:rPr lang="es-CO" dirty="0"/>
               <a:t>Historia de la Virtualización</a:t>
             </a:r>
-            <a:endParaRPr lang="es-CO" dirty="0"/>
           </a:p>
         </p:txBody>
       </p:sp>
@@ -9060,10 +8728,9 @@
           <a:lstStyle/>
           <a:p>
             <a:r>
-              <a:rPr lang="es-CO" dirty="0" smtClean="0"/>
+              <a:rPr lang="es-CO" dirty="0"/>
               <a:t>Aunque inicia en la década de los 70’s, comenzó a adaptarse más ampliamente a principios del año 2000, con la inclusión de software que facilitaba el proceso.</a:t>
             </a:r>
-            <a:endParaRPr lang="es-CO" dirty="0"/>
           </a:p>
         </p:txBody>
       </p:sp>
@@ -9159,13 +8826,6 @@
   <p:clrMapOvr>
     <a:masterClrMapping/>
   </p:clrMapOvr>
-  <p:timing>
-    <p:tnLst>
-      <p:par>
-        <p:cTn id="1" dur="indefinite" restart="never" nodeType="tmRoot"/>
-      </p:par>
-    </p:tnLst>
-  </p:timing>
 </p:sld>
 </file>
 
@@ -9202,10 +8862,9 @@
           <a:lstStyle/>
           <a:p>
             <a:r>
-              <a:rPr lang="es-CO" dirty="0" smtClean="0"/>
+              <a:rPr lang="es-CO" dirty="0"/>
               <a:t>Tipos de Virtualización</a:t>
             </a:r>
-            <a:endParaRPr lang="es-CO" dirty="0"/>
           </a:p>
         </p:txBody>
       </p:sp>
@@ -9227,7 +8886,7 @@
           <a:lstStyle/>
           <a:p>
             <a:r>
-              <a:rPr lang="es-CO" sz="2800" dirty="0" smtClean="0"/>
+              <a:rPr lang="es-CO" sz="2800" dirty="0"/>
               <a:t>Virtualización de los Datos</a:t>
             </a:r>
           </a:p>
@@ -9301,13 +8960,6 @@
   <p:clrMapOvr>
     <a:masterClrMapping/>
   </p:clrMapOvr>
-  <p:timing>
-    <p:tnLst>
-      <p:par>
-        <p:cTn id="1" dur="indefinite" restart="never" nodeType="tmRoot"/>
-      </p:par>
-    </p:tnLst>
-  </p:timing>
 </p:sld>
 </file>
 
@@ -9369,24 +9021,15 @@
           <a:p>
             <a:r>
               <a:rPr lang="es-CO" sz="2800" dirty="0"/>
-              <a:t>Virtualización de </a:t>
-            </a:r>
-            <a:r>
-              <a:rPr lang="es-CO" sz="2800" dirty="0" smtClean="0"/>
-              <a:t>escritorios</a:t>
+              <a:t>Virtualización de escritorios</a:t>
             </a:r>
           </a:p>
           <a:p>
             <a:pPr lvl="1"/>
             <a:r>
-              <a:rPr lang="es-CO" sz="2400" dirty="0" smtClean="0"/>
-              <a:t>La </a:t>
-            </a:r>
-            <a:r>
               <a:rPr lang="es-CO" sz="2400" dirty="0"/>
-              <a:t>virtualización de escritorios permite que los administradores realicen múltiples configuraciones, actualizaciones y controles de seguridad en todos los escritorios virtuales.</a:t>
-            </a:r>
-            <a:endParaRPr lang="es-CO" sz="2400" dirty="0" smtClean="0"/>
+              <a:t>La virtualización de escritorios permite que los administradores realicen múltiples configuraciones, actualizaciones y controles de seguridad en todos los escritorios virtuales.</a:t>
+            </a:r>
           </a:p>
           <a:p>
             <a:pPr lvl="1"/>
@@ -9455,13 +9098,6 @@
   <p:clrMapOvr>
     <a:masterClrMapping/>
   </p:clrMapOvr>
-  <p:timing>
-    <p:tnLst>
-      <p:par>
-        <p:cTn id="1" dur="indefinite" restart="never" nodeType="tmRoot"/>
-      </p:par>
-    </p:tnLst>
-  </p:timing>
 </p:sld>
 </file>
 
@@ -9523,11 +9159,7 @@
           <a:p>
             <a:r>
               <a:rPr lang="es-CO" sz="2800" dirty="0"/>
-              <a:t>Virtualización de los </a:t>
-            </a:r>
-            <a:r>
-              <a:rPr lang="es-CO" sz="2800" dirty="0" smtClean="0"/>
-              <a:t>servidores</a:t>
+              <a:t>Virtualización de los servidores</a:t>
             </a:r>
           </a:p>
           <a:p>
@@ -9536,7 +9168,6 @@
               <a:rPr lang="es-CO" sz="2400" dirty="0"/>
               <a:t> La virtualización de un servidor, que implica dividirlo para que sus elementos puedan utilizarse para realizar varias tareas, permite ejecutar más funciones específicas.</a:t>
             </a:r>
-            <a:endParaRPr lang="es-CO" sz="2400" dirty="0" smtClean="0"/>
           </a:p>
           <a:p>
             <a:pPr lvl="1"/>
@@ -9595,13 +9226,6 @@
   <p:clrMapOvr>
     <a:masterClrMapping/>
   </p:clrMapOvr>
-  <p:timing>
-    <p:tnLst>
-      <p:par>
-        <p:cTn id="1" dur="indefinite" restart="never" nodeType="tmRoot"/>
-      </p:par>
-    </p:tnLst>
-  </p:timing>
 </p:sld>
 </file>
 
@@ -9742,13 +9366,6 @@
   <p:clrMapOvr>
     <a:masterClrMapping/>
   </p:clrMapOvr>
-  <p:timing>
-    <p:tnLst>
-      <p:par>
-        <p:cTn id="1" dur="indefinite" restart="never" nodeType="tmRoot"/>
-      </p:par>
-    </p:tnLst>
-  </p:timing>
 </p:sld>
 </file>
 

--- a/Classes/SvcDev-07-Containers.pptx
+++ b/Classes/SvcDev-07-Containers.pptx
@@ -230,7 +230,7 @@
             <a:fld id="{2C5F02C1-A2C2-45D1-8D60-D454C04B5E27}" type="datetimeFigureOut">
               <a:rPr lang="es-CO" smtClean="0"/>
               <a:pPr/>
-              <a:t>24/05/2025</a:t>
+              <a:t>29/03/2022</a:t>
             </a:fld>
             <a:endParaRPr lang="es-CO" dirty="0"/>
           </a:p>
@@ -296,35 +296,35 @@
           <a:p>
             <a:pPr lvl="0"/>
             <a:r>
-              <a:rPr lang="en-US"/>
+              <a:rPr lang="en-US" smtClean="0"/>
               <a:t>Click to edit Master text styles</a:t>
             </a:r>
           </a:p>
           <a:p>
             <a:pPr lvl="1"/>
             <a:r>
-              <a:rPr lang="en-US"/>
+              <a:rPr lang="en-US" smtClean="0"/>
               <a:t>Second level</a:t>
             </a:r>
           </a:p>
           <a:p>
             <a:pPr lvl="2"/>
             <a:r>
-              <a:rPr lang="en-US"/>
+              <a:rPr lang="en-US" smtClean="0"/>
               <a:t>Third level</a:t>
             </a:r>
           </a:p>
           <a:p>
             <a:pPr lvl="3"/>
             <a:r>
-              <a:rPr lang="en-US"/>
+              <a:rPr lang="en-US" smtClean="0"/>
               <a:t>Fourth level</a:t>
             </a:r>
           </a:p>
           <a:p>
             <a:pPr lvl="4"/>
             <a:r>
-              <a:rPr lang="en-US"/>
+              <a:rPr lang="en-US" smtClean="0"/>
               <a:t>Fifth level</a:t>
             </a:r>
             <a:endParaRPr lang="es-CO"/>
@@ -633,9 +633,10 @@
           <a:lstStyle/>
           <a:p>
             <a:r>
-              <a:rPr lang="es-CO" dirty="0"/>
+              <a:rPr lang="es-CO" dirty="0" smtClean="0"/>
               <a:t>https://www.vmware.com/latam/topics/glossary/content/virtual-machine.html</a:t>
             </a:r>
+            <a:endParaRPr lang="es-CO" dirty="0"/>
           </a:p>
         </p:txBody>
       </p:sp>
@@ -721,16 +722,16 @@
           <a:lstStyle/>
           <a:p>
             <a:r>
-              <a:rPr lang="es-CO" dirty="0"/>
+              <a:rPr lang="es-CO" dirty="0" smtClean="0"/>
               <a:t>https://www.netapp.com/es/devops-solutions/what-are-containers/</a:t>
             </a:r>
           </a:p>
           <a:p>
-            <a:endParaRPr lang="es-CO" dirty="0"/>
-          </a:p>
-          <a:p>
-            <a:r>
-              <a:rPr lang="es-CO" sz="1200" b="0" i="1" kern="1200" dirty="0">
+            <a:endParaRPr lang="es-CO" dirty="0" smtClean="0"/>
+          </a:p>
+          <a:p>
+            <a:r>
+              <a:rPr lang="es-CO" sz="1200" b="0" i="1" kern="1200" dirty="0" smtClean="0">
                 <a:solidFill>
                   <a:schemeClr val="tx1"/>
                 </a:solidFill>
@@ -742,7 +743,7 @@
               <a:t>Los contenedores son una forma de virtualización del sistema operativo. Un solo contenedor se puede usar para ejecutar cualquier cosa, desde un </a:t>
             </a:r>
             <a:r>
-              <a:rPr lang="es-CO" sz="1200" b="0" i="1" kern="1200" dirty="0" err="1">
+              <a:rPr lang="es-CO" sz="1200" b="0" i="1" kern="1200" dirty="0" err="1" smtClean="0">
                 <a:solidFill>
                   <a:schemeClr val="tx1"/>
                 </a:solidFill>
@@ -754,7 +755,7 @@
               <a:t>microservicio</a:t>
             </a:r>
             <a:r>
-              <a:rPr lang="es-CO" sz="1200" b="0" i="1" kern="1200" dirty="0">
+              <a:rPr lang="es-CO" sz="1200" b="0" i="1" kern="1200" dirty="0" smtClean="0">
                 <a:solidFill>
                   <a:schemeClr val="tx1"/>
                 </a:solidFill>
@@ -766,7 +767,7 @@
               <a:t> o un proceso de software a una aplicación de mayor tamaño. Dentro de un contenedor se encuentran todos los ejecutables, el código binario, las bibliotecas y los archivos de configuración necesarios. Sin embargo, en comparación con los métodos de virtualización de máquinas o servidores, los contenedores no contienen imágenes del sistema operativo. Esto los hace más ligeros y portátiles, con una sobrecarga significativamente menor. En implementaciones de aplicaciones de mayor tamaño, se pueden poner en marcha varios contenedores como uno o varios clústeres de contenedores. Estos clústeres se pueden gestionar mediante un orquestador de contenedores, como </a:t>
             </a:r>
             <a:r>
-              <a:rPr lang="es-CO" sz="1200" b="0" i="1" kern="1200" dirty="0" err="1">
+              <a:rPr lang="es-CO" sz="1200" b="0" i="1" kern="1200" dirty="0" err="1" smtClean="0">
                 <a:solidFill>
                   <a:schemeClr val="tx1"/>
                 </a:solidFill>
@@ -778,7 +779,7 @@
               <a:t>Kubernetes</a:t>
             </a:r>
             <a:r>
-              <a:rPr lang="es-CO" sz="1200" b="0" i="1" kern="1200" dirty="0">
+              <a:rPr lang="es-CO" sz="1200" b="0" i="1" kern="1200" dirty="0" smtClean="0">
                 <a:solidFill>
                   <a:schemeClr val="tx1"/>
                 </a:solidFill>
@@ -875,17 +876,17 @@
           <a:lstStyle/>
           <a:p>
             <a:r>
-              <a:rPr lang="es-CO" dirty="0"/>
+              <a:rPr lang="es-CO" dirty="0" smtClean="0"/>
               <a:t>https://www.netapp.com/es/devops-solutions/what-are-containers/</a:t>
             </a:r>
           </a:p>
           <a:p>
-            <a:endParaRPr lang="es-CO" dirty="0"/>
+            <a:endParaRPr lang="es-CO" dirty="0" smtClean="0"/>
           </a:p>
           <a:p>
             <a:pPr fontAlgn="base"/>
             <a:r>
-              <a:rPr lang="es-CO" sz="1200" b="0" i="0" kern="1200" dirty="0">
+              <a:rPr lang="es-CO" sz="1200" b="0" i="0" kern="1200" dirty="0" smtClean="0">
                 <a:solidFill>
                   <a:schemeClr val="tx1"/>
                 </a:solidFill>
@@ -900,7 +901,7 @@
           <a:p>
             <a:pPr fontAlgn="base"/>
             <a:r>
-              <a:rPr lang="es-CO" sz="1200" b="0" i="0" kern="1200" dirty="0">
+              <a:rPr lang="es-CO" sz="1200" b="0" i="0" kern="1200" dirty="0" smtClean="0">
                 <a:solidFill>
                   <a:schemeClr val="tx1"/>
                 </a:solidFill>
@@ -912,7 +913,7 @@
               <a:t>Las VM se ejecutan en un entorno de </a:t>
             </a:r>
             <a:r>
-              <a:rPr lang="es-CO" sz="1200" b="0" i="0" kern="1200" dirty="0" err="1">
+              <a:rPr lang="es-CO" sz="1200" b="0" i="0" kern="1200" dirty="0" err="1" smtClean="0">
                 <a:solidFill>
                   <a:schemeClr val="tx1"/>
                 </a:solidFill>
@@ -924,7 +925,7 @@
               <a:t>hipervisor</a:t>
             </a:r>
             <a:r>
-              <a:rPr lang="es-CO" sz="1200" b="0" i="0" kern="1200" dirty="0">
+              <a:rPr lang="es-CO" sz="1200" b="0" i="0" kern="1200" dirty="0" smtClean="0">
                 <a:solidFill>
                   <a:schemeClr val="tx1"/>
                 </a:solidFill>
@@ -939,7 +940,7 @@
           <a:p>
             <a:pPr fontAlgn="base"/>
             <a:r>
-              <a:rPr lang="es-CO" sz="1200" b="0" i="0" kern="1200" dirty="0">
+              <a:rPr lang="es-CO" sz="1200" b="0" i="0" kern="1200" dirty="0" smtClean="0">
                 <a:solidFill>
                   <a:schemeClr val="tx1"/>
                 </a:solidFill>
@@ -951,7 +952,7 @@
               <a:t>Por el contrario, cada contenedor comparte el mismo sistema operativo host o </a:t>
             </a:r>
             <a:r>
-              <a:rPr lang="es-CO" sz="1200" b="0" i="0" kern="1200" dirty="0" err="1">
+              <a:rPr lang="es-CO" sz="1200" b="0" i="0" kern="1200" dirty="0" err="1" smtClean="0">
                 <a:solidFill>
                   <a:schemeClr val="tx1"/>
                 </a:solidFill>
@@ -963,7 +964,7 @@
               <a:t>kernel</a:t>
             </a:r>
             <a:r>
-              <a:rPr lang="es-CO" sz="1200" b="0" i="0" kern="1200" dirty="0">
+              <a:rPr lang="es-CO" sz="1200" b="0" i="0" kern="1200" dirty="0" smtClean="0">
                 <a:solidFill>
                   <a:schemeClr val="tx1"/>
                 </a:solidFill>
@@ -1064,17 +1065,17 @@
           <a:lstStyle/>
           <a:p>
             <a:r>
-              <a:rPr lang="es-CO" dirty="0"/>
+              <a:rPr lang="es-CO" dirty="0" smtClean="0"/>
               <a:t>https://www.netapp.com/es/devops-solutions/what-are-containers/</a:t>
             </a:r>
           </a:p>
           <a:p>
-            <a:endParaRPr lang="es-CO" dirty="0"/>
+            <a:endParaRPr lang="es-CO" dirty="0" smtClean="0"/>
           </a:p>
           <a:p>
             <a:pPr fontAlgn="base"/>
             <a:r>
-              <a:rPr lang="es-CO" sz="1200" b="1" i="0" kern="1200" dirty="0">
+              <a:rPr lang="es-CO" sz="1200" b="1" i="0" kern="1200" dirty="0" smtClean="0">
                 <a:solidFill>
                   <a:schemeClr val="tx1"/>
                 </a:solidFill>
@@ -1086,7 +1087,7 @@
               <a:t>El </a:t>
             </a:r>
             <a:r>
-              <a:rPr lang="es-CO" sz="1200" b="1" i="0" kern="1200" dirty="0" err="1">
+              <a:rPr lang="es-CO" sz="1200" b="1" i="0" kern="1200" dirty="0" err="1" smtClean="0">
                 <a:solidFill>
                   <a:schemeClr val="tx1"/>
                 </a:solidFill>
@@ -1098,7 +1099,7 @@
               <a:t>rehospedaje</a:t>
             </a:r>
             <a:r>
-              <a:rPr lang="es-CO" sz="1200" b="1" i="0" kern="1200" dirty="0">
+              <a:rPr lang="es-CO" sz="1200" b="1" i="0" kern="1200" dirty="0" smtClean="0">
                 <a:solidFill>
                   <a:schemeClr val="tx1"/>
                 </a:solidFill>
@@ -1109,8 +1110,20 @@
               </a:rPr>
               <a:t> de las aplicaciones existentes en arquitecturas de nube modernas</a:t>
             </a:r>
+            <a:r>
+              <a:rPr lang="es-CO" sz="1200" b="0" i="0" kern="1200" dirty="0" smtClean="0">
+                <a:solidFill>
+                  <a:schemeClr val="tx1"/>
+                </a:solidFill>
+                <a:effectLst/>
+                <a:latin typeface="+mn-lt"/>
+                <a:ea typeface="+mn-ea"/>
+                <a:cs typeface="+mn-cs"/>
+              </a:rPr>
+              <a:t/>
+            </a:r>
             <a:br>
-              <a:rPr lang="es-CO" sz="1200" b="0" i="0" kern="1200" dirty="0">
+              <a:rPr lang="es-CO" sz="1200" b="0" i="0" kern="1200" dirty="0" smtClean="0">
                 <a:solidFill>
                   <a:schemeClr val="tx1"/>
                 </a:solidFill>
@@ -1121,7 +1134,7 @@
               </a:rPr>
             </a:br>
             <a:r>
-              <a:rPr lang="es-CO" sz="1200" b="0" i="0" kern="1200" dirty="0">
+              <a:rPr lang="es-CO" sz="1200" b="0" i="0" kern="1200" dirty="0" smtClean="0">
                 <a:solidFill>
                   <a:schemeClr val="tx1"/>
                 </a:solidFill>
@@ -1133,7 +1146,7 @@
               <a:t>Algunas organizaciones utilizan contenedores para migrar las aplicaciones existentes a entornos más modernos. Aunque esta práctica ofrece algunos de los beneficios básicos de la virtualización de sistemas operativos, no ofrece todas las ventajas de una arquitectura de aplicaciones modular basada en contenedores.</a:t>
             </a:r>
             <a:br>
-              <a:rPr lang="es-CO" sz="1200" b="0" i="0" kern="1200" dirty="0">
+              <a:rPr lang="es-CO" sz="1200" b="0" i="0" kern="1200" dirty="0" smtClean="0">
                 <a:solidFill>
                   <a:schemeClr val="tx1"/>
                 </a:solidFill>
@@ -1143,7 +1156,7 @@
                 <a:cs typeface="+mn-cs"/>
               </a:rPr>
             </a:br>
-            <a:endParaRPr lang="es-CO" sz="1200" b="0" i="0" kern="1200" dirty="0">
+            <a:endParaRPr lang="es-CO" sz="1200" b="0" i="0" kern="1200" dirty="0" smtClean="0">
               <a:solidFill>
                 <a:schemeClr val="tx1"/>
               </a:solidFill>
@@ -1156,7 +1169,7 @@
           <a:p>
             <a:pPr fontAlgn="base"/>
             <a:r>
-              <a:rPr lang="es-CO" sz="1200" b="1" i="0" kern="1200" dirty="0">
+              <a:rPr lang="es-CO" sz="1200" b="1" i="0" kern="1200" dirty="0" smtClean="0">
                 <a:solidFill>
                   <a:schemeClr val="tx1"/>
                 </a:solidFill>
@@ -1167,8 +1180,20 @@
               </a:rPr>
               <a:t>Refactorización de las aplicaciones existentes para contenedores</a:t>
             </a:r>
+            <a:r>
+              <a:rPr lang="es-CO" sz="1200" b="0" i="0" kern="1200" dirty="0" smtClean="0">
+                <a:solidFill>
+                  <a:schemeClr val="tx1"/>
+                </a:solidFill>
+                <a:effectLst/>
+                <a:latin typeface="+mn-lt"/>
+                <a:ea typeface="+mn-ea"/>
+                <a:cs typeface="+mn-cs"/>
+              </a:rPr>
+              <a:t/>
+            </a:r>
             <a:br>
-              <a:rPr lang="es-CO" sz="1200" b="0" i="0" kern="1200" dirty="0">
+              <a:rPr lang="es-CO" sz="1200" b="0" i="0" kern="1200" dirty="0" smtClean="0">
                 <a:solidFill>
                   <a:schemeClr val="tx1"/>
                 </a:solidFill>
@@ -1179,7 +1204,7 @@
               </a:rPr>
             </a:br>
             <a:r>
-              <a:rPr lang="es-CO" sz="1200" b="0" i="0" kern="1200" dirty="0">
+              <a:rPr lang="es-CO" sz="1200" b="0" i="0" kern="1200" dirty="0" smtClean="0">
                 <a:solidFill>
                   <a:schemeClr val="tx1"/>
                 </a:solidFill>
@@ -1191,7 +1216,7 @@
               <a:t>Aunque la refactorización requiere mucho más que la migración del </a:t>
             </a:r>
             <a:r>
-              <a:rPr lang="es-CO" sz="1200" b="0" i="0" kern="1200" dirty="0" err="1">
+              <a:rPr lang="es-CO" sz="1200" b="0" i="0" kern="1200" dirty="0" err="1" smtClean="0">
                 <a:solidFill>
                   <a:schemeClr val="tx1"/>
                 </a:solidFill>
@@ -1203,7 +1228,7 @@
               <a:t>rehospedaje</a:t>
             </a:r>
             <a:r>
-              <a:rPr lang="es-CO" sz="1200" b="0" i="0" kern="1200" dirty="0">
+              <a:rPr lang="es-CO" sz="1200" b="0" i="0" kern="1200" dirty="0" smtClean="0">
                 <a:solidFill>
                   <a:schemeClr val="tx1"/>
                 </a:solidFill>
@@ -1215,7 +1240,7 @@
               <a:t>, ofrece todos los beneficios de un entorno de contenedores.</a:t>
             </a:r>
             <a:br>
-              <a:rPr lang="es-CO" sz="1200" b="0" i="0" kern="1200" dirty="0">
+              <a:rPr lang="es-CO" sz="1200" b="0" i="0" kern="1200" dirty="0" smtClean="0">
                 <a:solidFill>
                   <a:schemeClr val="tx1"/>
                 </a:solidFill>
@@ -1225,7 +1250,7 @@
                 <a:cs typeface="+mn-cs"/>
               </a:rPr>
             </a:br>
-            <a:endParaRPr lang="es-CO" sz="1200" b="0" i="0" kern="1200" dirty="0">
+            <a:endParaRPr lang="es-CO" sz="1200" b="0" i="0" kern="1200" dirty="0" smtClean="0">
               <a:solidFill>
                 <a:schemeClr val="tx1"/>
               </a:solidFill>
@@ -1238,7 +1263,7 @@
           <a:p>
             <a:pPr fontAlgn="base"/>
             <a:r>
-              <a:rPr lang="es-CO" sz="1200" b="1" i="0" kern="1200" dirty="0">
+              <a:rPr lang="es-CO" sz="1200" b="1" i="0" kern="1200" dirty="0" smtClean="0">
                 <a:solidFill>
                   <a:schemeClr val="tx1"/>
                 </a:solidFill>
@@ -1249,8 +1274,20 @@
               </a:rPr>
               <a:t>Desarrollo de nuevas aplicaciones nativas del contenedor</a:t>
             </a:r>
+            <a:r>
+              <a:rPr lang="es-CO" sz="1200" b="0" i="0" kern="1200" dirty="0" smtClean="0">
+                <a:solidFill>
+                  <a:schemeClr val="tx1"/>
+                </a:solidFill>
+                <a:effectLst/>
+                <a:latin typeface="+mn-lt"/>
+                <a:ea typeface="+mn-ea"/>
+                <a:cs typeface="+mn-cs"/>
+              </a:rPr>
+              <a:t/>
+            </a:r>
             <a:br>
-              <a:rPr lang="es-CO" sz="1200" b="0" i="0" kern="1200" dirty="0">
+              <a:rPr lang="es-CO" sz="1200" b="0" i="0" kern="1200" dirty="0" smtClean="0">
                 <a:solidFill>
                   <a:schemeClr val="tx1"/>
                 </a:solidFill>
@@ -1261,7 +1298,7 @@
               </a:rPr>
             </a:br>
             <a:r>
-              <a:rPr lang="es-CO" sz="1200" b="0" i="0" kern="1200" dirty="0">
+              <a:rPr lang="es-CO" sz="1200" b="0" i="0" kern="1200" dirty="0" smtClean="0">
                 <a:solidFill>
                   <a:schemeClr val="tx1"/>
                 </a:solidFill>
@@ -1273,7 +1310,7 @@
               <a:t>Al igual que la refactorización, este método permite disfrutar de todos los beneficios de los contenedores.</a:t>
             </a:r>
             <a:br>
-              <a:rPr lang="es-CO" sz="1200" b="0" i="0" kern="1200" dirty="0">
+              <a:rPr lang="es-CO" sz="1200" b="0" i="0" kern="1200" dirty="0" smtClean="0">
                 <a:solidFill>
                   <a:schemeClr val="tx1"/>
                 </a:solidFill>
@@ -1283,7 +1320,7 @@
                 <a:cs typeface="+mn-cs"/>
               </a:rPr>
             </a:br>
-            <a:endParaRPr lang="es-CO" sz="1200" b="0" i="0" kern="1200" dirty="0">
+            <a:endParaRPr lang="es-CO" sz="1200" b="0" i="0" kern="1200" dirty="0" smtClean="0">
               <a:solidFill>
                 <a:schemeClr val="tx1"/>
               </a:solidFill>
@@ -1296,7 +1333,7 @@
           <a:p>
             <a:pPr fontAlgn="base"/>
             <a:r>
-              <a:rPr lang="es-CO" sz="1200" b="1" i="0" kern="1200" dirty="0">
+              <a:rPr lang="es-CO" sz="1200" b="1" i="0" kern="1200" dirty="0" smtClean="0">
                 <a:solidFill>
                   <a:schemeClr val="tx1"/>
                 </a:solidFill>
@@ -1308,7 +1345,7 @@
               <a:t>Más compatibilidad con las arquitecturas de </a:t>
             </a:r>
             <a:r>
-              <a:rPr lang="es-CO" sz="1200" b="1" i="0" kern="1200" dirty="0" err="1">
+              <a:rPr lang="es-CO" sz="1200" b="1" i="0" kern="1200" dirty="0" err="1" smtClean="0">
                 <a:solidFill>
                   <a:schemeClr val="tx1"/>
                 </a:solidFill>
@@ -1319,8 +1356,20 @@
               </a:rPr>
               <a:t>microservicios</a:t>
             </a:r>
+            <a:r>
+              <a:rPr lang="es-CO" sz="1200" b="0" i="0" kern="1200" dirty="0" smtClean="0">
+                <a:solidFill>
+                  <a:schemeClr val="tx1"/>
+                </a:solidFill>
+                <a:effectLst/>
+                <a:latin typeface="+mn-lt"/>
+                <a:ea typeface="+mn-ea"/>
+                <a:cs typeface="+mn-cs"/>
+              </a:rPr>
+              <a:t/>
+            </a:r>
             <a:br>
-              <a:rPr lang="es-CO" sz="1200" b="0" i="0" kern="1200" dirty="0">
+              <a:rPr lang="es-CO" sz="1200" b="0" i="0" kern="1200" dirty="0" smtClean="0">
                 <a:solidFill>
                   <a:schemeClr val="tx1"/>
                 </a:solidFill>
@@ -1331,7 +1380,7 @@
               </a:rPr>
             </a:br>
             <a:r>
-              <a:rPr lang="es-CO" sz="1200" b="0" i="0" kern="1200" dirty="0">
+              <a:rPr lang="es-CO" sz="1200" b="0" i="0" kern="1200" dirty="0" smtClean="0">
                 <a:solidFill>
                   <a:schemeClr val="tx1"/>
                 </a:solidFill>
@@ -1343,7 +1392,7 @@
               <a:t>Las aplicaciones distribuidas y los </a:t>
             </a:r>
             <a:r>
-              <a:rPr lang="es-CO" sz="1200" b="0" i="0" kern="1200" dirty="0" err="1">
+              <a:rPr lang="es-CO" sz="1200" b="0" i="0" kern="1200" dirty="0" err="1" smtClean="0">
                 <a:solidFill>
                   <a:schemeClr val="tx1"/>
                 </a:solidFill>
@@ -1355,7 +1404,7 @@
               <a:t>microservicios</a:t>
             </a:r>
             <a:r>
-              <a:rPr lang="es-CO" sz="1200" b="0" i="0" kern="1200" dirty="0">
+              <a:rPr lang="es-CO" sz="1200" b="0" i="0" kern="1200" dirty="0" smtClean="0">
                 <a:solidFill>
                   <a:schemeClr val="tx1"/>
                 </a:solidFill>
@@ -1367,7 +1416,7 @@
               <a:t> se pueden aislar, poner en marcha y escalar más fácilmente utilizando elementos básicos de contenedores individuales.</a:t>
             </a:r>
             <a:br>
-              <a:rPr lang="es-CO" sz="1200" b="0" i="0" kern="1200" dirty="0">
+              <a:rPr lang="es-CO" sz="1200" b="0" i="0" kern="1200" dirty="0" smtClean="0">
                 <a:solidFill>
                   <a:schemeClr val="tx1"/>
                 </a:solidFill>
@@ -1377,7 +1426,7 @@
                 <a:cs typeface="+mn-cs"/>
               </a:rPr>
             </a:br>
-            <a:endParaRPr lang="es-CO" sz="1200" b="0" i="0" kern="1200" dirty="0">
+            <a:endParaRPr lang="es-CO" sz="1200" b="0" i="0" kern="1200" dirty="0" smtClean="0">
               <a:solidFill>
                 <a:schemeClr val="tx1"/>
               </a:solidFill>
@@ -1390,7 +1439,7 @@
           <a:p>
             <a:pPr fontAlgn="base"/>
             <a:r>
-              <a:rPr lang="es-CO" sz="1200" b="1" i="0" kern="1200" dirty="0">
+              <a:rPr lang="es-CO" sz="1200" b="1" i="0" kern="1200" dirty="0" smtClean="0">
                 <a:solidFill>
                   <a:schemeClr val="tx1"/>
                 </a:solidFill>
@@ -1402,7 +1451,7 @@
               <a:t>Soporte de </a:t>
             </a:r>
             <a:r>
-              <a:rPr lang="es-CO" sz="1200" b="1" i="0" kern="1200" dirty="0" err="1">
+              <a:rPr lang="es-CO" sz="1200" b="1" i="0" kern="1200" dirty="0" err="1" smtClean="0">
                 <a:solidFill>
                   <a:schemeClr val="tx1"/>
                 </a:solidFill>
@@ -1414,7 +1463,7 @@
               <a:t>DevOps</a:t>
             </a:r>
             <a:r>
-              <a:rPr lang="es-CO" sz="1200" b="1" i="0" kern="1200" dirty="0">
+              <a:rPr lang="es-CO" sz="1200" b="1" i="0" kern="1200" dirty="0" smtClean="0">
                 <a:solidFill>
                   <a:schemeClr val="tx1"/>
                 </a:solidFill>
@@ -1425,8 +1474,20 @@
               </a:rPr>
               <a:t> para la integración y la puesta en marcha continuas (CI/CD)</a:t>
             </a:r>
+            <a:r>
+              <a:rPr lang="es-CO" sz="1200" b="0" i="0" kern="1200" dirty="0" smtClean="0">
+                <a:solidFill>
+                  <a:schemeClr val="tx1"/>
+                </a:solidFill>
+                <a:effectLst/>
+                <a:latin typeface="+mn-lt"/>
+                <a:ea typeface="+mn-ea"/>
+                <a:cs typeface="+mn-cs"/>
+              </a:rPr>
+              <a:t/>
+            </a:r>
             <a:br>
-              <a:rPr lang="es-CO" sz="1200" b="0" i="0" kern="1200" dirty="0">
+              <a:rPr lang="es-CO" sz="1200" b="0" i="0" kern="1200" dirty="0" smtClean="0">
                 <a:solidFill>
                   <a:schemeClr val="tx1"/>
                 </a:solidFill>
@@ -1437,7 +1498,7 @@
               </a:rPr>
             </a:br>
             <a:r>
-              <a:rPr lang="es-CO" sz="1200" b="0" i="0" kern="1200" dirty="0">
+              <a:rPr lang="es-CO" sz="1200" b="0" i="0" kern="1200" dirty="0" smtClean="0">
                 <a:solidFill>
                   <a:schemeClr val="tx1"/>
                 </a:solidFill>
@@ -1449,7 +1510,7 @@
               <a:t>La tecnología de contenedores permite la creación, la prueba y la puesta en marcha optimizadas a partir de las mismas imágenes de contenedores.</a:t>
             </a:r>
             <a:br>
-              <a:rPr lang="es-CO" sz="1200" b="0" i="0" kern="1200" dirty="0">
+              <a:rPr lang="es-CO" sz="1200" b="0" i="0" kern="1200" dirty="0" smtClean="0">
                 <a:solidFill>
                   <a:schemeClr val="tx1"/>
                 </a:solidFill>
@@ -1459,7 +1520,7 @@
                 <a:cs typeface="+mn-cs"/>
               </a:rPr>
             </a:br>
-            <a:endParaRPr lang="es-CO" sz="1200" b="0" i="0" kern="1200" dirty="0">
+            <a:endParaRPr lang="es-CO" sz="1200" b="0" i="0" kern="1200" dirty="0" smtClean="0">
               <a:solidFill>
                 <a:schemeClr val="tx1"/>
               </a:solidFill>
@@ -1472,7 +1533,7 @@
           <a:p>
             <a:pPr fontAlgn="base"/>
             <a:r>
-              <a:rPr lang="es-CO" sz="1200" b="1" i="0" kern="1200" dirty="0">
+              <a:rPr lang="es-CO" sz="1200" b="1" i="0" kern="1200" dirty="0" smtClean="0">
                 <a:solidFill>
                   <a:schemeClr val="tx1"/>
                 </a:solidFill>
@@ -1483,8 +1544,20 @@
               </a:rPr>
               <a:t>Una puesta en marcha más sencilla de tareas y trabajos repetitivos</a:t>
             </a:r>
+            <a:r>
+              <a:rPr lang="es-CO" sz="1200" b="0" i="0" kern="1200" dirty="0" smtClean="0">
+                <a:solidFill>
+                  <a:schemeClr val="tx1"/>
+                </a:solidFill>
+                <a:effectLst/>
+                <a:latin typeface="+mn-lt"/>
+                <a:ea typeface="+mn-ea"/>
+                <a:cs typeface="+mn-cs"/>
+              </a:rPr>
+              <a:t/>
+            </a:r>
             <a:br>
-              <a:rPr lang="es-CO" sz="1200" b="0" i="0" kern="1200" dirty="0">
+              <a:rPr lang="es-CO" sz="1200" b="0" i="0" kern="1200" dirty="0" smtClean="0">
                 <a:solidFill>
                   <a:schemeClr val="tx1"/>
                 </a:solidFill>
@@ -1495,7 +1568,7 @@
               </a:rPr>
             </a:br>
             <a:r>
-              <a:rPr lang="es-CO" sz="1200" b="0" i="0" kern="1200" dirty="0">
+              <a:rPr lang="es-CO" sz="1200" b="0" i="0" kern="1200" dirty="0" smtClean="0">
                 <a:solidFill>
                   <a:schemeClr val="tx1"/>
                 </a:solidFill>
@@ -1594,9 +1667,10 @@
           <a:lstStyle/>
           <a:p>
             <a:r>
-              <a:rPr lang="es-CO" dirty="0"/>
+              <a:rPr lang="es-CO" dirty="0" smtClean="0"/>
               <a:t>https://www.backblaze.com/blog/what-are-containers/</a:t>
             </a:r>
+            <a:endParaRPr lang="es-CO" dirty="0"/>
           </a:p>
         </p:txBody>
       </p:sp>
@@ -1682,82 +1756,83 @@
           <a:lstStyle/>
           <a:p>
             <a:r>
-              <a:rPr lang="es-CO" dirty="0"/>
+              <a:rPr lang="es-CO" dirty="0" smtClean="0"/>
               <a:t>https://www.netapp.com/es/devops-solutions/what-are-containers/</a:t>
             </a:r>
           </a:p>
           <a:p>
             <a:r>
-              <a:rPr lang="es-CO" dirty="0"/>
+              <a:rPr lang="es-CO" dirty="0" smtClean="0"/>
               <a:t>https://www.backblaze.com/blog/what-are-containers/</a:t>
             </a:r>
           </a:p>
           <a:p>
+            <a:endParaRPr lang="es-CO" dirty="0" smtClean="0"/>
+          </a:p>
+          <a:p>
+            <a:endParaRPr lang="es-CO" dirty="0" smtClean="0"/>
+          </a:p>
+          <a:p>
+            <a:r>
+              <a:rPr lang="es-CO" sz="1200" dirty="0" err="1" smtClean="0"/>
+              <a:t>Docker</a:t>
+            </a:r>
+            <a:r>
+              <a:rPr lang="es-CO" sz="1200" dirty="0" smtClean="0"/>
+              <a:t> se basa en estándares abiertos y funciona en la mayoría de los entornos operativos más comunes, incluidos Linux, Microsoft Windows y otras infraestructuras locales o basadas en la nube</a:t>
+            </a:r>
+          </a:p>
+          <a:p>
+            <a:endParaRPr lang="es-CO" sz="1200" dirty="0" smtClean="0"/>
+          </a:p>
+          <a:p>
+            <a:r>
+              <a:rPr lang="es-CO" dirty="0" smtClean="0"/>
+              <a:t>La tecnología de contenedores ha existido por un tiempo en forma de contenedores de Linux o LXC, pero la adopción generalizada de contenedores ocurrió solo en los últimos cinco a siete años con la introducción de </a:t>
+            </a:r>
+            <a:r>
+              <a:rPr lang="es-CO" dirty="0" err="1" smtClean="0"/>
+              <a:t>Docker</a:t>
+            </a:r>
+            <a:r>
+              <a:rPr lang="es-CO" dirty="0" smtClean="0"/>
+              <a:t>.</a:t>
+            </a:r>
+          </a:p>
+          <a:p>
+            <a:endParaRPr lang="es-CO" dirty="0" smtClean="0"/>
+          </a:p>
+          <a:p>
+            <a:r>
+              <a:rPr lang="es-CO" dirty="0" err="1" smtClean="0"/>
+              <a:t>Docker</a:t>
+            </a:r>
+            <a:r>
+              <a:rPr lang="es-CO" dirty="0" smtClean="0"/>
+              <a:t> se lanzó en 2013 como un proyecto para crear contenedores LXC de una sola aplicación e introdujo varios cambios en LXC que hacen que los contenedores sean más portátiles y flexibles de usar. Más tarde se transformó en su propio entorno de ejecución de contenedores. En un nivel alto, </a:t>
+            </a:r>
+            <a:r>
+              <a:rPr lang="es-CO" dirty="0" err="1" smtClean="0"/>
+              <a:t>Docker</a:t>
+            </a:r>
+            <a:r>
+              <a:rPr lang="es-CO" dirty="0" smtClean="0"/>
+              <a:t> es una utilidad de Linux que puede crear, enviar y ejecutar contenedores de manera eficiente.</a:t>
+            </a:r>
+          </a:p>
+          <a:p>
+            <a:endParaRPr lang="es-CO" dirty="0" smtClean="0"/>
+          </a:p>
+          <a:p>
+            <a:r>
+              <a:rPr lang="es-CO" dirty="0" err="1" smtClean="0"/>
+              <a:t>Docker</a:t>
+            </a:r>
+            <a:r>
+              <a:rPr lang="es-CO" dirty="0" smtClean="0"/>
+              <a:t> introdujo más estandarización a los contenedores que las tecnologías anteriores y se centró en los desarrolladores, específicamente, convirtiéndolo en el estándar de facto en el mundo de los desarrolladores para el desarrollo de aplicaciones.</a:t>
+            </a:r>
             <a:endParaRPr lang="es-CO" dirty="0"/>
-          </a:p>
-          <a:p>
-            <a:endParaRPr lang="es-CO" dirty="0"/>
-          </a:p>
-          <a:p>
-            <a:r>
-              <a:rPr lang="es-CO" sz="1200" dirty="0" err="1"/>
-              <a:t>Docker</a:t>
-            </a:r>
-            <a:r>
-              <a:rPr lang="es-CO" sz="1200" dirty="0"/>
-              <a:t> se basa en estándares abiertos y funciona en la mayoría de los entornos operativos más comunes, incluidos Linux, Microsoft Windows y otras infraestructuras locales o basadas en la nube</a:t>
-            </a:r>
-          </a:p>
-          <a:p>
-            <a:endParaRPr lang="es-CO" sz="1200" dirty="0"/>
-          </a:p>
-          <a:p>
-            <a:r>
-              <a:rPr lang="es-CO" dirty="0"/>
-              <a:t>La tecnología de contenedores ha existido por un tiempo en forma de contenedores de Linux o LXC, pero la adopción generalizada de contenedores ocurrió solo en los últimos cinco a siete años con la introducción de </a:t>
-            </a:r>
-            <a:r>
-              <a:rPr lang="es-CO" dirty="0" err="1"/>
-              <a:t>Docker</a:t>
-            </a:r>
-            <a:r>
-              <a:rPr lang="es-CO" dirty="0"/>
-              <a:t>.</a:t>
-            </a:r>
-          </a:p>
-          <a:p>
-            <a:endParaRPr lang="es-CO" dirty="0"/>
-          </a:p>
-          <a:p>
-            <a:r>
-              <a:rPr lang="es-CO" dirty="0" err="1"/>
-              <a:t>Docker</a:t>
-            </a:r>
-            <a:r>
-              <a:rPr lang="es-CO" dirty="0"/>
-              <a:t> se lanzó en 2013 como un proyecto para crear contenedores LXC de una sola aplicación e introdujo varios cambios en LXC que hacen que los contenedores sean más portátiles y flexibles de usar. Más tarde se transformó en su propio entorno de ejecución de contenedores. En un nivel alto, </a:t>
-            </a:r>
-            <a:r>
-              <a:rPr lang="es-CO" dirty="0" err="1"/>
-              <a:t>Docker</a:t>
-            </a:r>
-            <a:r>
-              <a:rPr lang="es-CO" dirty="0"/>
-              <a:t> es una utilidad de Linux que puede crear, enviar y ejecutar contenedores de manera eficiente.</a:t>
-            </a:r>
-          </a:p>
-          <a:p>
-            <a:endParaRPr lang="es-CO" dirty="0"/>
-          </a:p>
-          <a:p>
-            <a:r>
-              <a:rPr lang="es-CO" dirty="0" err="1"/>
-              <a:t>Docker</a:t>
-            </a:r>
-            <a:r>
-              <a:rPr lang="es-CO" dirty="0"/>
-              <a:t> introdujo más estandarización a los contenedores que las tecnologías anteriores y se centró en los desarrolladores, específicamente, convirtiéndolo en el estándar de facto en el mundo de los desarrolladores para el desarrollo de aplicaciones.</a:t>
-            </a:r>
           </a:p>
         </p:txBody>
       </p:sp>
@@ -1843,16 +1918,16 @@
           <a:lstStyle/>
           <a:p>
             <a:r>
-              <a:rPr lang="es-CO" dirty="0"/>
+              <a:rPr lang="es-CO" dirty="0" smtClean="0"/>
               <a:t>https://www.netapp.com/es/devops-solutions/what-are-containers/</a:t>
             </a:r>
           </a:p>
           <a:p>
-            <a:endParaRPr lang="es-CO" dirty="0"/>
-          </a:p>
-          <a:p>
-            <a:r>
-              <a:rPr lang="es-CO" sz="1200" b="0" i="0" kern="1200" dirty="0" err="1">
+            <a:endParaRPr lang="es-CO" dirty="0" smtClean="0"/>
+          </a:p>
+          <a:p>
+            <a:r>
+              <a:rPr lang="es-CO" sz="1200" b="0" i="0" kern="1200" dirty="0" err="1" smtClean="0">
                 <a:solidFill>
                   <a:schemeClr val="tx1"/>
                 </a:solidFill>
@@ -1864,7 +1939,7 @@
               <a:t>Kubernetes</a:t>
             </a:r>
             <a:r>
-              <a:rPr lang="es-CO" sz="1200" b="0" i="0" kern="1200" dirty="0">
+              <a:rPr lang="es-CO" sz="1200" b="0" i="0" kern="1200" dirty="0" smtClean="0">
                 <a:solidFill>
                   <a:schemeClr val="tx1"/>
                 </a:solidFill>
@@ -1876,7 +1951,7 @@
               <a:t> orquesta el funcionamiento de varios contenedores juntos de forma armónica. Gestiona áreas como el uso de recursos de infraestructura subyacentes para aplicaciones en contenedores (por ejemplo, la cantidad de recursos de computación, red y almacenamiento necesarios). Las herramientas de orquestación como </a:t>
             </a:r>
             <a:r>
-              <a:rPr lang="es-CO" sz="1200" b="0" i="0" kern="1200" dirty="0" err="1">
+              <a:rPr lang="es-CO" sz="1200" b="0" i="0" kern="1200" dirty="0" err="1" smtClean="0">
                 <a:solidFill>
                   <a:schemeClr val="tx1"/>
                 </a:solidFill>
@@ -1888,7 +1963,7 @@
               <a:t>Kubernetes</a:t>
             </a:r>
             <a:r>
-              <a:rPr lang="es-CO" sz="1200" b="0" i="0" kern="1200" dirty="0">
+              <a:rPr lang="es-CO" sz="1200" b="0" i="0" kern="1200" dirty="0" smtClean="0">
                 <a:solidFill>
                   <a:schemeClr val="tx1"/>
                 </a:solidFill>
@@ -1985,21 +2060,21 @@
           <a:lstStyle/>
           <a:p>
             <a:r>
-              <a:rPr lang="es-CO" dirty="0"/>
+              <a:rPr lang="es-CO" dirty="0" smtClean="0"/>
               <a:t>https://www.redhat.com/es/topics/virtualization</a:t>
             </a:r>
           </a:p>
           <a:p>
             <a:r>
-              <a:rPr lang="es-CO" dirty="0"/>
+              <a:rPr lang="es-CO" dirty="0" smtClean="0"/>
               <a:t>https://www.redhat.com/es/topics/virtualization/what-is-virtualization</a:t>
             </a:r>
           </a:p>
           <a:p>
-            <a:endParaRPr lang="es-CO" dirty="0"/>
-          </a:p>
-          <a:p>
-            <a:endParaRPr lang="es-CO" dirty="0"/>
+            <a:endParaRPr lang="es-CO" dirty="0" smtClean="0"/>
+          </a:p>
+          <a:p>
+            <a:endParaRPr lang="es-CO" dirty="0" smtClean="0"/>
           </a:p>
           <a:p>
             <a:pPr marL="0" marR="0" lvl="0" indent="0" algn="l" defTabSz="914400" rtl="0" eaLnBrk="1" fontAlgn="auto" latinLnBrk="0" hangingPunct="1">
@@ -2020,15 +2095,15 @@
               <a:defRPr/>
             </a:pPr>
             <a:r>
-              <a:rPr lang="es-CO" dirty="0"/>
+              <a:rPr lang="es-CO" dirty="0" smtClean="0"/>
               <a:t>La virtualización es una tecnología que permite crear servicios de TI útiles, con recursos que están tradicionalmente limitados al hardware. </a:t>
             </a:r>
           </a:p>
           <a:p>
-            <a:endParaRPr lang="es-CO" dirty="0"/>
-          </a:p>
-          <a:p>
-            <a:endParaRPr lang="es-CO" dirty="0"/>
+            <a:endParaRPr lang="es-CO" dirty="0" smtClean="0"/>
+          </a:p>
+          <a:p>
+            <a:endParaRPr lang="es-CO" dirty="0" smtClean="0"/>
           </a:p>
           <a:p>
             <a:pPr marL="0" marR="0" lvl="0" indent="0" algn="l" defTabSz="914400" rtl="0" eaLnBrk="1" fontAlgn="auto" latinLnBrk="0" hangingPunct="1">
@@ -2049,7 +2124,7 @@
               <a:defRPr/>
             </a:pPr>
             <a:r>
-              <a:rPr lang="es-CO" dirty="0"/>
+              <a:rPr lang="es-CO" dirty="0" smtClean="0"/>
               <a:t>Gracias a que distribuye las funciones de una máquina física entre varios usuarios o entornos, posibilita el uso de toda la capacidad de la máquina.</a:t>
             </a:r>
           </a:p>
@@ -2140,12 +2215,12 @@
           <a:lstStyle/>
           <a:p>
             <a:r>
-              <a:rPr lang="es-CO" dirty="0"/>
+              <a:rPr lang="es-CO" dirty="0" smtClean="0"/>
               <a:t>https://www.redhat.com/es/topics/virtualization/what-is-a-virtual-machine</a:t>
             </a:r>
           </a:p>
           <a:p>
-            <a:endParaRPr lang="es-CO" dirty="0"/>
+            <a:endParaRPr lang="es-CO" dirty="0" smtClean="0"/>
           </a:p>
           <a:p>
             <a:pPr marL="0" marR="0" lvl="0" indent="0" algn="l" defTabSz="914400" rtl="0" eaLnBrk="1" fontAlgn="auto" latinLnBrk="0" hangingPunct="1">
@@ -2166,15 +2241,15 @@
               <a:defRPr/>
             </a:pPr>
             <a:r>
-              <a:rPr lang="es-CO" dirty="0"/>
+              <a:rPr lang="es-CO" dirty="0" smtClean="0"/>
               <a:t>El sistema de software se llama </a:t>
             </a:r>
             <a:r>
-              <a:rPr lang="es-CO" dirty="0" err="1"/>
+              <a:rPr lang="es-CO" dirty="0" err="1" smtClean="0"/>
               <a:t>hipervisor</a:t>
             </a:r>
             <a:r>
-              <a:rPr lang="es-CO" dirty="0"/>
+              <a:rPr lang="es-CO" dirty="0" smtClean="0"/>
               <a:t>, y se encarga de separar los recursos de la máquina del sistema de hardware e implementarlos adecuadamente para que la VM pueda utilizarlos. </a:t>
             </a:r>
           </a:p>
@@ -2265,16 +2340,16 @@
           <a:lstStyle/>
           <a:p>
             <a:r>
-              <a:rPr lang="es-CO" dirty="0"/>
+              <a:rPr lang="es-CO" dirty="0" smtClean="0"/>
               <a:t>https://www.redhat.com/es/topics/virtualization/what-is-virtualization</a:t>
             </a:r>
           </a:p>
           <a:p>
-            <a:endParaRPr lang="es-CO" dirty="0"/>
-          </a:p>
-          <a:p>
-            <a:r>
-              <a:rPr lang="es-CO" sz="1200" b="0" i="0" kern="1200" dirty="0">
+            <a:endParaRPr lang="es-CO" dirty="0" smtClean="0"/>
+          </a:p>
+          <a:p>
+            <a:r>
+              <a:rPr lang="es-CO" sz="1200" b="0" i="0" kern="1200" dirty="0" smtClean="0">
                 <a:solidFill>
                   <a:schemeClr val="tx1"/>
                 </a:solidFill>
@@ -2286,7 +2361,7 @@
               <a:t>El software denominado </a:t>
             </a:r>
             <a:r>
-              <a:rPr lang="es-CO" sz="1200" b="0" i="0" u="none" strike="noStrike" kern="1200" dirty="0" err="1">
+              <a:rPr lang="es-CO" sz="1200" b="0" i="0" u="none" strike="noStrike" kern="1200" dirty="0" err="1" smtClean="0">
                 <a:solidFill>
                   <a:schemeClr val="tx1"/>
                 </a:solidFill>
@@ -2299,7 +2374,7 @@
               <a:t>hipervisor</a:t>
             </a:r>
             <a:r>
-              <a:rPr lang="es-CO" sz="1200" b="0" i="0" kern="1200" dirty="0">
+              <a:rPr lang="es-CO" sz="1200" b="0" i="0" kern="1200" dirty="0" smtClean="0">
                 <a:solidFill>
                   <a:schemeClr val="tx1"/>
                 </a:solidFill>
@@ -2311,7 +2386,7 @@
               <a:t> separa los recursos físicos de los entornos virtuales que los necesitan. Los </a:t>
             </a:r>
             <a:r>
-              <a:rPr lang="es-CO" sz="1200" b="0" i="0" kern="1200" dirty="0" err="1">
+              <a:rPr lang="es-CO" sz="1200" b="0" i="0" kern="1200" dirty="0" err="1" smtClean="0">
                 <a:solidFill>
                   <a:schemeClr val="tx1"/>
                 </a:solidFill>
@@ -2323,7 +2398,7 @@
               <a:t>hipervisores</a:t>
             </a:r>
             <a:r>
-              <a:rPr lang="es-CO" sz="1200" b="0" i="0" kern="1200" dirty="0">
+              <a:rPr lang="es-CO" sz="1200" b="0" i="0" kern="1200" dirty="0" smtClean="0">
                 <a:solidFill>
                   <a:schemeClr val="tx1"/>
                 </a:solidFill>
@@ -2335,7 +2410,7 @@
               <a:t> pueden controlar un sistema operativo (como una computadora portátil) o instalarse directamente en el hardware (como un servidor), que es la forma en que la mayoría de las empresas implementan la virtualización. Los </a:t>
             </a:r>
             <a:r>
-              <a:rPr lang="es-CO" sz="1200" b="0" i="0" kern="1200" dirty="0" err="1">
+              <a:rPr lang="es-CO" sz="1200" b="0" i="0" kern="1200" dirty="0" err="1" smtClean="0">
                 <a:solidFill>
                   <a:schemeClr val="tx1"/>
                 </a:solidFill>
@@ -2347,7 +2422,7 @@
               <a:t>hipervisores</a:t>
             </a:r>
             <a:r>
-              <a:rPr lang="es-CO" sz="1200" b="0" i="0" kern="1200" dirty="0">
+              <a:rPr lang="es-CO" sz="1200" b="0" i="0" kern="1200" dirty="0" smtClean="0">
                 <a:solidFill>
                   <a:schemeClr val="tx1"/>
                 </a:solidFill>
@@ -2358,7 +2433,7 @@
               </a:rPr>
               <a:t> toman los recursos físicos y los dividen de manera tal que los entornos virtuales puedan usarlos.</a:t>
             </a:r>
-            <a:endParaRPr lang="es-CO" dirty="0"/>
+            <a:endParaRPr lang="es-CO" dirty="0" smtClean="0"/>
           </a:p>
           <a:p>
             <a:endParaRPr lang="es-CO" dirty="0"/>
@@ -2447,16 +2522,16 @@
           <a:lstStyle/>
           <a:p>
             <a:r>
-              <a:rPr lang="es-CO" dirty="0"/>
+              <a:rPr lang="es-CO" dirty="0" smtClean="0"/>
               <a:t>https://www.redhat.com/es/topics/virtualization/what-is-virtualization</a:t>
             </a:r>
           </a:p>
           <a:p>
-            <a:endParaRPr lang="es-CO" dirty="0"/>
-          </a:p>
-          <a:p>
-            <a:r>
-              <a:rPr lang="es-CO" sz="1200" b="0" i="0" kern="1200" dirty="0">
+            <a:endParaRPr lang="es-CO" dirty="0" smtClean="0"/>
+          </a:p>
+          <a:p>
+            <a:r>
+              <a:rPr lang="es-CO" sz="1200" b="0" i="0" kern="1200" dirty="0" smtClean="0">
                 <a:solidFill>
                   <a:schemeClr val="tx1"/>
                 </a:solidFill>
@@ -2553,7 +2628,7 @@
           <a:lstStyle/>
           <a:p>
             <a:r>
-              <a:rPr lang="es-CO" sz="1200" b="0" i="0" kern="1200" dirty="0">
+              <a:rPr lang="es-CO" sz="1200" b="0" i="0" kern="1200" dirty="0" smtClean="0">
                 <a:solidFill>
                   <a:schemeClr val="tx1"/>
                 </a:solidFill>
@@ -2566,7 +2641,7 @@
             </a:r>
           </a:p>
           <a:p>
-            <a:endParaRPr lang="es-CO" sz="1200" b="0" i="0" kern="1200" dirty="0">
+            <a:endParaRPr lang="es-CO" sz="1200" b="0" i="0" kern="1200" dirty="0" smtClean="0">
               <a:solidFill>
                 <a:schemeClr val="tx1"/>
               </a:solidFill>
@@ -2578,7 +2653,7 @@
           </a:p>
           <a:p>
             <a:r>
-              <a:rPr lang="es-CO" sz="1200" b="0" i="0" kern="1200" dirty="0">
+              <a:rPr lang="es-CO" sz="1200" b="0" i="0" kern="1200" dirty="0" smtClean="0">
                 <a:solidFill>
                   <a:schemeClr val="tx1"/>
                 </a:solidFill>
@@ -2590,7 +2665,7 @@
               <a:t>Un </a:t>
             </a:r>
             <a:r>
-              <a:rPr lang="es-CO" sz="1200" b="0" i="0" kern="1200" dirty="0" err="1">
+              <a:rPr lang="es-CO" sz="1200" b="0" i="0" kern="1200" dirty="0" err="1" smtClean="0">
                 <a:solidFill>
                   <a:schemeClr val="tx1"/>
                 </a:solidFill>
@@ -2602,7 +2677,7 @@
               <a:t>escritrio</a:t>
             </a:r>
             <a:r>
-              <a:rPr lang="es-CO" sz="1200" b="0" i="0" kern="1200" dirty="0">
+              <a:rPr lang="es-CO" sz="1200" b="0" i="0" kern="1200" dirty="0" smtClean="0">
                 <a:solidFill>
                   <a:schemeClr val="tx1"/>
                 </a:solidFill>
@@ -2614,7 +2689,7 @@
               <a:t> virtual, es la conexión al escritorio actual de</a:t>
             </a:r>
             <a:r>
-              <a:rPr lang="es-CO" sz="1200" b="0" i="0" kern="1200" baseline="0" dirty="0">
+              <a:rPr lang="es-CO" sz="1200" b="0" i="0" kern="1200" baseline="0" dirty="0" smtClean="0">
                 <a:solidFill>
                   <a:schemeClr val="tx1"/>
                 </a:solidFill>
@@ -2628,7 +2703,7 @@
           </a:p>
           <a:p>
             <a:r>
-              <a:rPr lang="es-CO" sz="1200" b="0" i="0" kern="1200" baseline="0" dirty="0" err="1">
+              <a:rPr lang="es-CO" sz="1200" b="0" i="0" kern="1200" baseline="0" dirty="0" err="1" smtClean="0">
                 <a:solidFill>
                   <a:schemeClr val="tx1"/>
                 </a:solidFill>
@@ -2640,7 +2715,7 @@
               <a:t>Remote</a:t>
             </a:r>
             <a:r>
-              <a:rPr lang="es-CO" sz="1200" b="0" i="0" kern="1200" baseline="0" dirty="0">
+              <a:rPr lang="es-CO" sz="1200" b="0" i="0" kern="1200" baseline="0" dirty="0" smtClean="0">
                 <a:solidFill>
                   <a:schemeClr val="tx1"/>
                 </a:solidFill>
@@ -2652,7 +2727,7 @@
               <a:t> Desktop,  </a:t>
             </a:r>
             <a:r>
-              <a:rPr lang="es-CO" sz="1200" b="0" i="0" kern="1200" baseline="0" dirty="0" err="1">
+              <a:rPr lang="es-CO" sz="1200" b="0" i="0" kern="1200" baseline="0" dirty="0" err="1" smtClean="0">
                 <a:solidFill>
                   <a:schemeClr val="tx1"/>
                 </a:solidFill>
@@ -2664,7 +2739,7 @@
               <a:t>TeamViewer</a:t>
             </a:r>
             <a:r>
-              <a:rPr lang="es-CO" sz="1200" b="0" i="0" kern="1200" baseline="0" dirty="0">
+              <a:rPr lang="es-CO" sz="1200" b="0" i="0" kern="1200" baseline="0" dirty="0" smtClean="0">
                 <a:solidFill>
                   <a:schemeClr val="tx1"/>
                 </a:solidFill>
@@ -2676,7 +2751,7 @@
               <a:t>, VNC o </a:t>
             </a:r>
             <a:r>
-              <a:rPr lang="es-CO" sz="1200" b="0" i="0" kern="1200" baseline="0" dirty="0" err="1">
+              <a:rPr lang="es-CO" sz="1200" b="0" i="0" kern="1200" baseline="0" dirty="0" err="1" smtClean="0">
                 <a:solidFill>
                   <a:schemeClr val="tx1"/>
                 </a:solidFill>
@@ -2773,7 +2848,7 @@
           <a:lstStyle/>
           <a:p>
             <a:r>
-              <a:rPr lang="es-CO" sz="1200" b="0" i="0" kern="1200" dirty="0">
+              <a:rPr lang="es-CO" sz="1200" b="0" i="0" kern="1200" dirty="0" smtClean="0">
                 <a:solidFill>
                   <a:schemeClr val="tx1"/>
                 </a:solidFill>
@@ -2870,7 +2945,7 @@
           <a:lstStyle/>
           <a:p>
             <a:r>
-              <a:rPr lang="es-CO" sz="1200" i="0" kern="1200" dirty="0">
+              <a:rPr lang="es-CO" sz="1200" i="0" kern="1200" dirty="0" smtClean="0">
                 <a:solidFill>
                   <a:schemeClr val="tx1"/>
                 </a:solidFill>
@@ -2882,7 +2957,7 @@
               <a:t>Los sistemas operativos se </a:t>
             </a:r>
             <a:r>
-              <a:rPr lang="es-CO" sz="1200" i="0" kern="1200" dirty="0" err="1">
+              <a:rPr lang="es-CO" sz="1200" i="0" kern="1200" dirty="0" err="1" smtClean="0">
                 <a:solidFill>
                   <a:schemeClr val="tx1"/>
                 </a:solidFill>
@@ -2894,7 +2969,7 @@
               <a:t>virtualizan</a:t>
             </a:r>
             <a:r>
-              <a:rPr lang="es-CO" sz="1200" i="0" kern="1200" dirty="0">
+              <a:rPr lang="es-CO" sz="1200" i="0" kern="1200" dirty="0" smtClean="0">
                 <a:solidFill>
                   <a:schemeClr val="tx1"/>
                 </a:solidFill>
@@ -2906,7 +2981,7 @@
               <a:t> en el </a:t>
             </a:r>
             <a:r>
-              <a:rPr lang="es-CO" sz="1200" i="0" u="none" strike="noStrike" kern="1200" dirty="0" err="1">
+              <a:rPr lang="es-CO" sz="1200" i="0" u="none" strike="noStrike" kern="1200" dirty="0" err="1" smtClean="0">
                 <a:solidFill>
                   <a:schemeClr val="tx1"/>
                 </a:solidFill>
@@ -2919,7 +2994,7 @@
               <a:t>kernel</a:t>
             </a:r>
             <a:r>
-              <a:rPr lang="es-CO" sz="1200" i="0" kern="1200" dirty="0">
+              <a:rPr lang="es-CO" sz="1200" i="0" kern="1200" dirty="0" smtClean="0">
                 <a:solidFill>
                   <a:schemeClr val="tx1"/>
                 </a:solidFill>
@@ -2937,7 +3012,7 @@
               <a:buChar char="-"/>
             </a:pPr>
             <a:r>
-              <a:rPr lang="es-CO" sz="1200" b="0" i="0" kern="1200" dirty="0">
+              <a:rPr lang="es-CO" sz="1200" b="0" i="0" kern="1200" dirty="0" smtClean="0">
                 <a:solidFill>
                   <a:schemeClr val="tx1"/>
                 </a:solidFill>
@@ -2955,7 +3030,7 @@
               <a:buChar char="-"/>
             </a:pPr>
             <a:r>
-              <a:rPr lang="es-CO" sz="1200" b="0" i="0" kern="1200" dirty="0">
+              <a:rPr lang="es-CO" sz="1200" b="0" i="0" kern="1200" dirty="0" smtClean="0">
                 <a:solidFill>
                   <a:schemeClr val="tx1"/>
                 </a:solidFill>
@@ -2973,7 +3048,7 @@
               <a:buChar char="-"/>
             </a:pPr>
             <a:r>
-              <a:rPr lang="es-CO" sz="1200" b="0" i="0" kern="1200" dirty="0">
+              <a:rPr lang="es-CO" sz="1200" b="0" i="0" kern="1200" dirty="0" smtClean="0">
                 <a:solidFill>
                   <a:schemeClr val="tx1"/>
                 </a:solidFill>
@@ -3072,7 +3147,7 @@
           <a:lstStyle/>
           <a:p>
             <a:r>
-              <a:rPr lang="es-CO" sz="1200" b="0" i="0" kern="1200" dirty="0">
+              <a:rPr lang="es-CO" sz="1200" b="0" i="0" kern="1200" dirty="0" smtClean="0">
                 <a:solidFill>
                   <a:schemeClr val="tx1"/>
                 </a:solidFill>
@@ -3241,7 +3316,7 @@
           </a:lstStyle>
           <a:p>
             <a:r>
-              <a:rPr lang="en-US"/>
+              <a:rPr lang="en-US" smtClean="0"/>
               <a:t>Click to edit Master title style</a:t>
             </a:r>
             <a:endParaRPr lang="es-CO"/>
@@ -3360,7 +3435,7 @@
           </a:lstStyle>
           <a:p>
             <a:r>
-              <a:rPr lang="en-US"/>
+              <a:rPr lang="en-US" smtClean="0"/>
               <a:t>Click to edit Master subtitle style</a:t>
             </a:r>
             <a:endParaRPr lang="es-CO"/>
@@ -3385,7 +3460,7 @@
             <a:fld id="{42C1F1CB-57C8-46CD-A207-903DDF210919}" type="datetimeFigureOut">
               <a:rPr lang="es-CO" smtClean="0"/>
               <a:pPr/>
-              <a:t>24/05/2025</a:t>
+              <a:t>29/03/2022</a:t>
             </a:fld>
             <a:endParaRPr lang="es-CO" dirty="0"/>
           </a:p>
@@ -3559,7 +3634,7 @@
           </a:lstStyle>
           <a:p>
             <a:r>
-              <a:rPr lang="en-US"/>
+              <a:rPr lang="en-US" smtClean="0"/>
               <a:t>Click to edit Master title style</a:t>
             </a:r>
             <a:endParaRPr lang="es-CO"/>
@@ -3678,7 +3753,7 @@
           </a:lstStyle>
           <a:p>
             <a:r>
-              <a:rPr lang="en-US"/>
+              <a:rPr lang="en-US" smtClean="0"/>
               <a:t>Click to edit Master subtitle style</a:t>
             </a:r>
             <a:endParaRPr lang="es-CO"/>
@@ -3703,7 +3778,7 @@
             <a:fld id="{42C1F1CB-57C8-46CD-A207-903DDF210919}" type="datetimeFigureOut">
               <a:rPr lang="es-CO" smtClean="0"/>
               <a:pPr/>
-              <a:t>24/05/2025</a:t>
+              <a:t>29/03/2022</a:t>
             </a:fld>
             <a:endParaRPr lang="es-CO" dirty="0"/>
           </a:p>
@@ -3862,7 +3937,7 @@
           <a:lstStyle/>
           <a:p>
             <a:r>
-              <a:rPr lang="en-US"/>
+              <a:rPr lang="en-US" smtClean="0"/>
               <a:t>Click to edit Master title style</a:t>
             </a:r>
             <a:endParaRPr lang="es-CO"/>
@@ -3897,35 +3972,35 @@
           <a:p>
             <a:pPr lvl="0"/>
             <a:r>
-              <a:rPr lang="en-US"/>
+              <a:rPr lang="en-US" smtClean="0"/>
               <a:t>Click to edit Master text styles</a:t>
             </a:r>
           </a:p>
           <a:p>
             <a:pPr lvl="1"/>
             <a:r>
-              <a:rPr lang="en-US"/>
+              <a:rPr lang="en-US" smtClean="0"/>
               <a:t>Second level</a:t>
             </a:r>
           </a:p>
           <a:p>
             <a:pPr lvl="2"/>
             <a:r>
-              <a:rPr lang="en-US"/>
+              <a:rPr lang="en-US" smtClean="0"/>
               <a:t>Third level</a:t>
             </a:r>
           </a:p>
           <a:p>
             <a:pPr lvl="3"/>
             <a:r>
-              <a:rPr lang="en-US"/>
+              <a:rPr lang="en-US" smtClean="0"/>
               <a:t>Fourth level</a:t>
             </a:r>
           </a:p>
           <a:p>
             <a:pPr lvl="4"/>
             <a:r>
-              <a:rPr lang="en-US"/>
+              <a:rPr lang="en-US" smtClean="0"/>
               <a:t>Fifth level</a:t>
             </a:r>
             <a:endParaRPr lang="es-CO" dirty="0"/>
@@ -3950,7 +4025,7 @@
             <a:fld id="{42C1F1CB-57C8-46CD-A207-903DDF210919}" type="datetimeFigureOut">
               <a:rPr lang="es-CO" smtClean="0"/>
               <a:pPr/>
-              <a:t>24/05/2025</a:t>
+              <a:t>29/03/2022</a:t>
             </a:fld>
             <a:endParaRPr lang="es-CO" dirty="0"/>
           </a:p>
@@ -4109,7 +4184,7 @@
           <a:lstStyle/>
           <a:p>
             <a:r>
-              <a:rPr lang="en-US"/>
+              <a:rPr lang="en-US" smtClean="0"/>
               <a:t>Click to edit Master title style</a:t>
             </a:r>
             <a:endParaRPr lang="es-CO"/>
@@ -4138,35 +4213,35 @@
           <a:p>
             <a:pPr lvl="0"/>
             <a:r>
-              <a:rPr lang="en-US"/>
+              <a:rPr lang="en-US" smtClean="0"/>
               <a:t>Click to edit Master text styles</a:t>
             </a:r>
           </a:p>
           <a:p>
             <a:pPr lvl="1"/>
             <a:r>
-              <a:rPr lang="en-US"/>
+              <a:rPr lang="en-US" smtClean="0"/>
               <a:t>Second level</a:t>
             </a:r>
           </a:p>
           <a:p>
             <a:pPr lvl="2"/>
             <a:r>
-              <a:rPr lang="en-US"/>
+              <a:rPr lang="en-US" smtClean="0"/>
               <a:t>Third level</a:t>
             </a:r>
           </a:p>
           <a:p>
             <a:pPr lvl="3"/>
             <a:r>
-              <a:rPr lang="en-US"/>
+              <a:rPr lang="en-US" smtClean="0"/>
               <a:t>Fourth level</a:t>
             </a:r>
           </a:p>
           <a:p>
             <a:pPr lvl="4"/>
             <a:r>
-              <a:rPr lang="en-US"/>
+              <a:rPr lang="en-US" smtClean="0"/>
               <a:t>Fifth level</a:t>
             </a:r>
             <a:endParaRPr lang="es-CO"/>
@@ -4191,7 +4266,7 @@
             <a:fld id="{42C1F1CB-57C8-46CD-A207-903DDF210919}" type="datetimeFigureOut">
               <a:rPr lang="es-CO" smtClean="0"/>
               <a:pPr/>
-              <a:t>24/05/2025</a:t>
+              <a:t>29/03/2022</a:t>
             </a:fld>
             <a:endParaRPr lang="es-CO" dirty="0"/>
           </a:p>
@@ -4350,7 +4425,7 @@
           <a:lstStyle/>
           <a:p>
             <a:r>
-              <a:rPr lang="en-US"/>
+              <a:rPr lang="en-US" smtClean="0"/>
               <a:t>Click to edit Master title style</a:t>
             </a:r>
             <a:endParaRPr lang="es-CO"/>
@@ -4379,35 +4454,35 @@
           <a:p>
             <a:pPr lvl="0"/>
             <a:r>
-              <a:rPr lang="en-US"/>
+              <a:rPr lang="en-US" smtClean="0"/>
               <a:t>Click to edit Master text styles</a:t>
             </a:r>
           </a:p>
           <a:p>
             <a:pPr lvl="1"/>
             <a:r>
-              <a:rPr lang="en-US"/>
+              <a:rPr lang="en-US" smtClean="0"/>
               <a:t>Second level</a:t>
             </a:r>
           </a:p>
           <a:p>
             <a:pPr lvl="2"/>
             <a:r>
-              <a:rPr lang="en-US"/>
+              <a:rPr lang="en-US" smtClean="0"/>
               <a:t>Third level</a:t>
             </a:r>
           </a:p>
           <a:p>
             <a:pPr lvl="3"/>
             <a:r>
-              <a:rPr lang="en-US"/>
+              <a:rPr lang="en-US" smtClean="0"/>
               <a:t>Fourth level</a:t>
             </a:r>
           </a:p>
           <a:p>
             <a:pPr lvl="4"/>
             <a:r>
-              <a:rPr lang="en-US"/>
+              <a:rPr lang="en-US" smtClean="0"/>
               <a:t>Fifth level</a:t>
             </a:r>
             <a:endParaRPr lang="es-CO"/>
@@ -4432,7 +4507,7 @@
             <a:fld id="{42C1F1CB-57C8-46CD-A207-903DDF210919}" type="datetimeFigureOut">
               <a:rPr lang="es-CO" smtClean="0"/>
               <a:pPr/>
-              <a:t>24/05/2025</a:t>
+              <a:t>29/03/2022</a:t>
             </a:fld>
             <a:endParaRPr lang="es-CO" dirty="0"/>
           </a:p>
@@ -4601,7 +4676,7 @@
           <a:lstStyle/>
           <a:p>
             <a:r>
-              <a:rPr lang="en-US"/>
+              <a:rPr lang="en-US" smtClean="0"/>
               <a:t>Click to edit Master title style</a:t>
             </a:r>
             <a:endParaRPr lang="es-CO"/>
@@ -4635,35 +4710,35 @@
           <a:p>
             <a:pPr lvl="0"/>
             <a:r>
-              <a:rPr lang="en-US"/>
+              <a:rPr lang="en-US" smtClean="0"/>
               <a:t>Click to edit Master text styles</a:t>
             </a:r>
           </a:p>
           <a:p>
             <a:pPr lvl="1"/>
             <a:r>
-              <a:rPr lang="en-US"/>
+              <a:rPr lang="en-US" smtClean="0"/>
               <a:t>Second level</a:t>
             </a:r>
           </a:p>
           <a:p>
             <a:pPr lvl="2"/>
             <a:r>
-              <a:rPr lang="en-US"/>
+              <a:rPr lang="en-US" smtClean="0"/>
               <a:t>Third level</a:t>
             </a:r>
           </a:p>
           <a:p>
             <a:pPr lvl="3"/>
             <a:r>
-              <a:rPr lang="en-US"/>
+              <a:rPr lang="en-US" smtClean="0"/>
               <a:t>Fourth level</a:t>
             </a:r>
           </a:p>
           <a:p>
             <a:pPr lvl="4"/>
             <a:r>
-              <a:rPr lang="en-US"/>
+              <a:rPr lang="en-US" smtClean="0"/>
               <a:t>Fifth level</a:t>
             </a:r>
             <a:endParaRPr lang="es-CO" dirty="0"/>
@@ -4706,7 +4781,7 @@
             <a:fld id="{42C1F1CB-57C8-46CD-A207-903DDF210919}" type="datetimeFigureOut">
               <a:rPr lang="es-CO" smtClean="0"/>
               <a:pPr/>
-              <a:t>24/05/2025</a:t>
+              <a:t>29/03/2022</a:t>
             </a:fld>
             <a:endParaRPr lang="es-CO" dirty="0"/>
           </a:p>
@@ -5109,7 +5184,7 @@
           <a:lstStyle/>
           <a:p>
             <a:r>
-              <a:rPr lang="es-CO" dirty="0"/>
+              <a:rPr lang="es-CO" dirty="0" smtClean="0"/>
               <a:t>Contenedores y Maquinas Virtuales</a:t>
             </a:r>
           </a:p>
@@ -5139,7 +5214,7 @@
           <a:lstStyle/>
           <a:p>
             <a:r>
-              <a:rPr lang="es-CO" sz="8000" dirty="0" err="1"/>
+              <a:rPr lang="es-CO" sz="8000" dirty="0" err="1" smtClean="0"/>
               <a:t>Containers</a:t>
             </a:r>
             <a:endParaRPr lang="es-CO" sz="8000" dirty="0"/>
@@ -5169,9 +5244,10 @@
           <a:lstStyle/>
           <a:p>
             <a:r>
-              <a:rPr lang="es-CO" dirty="0"/>
+              <a:rPr lang="es-CO" dirty="0" smtClean="0"/>
               <a:t>Julio Cesar Robles Uribe</a:t>
             </a:r>
+            <a:endParaRPr lang="es-CO" dirty="0"/>
           </a:p>
         </p:txBody>
       </p:sp>
@@ -5198,13 +5274,18 @@
           <a:lstStyle/>
           <a:p>
             <a:r>
-              <a:rPr lang="es-CO" sz="1400" dirty="0">
+              <a:rPr lang="es-CO" sz="1400" dirty="0" smtClean="0">
                 <a:solidFill>
                   <a:srgbClr val="0070C0"/>
                 </a:solidFill>
               </a:rPr>
               <a:t>Arquitecto de Soluciones</a:t>
             </a:r>
+            <a:endParaRPr lang="es-CO" sz="1400" dirty="0">
+              <a:solidFill>
+                <a:srgbClr val="0070C0"/>
+              </a:solidFill>
+            </a:endParaRPr>
           </a:p>
         </p:txBody>
       </p:sp>
@@ -5254,6 +5335,13 @@
   <p:clrMapOvr>
     <a:masterClrMapping/>
   </p:clrMapOvr>
+  <p:timing>
+    <p:tnLst>
+      <p:par>
+        <p:cTn id="1" dur="indefinite" restart="never" nodeType="tmRoot"/>
+      </p:par>
+    </p:tnLst>
+  </p:timing>
 </p:sld>
 </file>
 
@@ -5315,7 +5403,11 @@
           <a:p>
             <a:r>
               <a:rPr lang="es-CO" sz="2800" dirty="0"/>
-              <a:t>Virtualización de las funciones de red</a:t>
+              <a:t>Virtualización de las funciones de </a:t>
+            </a:r>
+            <a:r>
+              <a:rPr lang="es-CO" sz="2800" dirty="0" smtClean="0"/>
+              <a:t>red</a:t>
             </a:r>
           </a:p>
           <a:p>
@@ -5381,6 +5473,13 @@
   <p:clrMapOvr>
     <a:masterClrMapping/>
   </p:clrMapOvr>
+  <p:timing>
+    <p:tnLst>
+      <p:par>
+        <p:cTn id="1" dur="indefinite" restart="never" nodeType="tmRoot"/>
+      </p:par>
+    </p:tnLst>
+  </p:timing>
 </p:sld>
 </file>
 
@@ -5417,11 +5516,11 @@
           <a:lstStyle/>
           <a:p>
             <a:r>
-              <a:rPr lang="es-CO" dirty="0"/>
+              <a:rPr lang="es-CO" dirty="0" smtClean="0"/>
               <a:t>Maquinas Virtuales Pros y </a:t>
             </a:r>
             <a:r>
-              <a:rPr lang="es-CO" dirty="0" err="1"/>
+              <a:rPr lang="es-CO" dirty="0" err="1" smtClean="0"/>
               <a:t>Cons</a:t>
             </a:r>
             <a:endParaRPr lang="es-CO" dirty="0"/>
@@ -5454,14 +5553,14 @@
               <a:buNone/>
             </a:pPr>
             <a:r>
-              <a:rPr lang="es-CO" sz="4700" b="1" dirty="0">
+              <a:rPr lang="es-CO" sz="4700" b="1" dirty="0" smtClean="0">
                 <a:solidFill>
                   <a:srgbClr val="00B050"/>
                 </a:solidFill>
               </a:rPr>
               <a:t>Pros</a:t>
             </a:r>
-            <a:endParaRPr lang="es-CO" b="1" dirty="0">
+            <a:endParaRPr lang="es-CO" b="1" dirty="0" smtClean="0">
               <a:solidFill>
                 <a:srgbClr val="00B050"/>
               </a:solidFill>
@@ -5666,14 +5765,14 @@
               <a:buNone/>
             </a:pPr>
             <a:r>
-              <a:rPr lang="es-CO" sz="4700" b="1" dirty="0" err="1">
+              <a:rPr lang="es-CO" sz="4700" b="1" dirty="0" err="1" smtClean="0">
                 <a:solidFill>
                   <a:srgbClr val="FF0000"/>
                 </a:solidFill>
               </a:rPr>
               <a:t>Cons</a:t>
             </a:r>
-            <a:endParaRPr lang="es-CO" sz="4700" b="1" dirty="0">
+            <a:endParaRPr lang="es-CO" sz="4700" b="1" dirty="0" smtClean="0">
               <a:solidFill>
                 <a:srgbClr val="FF0000"/>
               </a:solidFill>
@@ -6014,9 +6113,10 @@
           <a:lstStyle/>
           <a:p>
             <a:r>
-              <a:rPr lang="es-CO" dirty="0"/>
+              <a:rPr lang="es-CO" dirty="0" smtClean="0"/>
               <a:t>Qué son los contenedores?</a:t>
             </a:r>
+            <a:endParaRPr lang="es-CO" dirty="0"/>
           </a:p>
         </p:txBody>
       </p:sp>
@@ -6103,6 +6203,13 @@
   <p:clrMapOvr>
     <a:masterClrMapping/>
   </p:clrMapOvr>
+  <p:timing>
+    <p:tnLst>
+      <p:par>
+        <p:cTn id="1" dur="indefinite" restart="never" nodeType="tmRoot"/>
+      </p:par>
+    </p:tnLst>
+  </p:timing>
 </p:sld>
 </file>
 
@@ -6139,9 +6246,10 @@
           <a:lstStyle/>
           <a:p>
             <a:r>
-              <a:rPr lang="es-CO" dirty="0"/>
+              <a:rPr lang="es-CO" dirty="0" smtClean="0"/>
               <a:t>Contenedor vs Máquina Virtual</a:t>
             </a:r>
+            <a:endParaRPr lang="es-CO" dirty="0"/>
           </a:p>
         </p:txBody>
       </p:sp>
@@ -6172,13 +6280,21 @@
             </a:r>
             <a:r>
               <a:rPr lang="es-CO" sz="2400" dirty="0"/>
-              <a:t> en el que cada máquina virtual debe incluir su propio sistema operativo invitado dentro del mismo.</a:t>
-            </a:r>
-          </a:p>
-          <a:p>
+              <a:t> en el que cada máquina virtual debe incluir su propio sistema operativo invitado dentro del </a:t>
+            </a:r>
+            <a:r>
+              <a:rPr lang="es-CO" sz="2400" dirty="0" smtClean="0"/>
+              <a:t>mismo.</a:t>
+            </a:r>
+          </a:p>
+          <a:p>
+            <a:r>
+              <a:rPr lang="es-CO" sz="2400" dirty="0" smtClean="0"/>
+              <a:t>Por </a:t>
+            </a:r>
             <a:r>
               <a:rPr lang="es-CO" sz="2400" dirty="0"/>
-              <a:t>Por el contrario, cada contenedor comparte el mismo sistema operativo host o </a:t>
+              <a:t>el contrario, cada contenedor comparte el mismo sistema operativo host o </a:t>
             </a:r>
             <a:r>
               <a:rPr lang="es-CO" sz="2400" dirty="0" err="1"/>
@@ -6242,6 +6358,13 @@
   <p:clrMapOvr>
     <a:masterClrMapping/>
   </p:clrMapOvr>
+  <p:timing>
+    <p:tnLst>
+      <p:par>
+        <p:cTn id="1" dur="indefinite" restart="never" nodeType="tmRoot"/>
+      </p:par>
+    </p:tnLst>
+  </p:timing>
 </p:sld>
 </file>
 
@@ -6278,9 +6401,10 @@
           <a:lstStyle/>
           <a:p>
             <a:r>
-              <a:rPr lang="es-CO" dirty="0"/>
+              <a:rPr lang="es-CO" dirty="0" smtClean="0"/>
               <a:t>Beneficios de los Contenedores</a:t>
             </a:r>
+            <a:endParaRPr lang="es-CO" dirty="0"/>
           </a:p>
         </p:txBody>
       </p:sp>
@@ -6308,31 +6432,55 @@
           <a:p>
             <a:r>
               <a:rPr lang="es-CO" sz="2400" b="1" dirty="0"/>
-              <a:t>Menos sobrecarga: </a:t>
+              <a:t>Menos </a:t>
+            </a:r>
+            <a:r>
+              <a:rPr lang="es-CO" sz="2400" b="1" dirty="0" smtClean="0"/>
+              <a:t>sobrecarga: </a:t>
+            </a:r>
+            <a:r>
+              <a:rPr lang="es-CO" sz="2000" dirty="0" smtClean="0"/>
+              <a:t>Los </a:t>
             </a:r>
             <a:r>
               <a:rPr lang="es-CO" sz="2000" dirty="0"/>
-              <a:t>Los contenedores requieren menos recursos del sistema que los entornos de máquinas virtuales tradicionales o de hardware porque no incluyen imágenes del sistema operativo.</a:t>
+              <a:t>contenedores requieren menos recursos del sistema que los entornos de máquinas virtuales tradicionales o de hardware porque no incluyen imágenes del sistema operativo.</a:t>
             </a:r>
           </a:p>
           <a:p>
             <a:r>
               <a:rPr lang="es-CO" sz="2400" b="1" dirty="0"/>
-              <a:t>Mayor portabilidad: </a:t>
+              <a:t>Mayor </a:t>
+            </a:r>
+            <a:r>
+              <a:rPr lang="es-CO" sz="2400" b="1" dirty="0" smtClean="0"/>
+              <a:t>portabilidad: </a:t>
+            </a:r>
+            <a:r>
+              <a:rPr lang="es-CO" sz="2000" dirty="0" smtClean="0"/>
+              <a:t>Las </a:t>
             </a:r>
             <a:r>
               <a:rPr lang="es-CO" sz="2000" dirty="0"/>
-              <a:t>Las aplicaciones que se ejecutan en contenedores se pueden poner en marcha fácilmente en sistemas operativos y plataformas de hardware diferentes.</a:t>
+              <a:t>aplicaciones que se ejecutan en contenedores se pueden poner en marcha fácilmente en sistemas operativos y plataformas de hardware diferentes.</a:t>
             </a:r>
           </a:p>
           <a:p>
             <a:r>
               <a:rPr lang="es-CO" sz="2400" b="1" dirty="0"/>
-              <a:t>Funcionamiento más constante: </a:t>
+              <a:t>Funcionamiento más </a:t>
+            </a:r>
+            <a:r>
+              <a:rPr lang="es-CO" sz="2400" b="1" dirty="0" smtClean="0"/>
+              <a:t>constante: </a:t>
+            </a:r>
+            <a:r>
+              <a:rPr lang="es-CO" sz="2000" dirty="0" smtClean="0"/>
+              <a:t>Los </a:t>
             </a:r>
             <a:r>
               <a:rPr lang="es-CO" sz="2000" dirty="0"/>
-              <a:t>Los equipos de </a:t>
+              <a:t>equipos de </a:t>
             </a:r>
             <a:r>
               <a:rPr lang="es-CO" sz="2000" dirty="0" err="1"/>
@@ -6346,21 +6494,37 @@
           <a:p>
             <a:r>
               <a:rPr lang="es-CO" sz="2400" b="1" dirty="0"/>
-              <a:t>Mayor eficiencia: </a:t>
+              <a:t>Mayor </a:t>
+            </a:r>
+            <a:r>
+              <a:rPr lang="es-CO" sz="2400" b="1" dirty="0" smtClean="0"/>
+              <a:t>eficiencia: </a:t>
+            </a:r>
+            <a:r>
+              <a:rPr lang="es-CO" sz="2000" dirty="0" smtClean="0"/>
+              <a:t>Los </a:t>
             </a:r>
             <a:r>
               <a:rPr lang="es-CO" sz="2000" dirty="0"/>
-              <a:t>Los contenedores permiten poner en marcha, aplicar parches o escalar las aplicaciones con mayor rapidez.</a:t>
+              <a:t>contenedores permiten poner en marcha, aplicar parches o escalar las aplicaciones con mayor rapidez.</a:t>
             </a:r>
           </a:p>
           <a:p>
             <a:r>
               <a:rPr lang="es-CO" sz="2400" b="1" dirty="0"/>
-              <a:t>Mejor desarrollo de aplicaciones: </a:t>
+              <a:t>Mejor desarrollo de </a:t>
+            </a:r>
+            <a:r>
+              <a:rPr lang="es-CO" sz="2400" b="1" dirty="0" smtClean="0"/>
+              <a:t>aplicaciones: </a:t>
+            </a:r>
+            <a:r>
+              <a:rPr lang="es-CO" sz="2000" dirty="0" smtClean="0"/>
+              <a:t>Los </a:t>
             </a:r>
             <a:r>
               <a:rPr lang="es-CO" sz="2000" dirty="0"/>
-              <a:t>Los contenedores respaldan los esfuerzos ágiles y de </a:t>
+              <a:t>contenedores respaldan los esfuerzos ágiles y de </a:t>
             </a:r>
             <a:r>
               <a:rPr lang="es-CO" sz="2000" dirty="0" err="1"/>
@@ -6383,6 +6547,13 @@
   <p:clrMapOvr>
     <a:masterClrMapping/>
   </p:clrMapOvr>
+  <p:timing>
+    <p:tnLst>
+      <p:par>
+        <p:cTn id="1" dur="indefinite" restart="never" nodeType="tmRoot"/>
+      </p:par>
+    </p:tnLst>
+  </p:timing>
 </p:sld>
 </file>
 
@@ -6457,20 +6628,32 @@
           </a:p>
           <a:p>
             <a:r>
+              <a:rPr lang="es-CO" sz="2400" dirty="0" smtClean="0"/>
+              <a:t>Refactorización </a:t>
+            </a:r>
+            <a:r>
               <a:rPr lang="es-CO" sz="2400" dirty="0"/>
-              <a:t>Refactorización de las aplicaciones existentes para contenedores</a:t>
-            </a:r>
-          </a:p>
-          <a:p>
+              <a:t>de las aplicaciones existentes para contenedores</a:t>
+            </a:r>
+          </a:p>
+          <a:p>
+            <a:r>
+              <a:rPr lang="es-CO" sz="2400" dirty="0" smtClean="0"/>
+              <a:t>Desarrollo </a:t>
+            </a:r>
             <a:r>
               <a:rPr lang="es-CO" sz="2400" dirty="0"/>
-              <a:t>Desarrollo de nuevas aplicaciones nativas del contenedor</a:t>
-            </a:r>
-          </a:p>
-          <a:p>
+              <a:t>de nuevas aplicaciones nativas del contenedor</a:t>
+            </a:r>
+          </a:p>
+          <a:p>
+            <a:r>
+              <a:rPr lang="es-CO" sz="2400" dirty="0" smtClean="0"/>
+              <a:t>Más </a:t>
+            </a:r>
             <a:r>
               <a:rPr lang="es-CO" sz="2400" dirty="0"/>
-              <a:t>Más compatibilidad con las arquitecturas de </a:t>
+              <a:t>compatibilidad con las arquitecturas de </a:t>
             </a:r>
             <a:r>
               <a:rPr lang="es-CO" sz="2400" dirty="0" err="1"/>
@@ -6480,8 +6663,12 @@
           </a:p>
           <a:p>
             <a:r>
+              <a:rPr lang="es-CO" sz="2400" dirty="0" smtClean="0"/>
+              <a:t>Soporte </a:t>
+            </a:r>
+            <a:r>
               <a:rPr lang="es-CO" sz="2400" dirty="0"/>
-              <a:t>Soporte de </a:t>
+              <a:t>de </a:t>
             </a:r>
             <a:r>
               <a:rPr lang="es-CO" sz="2400" dirty="0" err="1"/>
@@ -6494,9 +6681,18 @@
           </a:p>
           <a:p>
             <a:r>
+              <a:rPr lang="es-CO" sz="2400" dirty="0" smtClean="0"/>
+              <a:t>Una </a:t>
+            </a:r>
+            <a:r>
               <a:rPr lang="es-CO" sz="2400" dirty="0"/>
-              <a:t>Una puesta en marcha más sencilla de tareas y trabajos repetitivos</a:t>
-            </a:r>
+              <a:t>puesta en marcha más sencilla de tareas y trabajos </a:t>
+            </a:r>
+            <a:r>
+              <a:rPr lang="es-CO" sz="2400" dirty="0" smtClean="0"/>
+              <a:t>repetitivos</a:t>
+            </a:r>
+            <a:endParaRPr lang="es-CO" sz="2400" dirty="0"/>
           </a:p>
         </p:txBody>
       </p:sp>
@@ -6510,6 +6706,13 @@
   <p:clrMapOvr>
     <a:masterClrMapping/>
   </p:clrMapOvr>
+  <p:timing>
+    <p:tnLst>
+      <p:par>
+        <p:cTn id="1" dur="indefinite" restart="never" nodeType="tmRoot"/>
+      </p:par>
+    </p:tnLst>
+  </p:timing>
 </p:sld>
 </file>
 
@@ -6546,13 +6749,14 @@
           <a:lstStyle/>
           <a:p>
             <a:r>
-              <a:rPr lang="es-CO" dirty="0" err="1"/>
+              <a:rPr lang="es-CO" dirty="0" err="1" smtClean="0"/>
               <a:t>Heramientas</a:t>
             </a:r>
             <a:r>
-              <a:rPr lang="es-CO" dirty="0"/>
+              <a:rPr lang="es-CO" dirty="0" smtClean="0"/>
               <a:t> para Contenedores</a:t>
             </a:r>
+            <a:endParaRPr lang="es-CO" dirty="0"/>
           </a:p>
         </p:txBody>
       </p:sp>
@@ -6572,25 +6776,26 @@
           <a:lstStyle/>
           <a:p>
             <a:r>
-              <a:rPr lang="es-CO" dirty="0"/>
+              <a:rPr lang="es-CO" dirty="0" smtClean="0"/>
               <a:t>Las dos herramientas más reconocidas para el manejo de contenedores son </a:t>
             </a:r>
             <a:r>
-              <a:rPr lang="es-CO" dirty="0" err="1"/>
+              <a:rPr lang="es-CO" dirty="0" err="1" smtClean="0"/>
               <a:t>Docker</a:t>
             </a:r>
             <a:r>
-              <a:rPr lang="es-CO" dirty="0"/>
+              <a:rPr lang="es-CO" dirty="0" smtClean="0"/>
               <a:t> y </a:t>
             </a:r>
             <a:r>
-              <a:rPr lang="es-CO" dirty="0" err="1"/>
+              <a:rPr lang="es-CO" dirty="0" err="1" smtClean="0"/>
               <a:t>Kubernetes</a:t>
             </a:r>
             <a:r>
-              <a:rPr lang="es-CO" dirty="0"/>
+              <a:rPr lang="es-CO" dirty="0" smtClean="0"/>
               <a:t>, aunque no son las únicas son las mas populares.</a:t>
             </a:r>
+            <a:endParaRPr lang="es-CO" dirty="0"/>
           </a:p>
         </p:txBody>
       </p:sp>
@@ -6686,6 +6891,13 @@
   <p:clrMapOvr>
     <a:masterClrMapping/>
   </p:clrMapOvr>
+  <p:timing>
+    <p:tnLst>
+      <p:par>
+        <p:cTn id="1" dur="indefinite" restart="never" nodeType="tmRoot"/>
+      </p:par>
+    </p:tnLst>
+  </p:timing>
 </p:sld>
 </file>
 
@@ -6722,17 +6934,18 @@
           <a:lstStyle/>
           <a:p>
             <a:r>
-              <a:rPr lang="es-CO" dirty="0"/>
+              <a:rPr lang="es-CO" dirty="0" smtClean="0"/>
               <a:t>Qué es </a:t>
             </a:r>
             <a:r>
-              <a:rPr lang="es-CO" dirty="0" err="1"/>
+              <a:rPr lang="es-CO" dirty="0" err="1" smtClean="0"/>
               <a:t>Docker</a:t>
             </a:r>
             <a:r>
-              <a:rPr lang="es-CO" dirty="0"/>
+              <a:rPr lang="es-CO" dirty="0" smtClean="0"/>
               <a:t>?</a:t>
             </a:r>
+            <a:endParaRPr lang="es-CO" dirty="0"/>
           </a:p>
         </p:txBody>
       </p:sp>
@@ -6823,6 +7036,13 @@
   <p:clrMapOvr>
     <a:masterClrMapping/>
   </p:clrMapOvr>
+  <p:timing>
+    <p:tnLst>
+      <p:par>
+        <p:cTn id="1" dur="indefinite" restart="never" nodeType="tmRoot"/>
+      </p:par>
+    </p:tnLst>
+  </p:timing>
 </p:sld>
 </file>
 
@@ -6859,17 +7079,18 @@
           <a:lstStyle/>
           <a:p>
             <a:r>
-              <a:rPr lang="es-CO" dirty="0"/>
+              <a:rPr lang="es-CO" dirty="0" smtClean="0"/>
               <a:t>Qué es </a:t>
             </a:r>
             <a:r>
-              <a:rPr lang="es-CO" dirty="0" err="1"/>
+              <a:rPr lang="es-CO" dirty="0" err="1" smtClean="0"/>
               <a:t>Kubernetes</a:t>
             </a:r>
             <a:r>
-              <a:rPr lang="es-CO" dirty="0"/>
+              <a:rPr lang="es-CO" dirty="0" smtClean="0"/>
               <a:t>?</a:t>
             </a:r>
+            <a:endParaRPr lang="es-CO" dirty="0"/>
           </a:p>
         </p:txBody>
       </p:sp>
@@ -6952,6 +7173,13 @@
   <p:clrMapOvr>
     <a:masterClrMapping/>
   </p:clrMapOvr>
+  <p:timing>
+    <p:tnLst>
+      <p:par>
+        <p:cTn id="1" dur="indefinite" restart="never" nodeType="tmRoot"/>
+      </p:par>
+    </p:tnLst>
+  </p:timing>
 </p:sld>
 </file>
 
@@ -6988,13 +7216,14 @@
           <a:lstStyle/>
           <a:p>
             <a:r>
-              <a:rPr lang="es-CO" dirty="0" err="1"/>
+              <a:rPr lang="es-CO" dirty="0" err="1" smtClean="0"/>
               <a:t>Quiz</a:t>
             </a:r>
             <a:r>
-              <a:rPr lang="es-CO" dirty="0"/>
+              <a:rPr lang="es-CO" dirty="0" smtClean="0"/>
               <a:t> – Verdadero o Falso</a:t>
             </a:r>
+            <a:endParaRPr lang="es-CO" dirty="0"/>
           </a:p>
         </p:txBody>
       </p:sp>
@@ -7024,44 +7253,50 @@
               <a:rPr lang="es-CO" sz="1800" dirty="0"/>
               <a:t>La virtualización es una tecnología que permite crear servicios de TI útiles, con recursos que están tradicionalmente limitados al hardware. </a:t>
             </a:r>
+            <a:endParaRPr lang="es-CO" sz="1800" dirty="0" smtClean="0"/>
           </a:p>
           <a:p>
             <a:pPr lvl="1"/>
             <a:r>
-              <a:rPr lang="es-CO" sz="1400" b="1" dirty="0">
+              <a:rPr lang="es-CO" sz="1400" b="1" dirty="0" smtClean="0">
                 <a:solidFill>
                   <a:srgbClr val="00B050"/>
                 </a:solidFill>
               </a:rPr>
               <a:t>Verdadero</a:t>
             </a:r>
-          </a:p>
-          <a:p>
-            <a:r>
-              <a:rPr lang="es-CO" sz="1800" dirty="0"/>
+            <a:endParaRPr lang="es-CO" sz="1400" b="1" dirty="0">
+              <a:solidFill>
+                <a:srgbClr val="00B050"/>
+              </a:solidFill>
+            </a:endParaRPr>
+          </a:p>
+          <a:p>
+            <a:r>
+              <a:rPr lang="es-CO" sz="1800" dirty="0" smtClean="0"/>
               <a:t>El </a:t>
             </a:r>
             <a:r>
-              <a:rPr lang="es-CO" sz="1800" dirty="0" err="1"/>
+              <a:rPr lang="es-CO" sz="1800" dirty="0" err="1" smtClean="0"/>
               <a:t>HiperVisor</a:t>
             </a:r>
             <a:r>
-              <a:rPr lang="es-CO" sz="1800" dirty="0"/>
+              <a:rPr lang="es-CO" sz="1800" dirty="0" smtClean="0"/>
               <a:t>, es el encargado de crear las </a:t>
             </a:r>
             <a:r>
-              <a:rPr lang="es-CO" sz="1800" dirty="0" err="1"/>
+              <a:rPr lang="es-CO" sz="1800" dirty="0" err="1" smtClean="0"/>
               <a:t>maquins</a:t>
             </a:r>
             <a:r>
-              <a:rPr lang="es-CO" sz="1800" dirty="0"/>
+              <a:rPr lang="es-CO" sz="1800" dirty="0" smtClean="0"/>
               <a:t> virtuales.</a:t>
             </a:r>
           </a:p>
           <a:p>
             <a:pPr lvl="1"/>
             <a:r>
-              <a:rPr lang="es-CO" sz="1400" b="1" dirty="0">
+              <a:rPr lang="es-CO" sz="1400" b="1" dirty="0" smtClean="0">
                 <a:solidFill>
                   <a:srgbClr val="FF0000"/>
                 </a:solidFill>
@@ -7071,14 +7306,14 @@
           </a:p>
           <a:p>
             <a:r>
-              <a:rPr lang="es-CO" sz="1800" dirty="0"/>
+              <a:rPr lang="es-CO" sz="1800" dirty="0" smtClean="0"/>
               <a:t>La Virtualización inicia en los años 60’s con los procesos de Virtualización.</a:t>
             </a:r>
           </a:p>
           <a:p>
             <a:pPr lvl="1"/>
             <a:r>
-              <a:rPr lang="es-CO" sz="1400" b="1" dirty="0">
+              <a:rPr lang="es-CO" sz="1400" b="1" dirty="0" smtClean="0">
                 <a:solidFill>
                   <a:srgbClr val="FF0000"/>
                 </a:solidFill>
@@ -7088,14 +7323,14 @@
           </a:p>
           <a:p>
             <a:r>
-              <a:rPr lang="es-CO" sz="2000" dirty="0"/>
+              <a:rPr lang="es-CO" sz="2000" dirty="0" smtClean="0"/>
               <a:t>La Virtualización de los Datos, consolida los datos en una sola fuente.</a:t>
             </a:r>
           </a:p>
           <a:p>
             <a:pPr lvl="1"/>
             <a:r>
-              <a:rPr lang="es-CO" sz="1400" b="1" dirty="0">
+              <a:rPr lang="es-CO" sz="1400" b="1" dirty="0" smtClean="0">
                 <a:solidFill>
                   <a:srgbClr val="00B050"/>
                 </a:solidFill>
@@ -7105,14 +7340,14 @@
           </a:p>
           <a:p>
             <a:r>
-              <a:rPr lang="es-CO" sz="2000" dirty="0"/>
+              <a:rPr lang="es-CO" sz="2000" dirty="0" smtClean="0"/>
               <a:t>La Virtualización de escritorios, es lo mismo que escritorios remotos.</a:t>
             </a:r>
           </a:p>
           <a:p>
             <a:pPr lvl="1"/>
             <a:r>
-              <a:rPr lang="es-CO" sz="1400" b="1" dirty="0">
+              <a:rPr lang="es-CO" sz="1400" b="1" dirty="0" smtClean="0">
                 <a:solidFill>
                   <a:srgbClr val="00B050"/>
                 </a:solidFill>
@@ -7123,13 +7358,49 @@
           <a:p>
             <a:r>
               <a:rPr lang="es-CO" sz="2000" dirty="0"/>
-              <a:t>La Virtualización de un servidor, implica dividirlo en elementos mas pequeños que puedan utilizarse para realizar varias tareas específicas.</a:t>
+              <a:t>La </a:t>
+            </a:r>
+            <a:r>
+              <a:rPr lang="es-CO" sz="2000" dirty="0" smtClean="0"/>
+              <a:t>Virtualización </a:t>
+            </a:r>
+            <a:r>
+              <a:rPr lang="es-CO" sz="2000" dirty="0"/>
+              <a:t>de un servidor, </a:t>
+            </a:r>
+            <a:r>
+              <a:rPr lang="es-CO" sz="2000" dirty="0" smtClean="0"/>
+              <a:t>implica </a:t>
+            </a:r>
+            <a:r>
+              <a:rPr lang="es-CO" sz="2000" dirty="0"/>
+              <a:t>dividirlo </a:t>
+            </a:r>
+            <a:r>
+              <a:rPr lang="es-CO" sz="2000" dirty="0" smtClean="0"/>
+              <a:t>en </a:t>
+            </a:r>
+            <a:r>
+              <a:rPr lang="es-CO" sz="2000" dirty="0"/>
+              <a:t>elementos </a:t>
+            </a:r>
+            <a:r>
+              <a:rPr lang="es-CO" sz="2000" dirty="0" smtClean="0"/>
+              <a:t>mas pequeños que puedan </a:t>
+            </a:r>
+            <a:r>
+              <a:rPr lang="es-CO" sz="2000" dirty="0"/>
+              <a:t>utilizarse para realizar varias </a:t>
+            </a:r>
+            <a:r>
+              <a:rPr lang="es-CO" sz="2000" dirty="0" smtClean="0"/>
+              <a:t>tareas específicas.</a:t>
             </a:r>
           </a:p>
           <a:p>
             <a:pPr lvl="1"/>
             <a:r>
-              <a:rPr lang="es-CO" sz="1400" b="1" dirty="0">
+              <a:rPr lang="es-CO" sz="1400" b="1" dirty="0" smtClean="0">
                 <a:solidFill>
                   <a:srgbClr val="00B050"/>
                 </a:solidFill>
@@ -7139,30 +7410,22 @@
           </a:p>
           <a:p>
             <a:r>
-              <a:rPr lang="es-CO" sz="2000" dirty="0"/>
-              <a:t>La Virtualización de Sistema </a:t>
-            </a:r>
-            <a:r>
-              <a:rPr lang="es-CO" sz="2000" dirty="0" err="1"/>
-              <a:t>operátivo</a:t>
-            </a:r>
-            <a:r>
-              <a:rPr lang="es-CO" sz="2000" dirty="0"/>
-              <a:t>, utilizan el </a:t>
-            </a:r>
-            <a:r>
-              <a:rPr lang="es-CO" sz="2000" dirty="0" err="1"/>
+              <a:rPr lang="es-CO" sz="2000" dirty="0" smtClean="0"/>
+              <a:t>La Virtualización de Sistema operático, utilizan el </a:t>
+            </a:r>
+            <a:r>
+              <a:rPr lang="es-CO" sz="2000" dirty="0" err="1" smtClean="0"/>
               <a:t>Kernel</a:t>
             </a:r>
             <a:r>
-              <a:rPr lang="es-CO" sz="2000" dirty="0"/>
+              <a:rPr lang="es-CO" sz="2000" dirty="0" smtClean="0"/>
               <a:t> para administrar tareas centrales.</a:t>
             </a:r>
           </a:p>
           <a:p>
             <a:pPr lvl="1"/>
             <a:r>
-              <a:rPr lang="es-CO" sz="1400" b="1" dirty="0">
+              <a:rPr lang="es-CO" sz="1400" b="1" dirty="0" smtClean="0">
                 <a:solidFill>
                   <a:srgbClr val="00B050"/>
                 </a:solidFill>
@@ -7184,13 +7447,18 @@
           <a:p>
             <a:pPr lvl="1"/>
             <a:r>
-              <a:rPr lang="es-CO" sz="1400" b="1" dirty="0">
+              <a:rPr lang="es-CO" sz="1400" b="1" dirty="0" smtClean="0">
                 <a:solidFill>
                   <a:srgbClr val="00B050"/>
                 </a:solidFill>
               </a:rPr>
               <a:t>Verdadero</a:t>
             </a:r>
+            <a:endParaRPr lang="es-CO" sz="1400" b="1" dirty="0">
+              <a:solidFill>
+                <a:srgbClr val="00B050"/>
+              </a:solidFill>
+            </a:endParaRPr>
           </a:p>
         </p:txBody>
       </p:sp>
@@ -8054,9 +8322,10 @@
           <a:lstStyle/>
           <a:p>
             <a:r>
-              <a:rPr lang="es-CO" dirty="0"/>
+              <a:rPr lang="es-CO" dirty="0" smtClean="0"/>
               <a:t>Qué es la Virtualización?</a:t>
             </a:r>
+            <a:endParaRPr lang="es-CO" dirty="0"/>
           </a:p>
         </p:txBody>
       </p:sp>
@@ -8078,7 +8347,11 @@
             <a:pPr algn="just"/>
             <a:r>
               <a:rPr lang="es-CO" dirty="0"/>
-              <a:t>La virtualización es una tecnología que permite crear múltiples entornos simulados o recursos dedicados desde un solo sistema de hardware físico.</a:t>
+              <a:t>La virtualización es una tecnología que permite crear múltiples entornos simulados o recursos dedicados desde un solo sistema de hardware físico</a:t>
+            </a:r>
+            <a:r>
+              <a:rPr lang="es-CO" dirty="0" smtClean="0"/>
+              <a:t>.</a:t>
             </a:r>
           </a:p>
         </p:txBody>
@@ -8134,6 +8407,13 @@
   <p:clrMapOvr>
     <a:masterClrMapping/>
   </p:clrMapOvr>
+  <p:timing>
+    <p:tnLst>
+      <p:par>
+        <p:cTn id="1" dur="indefinite" restart="never" nodeType="tmRoot"/>
+      </p:par>
+    </p:tnLst>
+  </p:timing>
 </p:sld>
 </file>
 
@@ -8170,9 +8450,10 @@
           <a:lstStyle/>
           <a:p>
             <a:r>
-              <a:rPr lang="es-CO" dirty="0"/>
+              <a:rPr lang="es-CO" dirty="0" smtClean="0"/>
               <a:t>Demo</a:t>
             </a:r>
+            <a:endParaRPr lang="es-CO" dirty="0"/>
           </a:p>
         </p:txBody>
       </p:sp>
@@ -8192,26 +8473,26 @@
           <a:lstStyle/>
           <a:p>
             <a:r>
-              <a:rPr lang="es-CO" dirty="0"/>
+              <a:rPr lang="es-CO" dirty="0" smtClean="0"/>
               <a:t>Usando la Herramienta </a:t>
             </a:r>
             <a:r>
-              <a:rPr lang="es-CO" dirty="0" err="1"/>
+              <a:rPr lang="es-CO" dirty="0" err="1" smtClean="0"/>
               <a:t>Docker</a:t>
             </a:r>
             <a:r>
-              <a:rPr lang="es-CO" dirty="0"/>
+              <a:rPr lang="es-CO" dirty="0" smtClean="0"/>
               <a:t> Desktop</a:t>
             </a:r>
           </a:p>
           <a:p>
             <a:pPr lvl="1"/>
             <a:r>
-              <a:rPr lang="es-CO" dirty="0"/>
+              <a:rPr lang="es-CO" dirty="0" smtClean="0"/>
               <a:t>Cree una instancia de una Base de datos </a:t>
             </a:r>
             <a:r>
-              <a:rPr lang="es-CO" dirty="0" err="1"/>
+              <a:rPr lang="es-CO" dirty="0" err="1" smtClean="0"/>
               <a:t>MySql</a:t>
             </a:r>
             <a:endParaRPr lang="es-CO" dirty="0"/>
@@ -8254,6 +8535,13 @@
   <p:clrMapOvr>
     <a:masterClrMapping/>
   </p:clrMapOvr>
+  <p:timing>
+    <p:tnLst>
+      <p:par>
+        <p:cTn id="1" dur="indefinite" restart="never" nodeType="tmRoot"/>
+      </p:par>
+    </p:tnLst>
+  </p:timing>
 </p:sld>
 </file>
 
@@ -8291,9 +8579,10 @@
           <a:p>
             <a:pPr algn="ctr"/>
             <a:r>
-              <a:rPr lang="es-CO" dirty="0"/>
+              <a:rPr lang="es-CO" dirty="0" smtClean="0"/>
               <a:t>Preguntas?</a:t>
             </a:r>
+            <a:endParaRPr lang="es-CO" dirty="0"/>
           </a:p>
         </p:txBody>
       </p:sp>
@@ -8328,6 +8617,13 @@
   <p:clrMapOvr>
     <a:masterClrMapping/>
   </p:clrMapOvr>
+  <p:timing>
+    <p:tnLst>
+      <p:par>
+        <p:cTn id="1" dur="indefinite" restart="never" nodeType="tmRoot"/>
+      </p:par>
+    </p:tnLst>
+  </p:timing>
 </p:sld>
 </file>
 
@@ -8386,7 +8682,7 @@
           <a:p>
             <a:pPr algn="ctr"/>
             <a:r>
-              <a:rPr lang="en-US" sz="6600" b="1" cap="all" dirty="0">
+              <a:rPr lang="en-US" sz="6600" b="1" cap="all" dirty="0" smtClean="0">
                 <a:ln w="0"/>
                 <a:solidFill>
                   <a:srgbClr val="0066CC">
@@ -8400,6 +8696,18 @@
               </a:rPr>
               <a:t>Gracias!!!</a:t>
             </a:r>
+            <a:endParaRPr lang="en-US" sz="6600" b="1" cap="all" dirty="0">
+              <a:ln w="0"/>
+              <a:solidFill>
+                <a:srgbClr val="0066CC">
+                  <a:alpha val="74000"/>
+                </a:srgbClr>
+              </a:solidFill>
+              <a:effectLst>
+                <a:reflection blurRad="12700" stA="50000" endPos="50000" dist="5000" dir="5400000" sy="-100000" rotWithShape="0"/>
+              </a:effectLst>
+              <a:latin typeface="Berlin Sans FB Demi" pitchFamily="34" charset="0"/>
+            </a:endParaRPr>
           </a:p>
         </p:txBody>
       </p:sp>
@@ -8408,6 +8716,13 @@
   <p:clrMapOvr>
     <a:masterClrMapping/>
   </p:clrMapOvr>
+  <p:timing>
+    <p:tnLst>
+      <p:par>
+        <p:cTn id="1" dur="indefinite" restart="never" nodeType="tmRoot"/>
+      </p:par>
+    </p:tnLst>
+  </p:timing>
 </p:sld>
 </file>
 
@@ -8444,9 +8759,10 @@
           <a:lstStyle/>
           <a:p>
             <a:r>
-              <a:rPr lang="es-CO" dirty="0"/>
+              <a:rPr lang="es-CO" dirty="0" smtClean="0"/>
               <a:t>Qué es una maquina Virtual?</a:t>
             </a:r>
+            <a:endParaRPr lang="es-CO" dirty="0"/>
           </a:p>
         </p:txBody>
       </p:sp>
@@ -8535,6 +8851,13 @@
   <p:clrMapOvr>
     <a:masterClrMapping/>
   </p:clrMapOvr>
+  <p:timing>
+    <p:tnLst>
+      <p:par>
+        <p:cTn id="1" dur="indefinite" restart="never" nodeType="tmRoot"/>
+      </p:par>
+    </p:tnLst>
+  </p:timing>
 </p:sld>
 </file>
 
@@ -8571,9 +8894,10 @@
           <a:lstStyle/>
           <a:p>
             <a:r>
-              <a:rPr lang="es-CO" dirty="0"/>
+              <a:rPr lang="es-CO" dirty="0" smtClean="0"/>
               <a:t>Como Funciona la Virtualización?</a:t>
             </a:r>
+            <a:endParaRPr lang="es-CO" dirty="0"/>
           </a:p>
         </p:txBody>
       </p:sp>
@@ -8670,6 +8994,13 @@
   <p:clrMapOvr>
     <a:masterClrMapping/>
   </p:clrMapOvr>
+  <p:timing>
+    <p:tnLst>
+      <p:par>
+        <p:cTn id="1" dur="indefinite" restart="never" nodeType="tmRoot"/>
+      </p:par>
+    </p:tnLst>
+  </p:timing>
 </p:sld>
 </file>
 
@@ -8706,9 +9037,10 @@
           <a:lstStyle/>
           <a:p>
             <a:r>
-              <a:rPr lang="es-CO" dirty="0"/>
+              <a:rPr lang="es-CO" dirty="0" smtClean="0"/>
               <a:t>Historia de la Virtualización</a:t>
             </a:r>
+            <a:endParaRPr lang="es-CO" dirty="0"/>
           </a:p>
         </p:txBody>
       </p:sp>
@@ -8728,9 +9060,10 @@
           <a:lstStyle/>
           <a:p>
             <a:r>
-              <a:rPr lang="es-CO" dirty="0"/>
+              <a:rPr lang="es-CO" dirty="0" smtClean="0"/>
               <a:t>Aunque inicia en la década de los 70’s, comenzó a adaptarse más ampliamente a principios del año 2000, con la inclusión de software que facilitaba el proceso.</a:t>
             </a:r>
+            <a:endParaRPr lang="es-CO" dirty="0"/>
           </a:p>
         </p:txBody>
       </p:sp>
@@ -8826,6 +9159,13 @@
   <p:clrMapOvr>
     <a:masterClrMapping/>
   </p:clrMapOvr>
+  <p:timing>
+    <p:tnLst>
+      <p:par>
+        <p:cTn id="1" dur="indefinite" restart="never" nodeType="tmRoot"/>
+      </p:par>
+    </p:tnLst>
+  </p:timing>
 </p:sld>
 </file>
 
@@ -8862,9 +9202,10 @@
           <a:lstStyle/>
           <a:p>
             <a:r>
-              <a:rPr lang="es-CO" dirty="0"/>
+              <a:rPr lang="es-CO" dirty="0" smtClean="0"/>
               <a:t>Tipos de Virtualización</a:t>
             </a:r>
+            <a:endParaRPr lang="es-CO" dirty="0"/>
           </a:p>
         </p:txBody>
       </p:sp>
@@ -8886,7 +9227,7 @@
           <a:lstStyle/>
           <a:p>
             <a:r>
-              <a:rPr lang="es-CO" sz="2800" dirty="0"/>
+              <a:rPr lang="es-CO" sz="2800" dirty="0" smtClean="0"/>
               <a:t>Virtualización de los Datos</a:t>
             </a:r>
           </a:p>
@@ -8960,6 +9301,13 @@
   <p:clrMapOvr>
     <a:masterClrMapping/>
   </p:clrMapOvr>
+  <p:timing>
+    <p:tnLst>
+      <p:par>
+        <p:cTn id="1" dur="indefinite" restart="never" nodeType="tmRoot"/>
+      </p:par>
+    </p:tnLst>
+  </p:timing>
 </p:sld>
 </file>
 
@@ -9021,15 +9369,24 @@
           <a:p>
             <a:r>
               <a:rPr lang="es-CO" sz="2800" dirty="0"/>
-              <a:t>Virtualización de escritorios</a:t>
+              <a:t>Virtualización de </a:t>
+            </a:r>
+            <a:r>
+              <a:rPr lang="es-CO" sz="2800" dirty="0" smtClean="0"/>
+              <a:t>escritorios</a:t>
             </a:r>
           </a:p>
           <a:p>
             <a:pPr lvl="1"/>
             <a:r>
+              <a:rPr lang="es-CO" sz="2400" dirty="0" smtClean="0"/>
+              <a:t>La </a:t>
+            </a:r>
+            <a:r>
               <a:rPr lang="es-CO" sz="2400" dirty="0"/>
-              <a:t>La virtualización de escritorios permite que los administradores realicen múltiples configuraciones, actualizaciones y controles de seguridad en todos los escritorios virtuales.</a:t>
-            </a:r>
+              <a:t>virtualización de escritorios permite que los administradores realicen múltiples configuraciones, actualizaciones y controles de seguridad en todos los escritorios virtuales.</a:t>
+            </a:r>
+            <a:endParaRPr lang="es-CO" sz="2400" dirty="0" smtClean="0"/>
           </a:p>
           <a:p>
             <a:pPr lvl="1"/>
@@ -9098,6 +9455,13 @@
   <p:clrMapOvr>
     <a:masterClrMapping/>
   </p:clrMapOvr>
+  <p:timing>
+    <p:tnLst>
+      <p:par>
+        <p:cTn id="1" dur="indefinite" restart="never" nodeType="tmRoot"/>
+      </p:par>
+    </p:tnLst>
+  </p:timing>
 </p:sld>
 </file>
 
@@ -9159,7 +9523,11 @@
           <a:p>
             <a:r>
               <a:rPr lang="es-CO" sz="2800" dirty="0"/>
-              <a:t>Virtualización de los servidores</a:t>
+              <a:t>Virtualización de los </a:t>
+            </a:r>
+            <a:r>
+              <a:rPr lang="es-CO" sz="2800" dirty="0" smtClean="0"/>
+              <a:t>servidores</a:t>
             </a:r>
           </a:p>
           <a:p>
@@ -9168,6 +9536,7 @@
               <a:rPr lang="es-CO" sz="2400" dirty="0"/>
               <a:t> La virtualización de un servidor, que implica dividirlo para que sus elementos puedan utilizarse para realizar varias tareas, permite ejecutar más funciones específicas.</a:t>
             </a:r>
+            <a:endParaRPr lang="es-CO" sz="2400" dirty="0" smtClean="0"/>
           </a:p>
           <a:p>
             <a:pPr lvl="1"/>
@@ -9226,6 +9595,13 @@
   <p:clrMapOvr>
     <a:masterClrMapping/>
   </p:clrMapOvr>
+  <p:timing>
+    <p:tnLst>
+      <p:par>
+        <p:cTn id="1" dur="indefinite" restart="never" nodeType="tmRoot"/>
+      </p:par>
+    </p:tnLst>
+  </p:timing>
 </p:sld>
 </file>
 
@@ -9366,6 +9742,13 @@
   <p:clrMapOvr>
     <a:masterClrMapping/>
   </p:clrMapOvr>
+  <p:timing>
+    <p:tnLst>
+      <p:par>
+        <p:cTn id="1" dur="indefinite" restart="never" nodeType="tmRoot"/>
+      </p:par>
+    </p:tnLst>
+  </p:timing>
 </p:sld>
 </file>
 
